--- a/_posts/ithome/2021/3.你真了解資料嗎？試試看視覺化分析吧！/3.你真了解資料嗎？試試看視覺化分析吧！.pptx
+++ b/_posts/ithome/2021/3.你真了解資料嗎？試試看視覺化分析吧！/3.你真了解資料嗎？試試看視覺化分析吧！.pptx
@@ -5,10 +5,19 @@
     <p:sldMasterId id="2147483648" r:id="rId1"/>
   </p:sldMasterIdLst>
   <p:notesMasterIdLst>
-    <p:notesMasterId r:id="rId3"/>
+    <p:notesMasterId r:id="rId12"/>
   </p:notesMasterIdLst>
   <p:sldIdLst>
     <p:sldId id="256" r:id="rId2"/>
+    <p:sldId id="257" r:id="rId3"/>
+    <p:sldId id="258" r:id="rId4"/>
+    <p:sldId id="259" r:id="rId5"/>
+    <p:sldId id="260" r:id="rId6"/>
+    <p:sldId id="261" r:id="rId7"/>
+    <p:sldId id="262" r:id="rId8"/>
+    <p:sldId id="263" r:id="rId9"/>
+    <p:sldId id="264" r:id="rId10"/>
+    <p:sldId id="265" r:id="rId11"/>
   </p:sldIdLst>
   <p:sldSz cx="12192000" cy="6858000"/>
   <p:notesSz cx="6858000" cy="9144000"/>
@@ -197,7 +206,7 @@
           <a:p>
             <a:fld id="{70F9483D-5685-4610-8B91-BE6D65D1569A}" type="datetimeFigureOut">
               <a:rPr lang="zh-TW" altLang="en-US" smtClean="0"/>
-              <a:t>2021/8/12</a:t>
+              <a:t>2021/9/21</a:t>
             </a:fld>
             <a:endParaRPr lang="zh-TW" altLang="en-US"/>
           </a:p>
@@ -2990,7 +2999,7 @@
           <a:p>
             <a:fld id="{B90AA977-5E56-4B1C-84F9-CDECE789AE20}" type="datetimeFigureOut">
               <a:rPr lang="zh-TW" altLang="en-US" smtClean="0"/>
-              <a:t>2021/8/12</a:t>
+              <a:t>2021/9/21</a:t>
             </a:fld>
             <a:endParaRPr lang="zh-TW" altLang="en-US"/>
           </a:p>
@@ -3815,10 +3824,6054 @@
           </a:p>
         </p:txBody>
       </p:sp>
+      <p:grpSp>
+        <p:nvGrpSpPr>
+          <p:cNvPr id="10" name="Group 9">
+            <a:extLst>
+              <a:ext uri="{FF2B5EF4-FFF2-40B4-BE49-F238E27FC236}">
+                <a16:creationId xmlns:a16="http://schemas.microsoft.com/office/drawing/2014/main" id="{C2053508-79B0-1945-A207-A261DFA4CA35}"/>
+              </a:ext>
+            </a:extLst>
+          </p:cNvPr>
+          <p:cNvGrpSpPr/>
+          <p:nvPr/>
+        </p:nvGrpSpPr>
+        <p:grpSpPr>
+          <a:xfrm>
+            <a:off x="1659037" y="4248949"/>
+            <a:ext cx="9302184" cy="2054723"/>
+            <a:chOff x="3360126" y="3971848"/>
+            <a:chExt cx="5764444" cy="1050587"/>
+          </a:xfrm>
+        </p:grpSpPr>
+        <p:grpSp>
+          <p:nvGrpSpPr>
+            <p:cNvPr id="12" name="Group 11">
+              <a:extLst>
+                <a:ext uri="{FF2B5EF4-FFF2-40B4-BE49-F238E27FC236}">
+                  <a16:creationId xmlns:a16="http://schemas.microsoft.com/office/drawing/2014/main" id="{40429E76-6041-C248-AE84-FA22FAACA505}"/>
+                </a:ext>
+              </a:extLst>
+            </p:cNvPr>
+            <p:cNvGrpSpPr/>
+            <p:nvPr/>
+          </p:nvGrpSpPr>
+          <p:grpSpPr>
+            <a:xfrm>
+              <a:off x="3360126" y="4381750"/>
+              <a:ext cx="2735874" cy="215396"/>
+              <a:chOff x="7237110" y="4330673"/>
+              <a:chExt cx="2735874" cy="215396"/>
+            </a:xfrm>
+          </p:grpSpPr>
+          <p:sp>
+            <p:nvSpPr>
+              <p:cNvPr id="18" name="Intelligent Information Retrieval Laboratory">
+                <a:extLst>
+                  <a:ext uri="{FF2B5EF4-FFF2-40B4-BE49-F238E27FC236}">
+                    <a16:creationId xmlns:a16="http://schemas.microsoft.com/office/drawing/2014/main" id="{E3AEF532-A3B0-3D47-A167-3612450633C4}"/>
+                  </a:ext>
+                </a:extLst>
+              </p:cNvPr>
+              <p:cNvSpPr txBox="1"/>
+              <p:nvPr/>
+            </p:nvSpPr>
+            <p:spPr>
+              <a:xfrm>
+                <a:off x="7237110" y="4330673"/>
+                <a:ext cx="2590800" cy="215396"/>
+              </a:xfrm>
+              <a:prstGeom prst="rect">
+                <a:avLst/>
+              </a:prstGeom>
+              <a:noFill/>
+              <a:ln w="12700" cap="flat">
+                <a:noFill/>
+                <a:miter lim="400000"/>
+              </a:ln>
+              <a:effectLst/>
+              <a:extLst>
+                <a:ext uri="{C572A759-6A51-4108-AA02-DFA0A04FC94B}">
+                  <ma14:wrappingTextBoxFlag xmlns:ma14="http://schemas.microsoft.com/office/mac/drawingml/2011/main" xmlns:a14="http://schemas.microsoft.com/office/drawing/2010/main" xmlns:m="http://schemas.openxmlformats.org/officeDocument/2006/math" xmlns="" val="1"/>
+                </a:ext>
+              </a:extLst>
+            </p:spPr>
+            <p:txBody>
+              <a:bodyPr wrap="square" lIns="71437" tIns="71437" rIns="71437" bIns="71437" numCol="1" anchor="ctr">
+                <a:spAutoFit/>
+              </a:bodyPr>
+              <a:lstStyle>
+                <a:lvl1pPr algn="l" defTabSz="821531">
+                  <a:defRPr sz="2400" b="0">
+                    <a:solidFill>
+                      <a:srgbClr val="FFFFFF"/>
+                    </a:solidFill>
+                    <a:latin typeface="Helvetica Neue Bold Condensed"/>
+                    <a:ea typeface="Helvetica Neue Bold Condensed"/>
+                    <a:cs typeface="Helvetica Neue Bold Condensed"/>
+                    <a:sym typeface="Helvetica Neue Bold Condensed"/>
+                  </a:defRPr>
+                </a:lvl1pPr>
+              </a:lstStyle>
+              <a:p>
+                <a:r>
+                  <a:rPr kumimoji="0" lang="zh-TW" altLang="en-US" sz="1400" b="0" i="0" u="none" strike="noStrike" cap="none" spc="0" normalizeH="0" baseline="0" dirty="0">
+                    <a:ln>
+                      <a:noFill/>
+                    </a:ln>
+                    <a:solidFill>
+                      <a:schemeClr val="tx1">
+                        <a:alpha val="15000"/>
+                      </a:schemeClr>
+                    </a:solidFill>
+                    <a:effectLst/>
+                    <a:uFillTx/>
+                    <a:latin typeface="Helvetica Neue Bold Condensed"/>
+                    <a:ea typeface="Helvetica Neue Bold Condensed"/>
+                    <a:cs typeface="Helvetica Neue Bold Condensed"/>
+                    <a:sym typeface="Helvetica Neue Bold Condensed"/>
+                  </a:rPr>
+                  <a:t>第</a:t>
+                </a:r>
+                <a:r>
+                  <a:rPr kumimoji="0" lang="en-US" altLang="zh-TW" sz="1400" b="0" i="0" u="none" strike="noStrike" cap="none" spc="0" normalizeH="0" baseline="0" dirty="0">
+                    <a:ln>
+                      <a:noFill/>
+                    </a:ln>
+                    <a:solidFill>
+                      <a:schemeClr val="tx1">
+                        <a:alpha val="15000"/>
+                      </a:schemeClr>
+                    </a:solidFill>
+                    <a:effectLst/>
+                    <a:uFillTx/>
+                    <a:latin typeface="Helvetica Neue Bold Condensed"/>
+                    <a:ea typeface="Helvetica Neue Bold Condensed"/>
+                    <a:cs typeface="Helvetica Neue Bold Condensed"/>
+                    <a:sym typeface="Helvetica Neue Bold Condensed"/>
+                  </a:rPr>
+                  <a:t>13</a:t>
+                </a:r>
+                <a:r>
+                  <a:rPr kumimoji="0" lang="zh-TW" altLang="en-US" sz="1400" b="0" i="0" u="none" strike="noStrike" cap="none" spc="0" normalizeH="0" baseline="0" dirty="0">
+                    <a:ln>
+                      <a:noFill/>
+                    </a:ln>
+                    <a:solidFill>
+                      <a:schemeClr val="tx1">
+                        <a:alpha val="15000"/>
+                      </a:schemeClr>
+                    </a:solidFill>
+                    <a:effectLst/>
+                    <a:uFillTx/>
+                    <a:latin typeface="Helvetica Neue Bold Condensed"/>
+                    <a:ea typeface="Helvetica Neue Bold Condensed"/>
+                    <a:cs typeface="Helvetica Neue Bold Condensed"/>
+                    <a:sym typeface="Helvetica Neue Bold Condensed"/>
+                  </a:rPr>
+                  <a:t>屆 </a:t>
+                </a:r>
+                <a:r>
+                  <a:rPr kumimoji="0" lang="en-US" sz="1800" b="0" i="0" u="none" strike="noStrike" cap="none" spc="0" normalizeH="0" baseline="0" dirty="0">
+                    <a:ln>
+                      <a:noFill/>
+                    </a:ln>
+                    <a:solidFill>
+                      <a:schemeClr val="tx1">
+                        <a:alpha val="15000"/>
+                      </a:schemeClr>
+                    </a:solidFill>
+                    <a:effectLst/>
+                    <a:uFillTx/>
+                    <a:latin typeface="Helvetica Neue Bold Condensed"/>
+                    <a:ea typeface="Helvetica Neue Bold Condensed"/>
+                    <a:cs typeface="Helvetica Neue Bold Condensed"/>
+                    <a:sym typeface="Helvetica Neue Bold Condensed"/>
+                  </a:rPr>
+                  <a:t>iT</a:t>
+                </a:r>
+                <a:r>
+                  <a:rPr kumimoji="0" lang="zh-TW" altLang="en-US" sz="1600" b="0" i="0" u="none" strike="noStrike" cap="none" spc="0" normalizeH="0" baseline="0" dirty="0">
+                    <a:ln>
+                      <a:noFill/>
+                    </a:ln>
+                    <a:solidFill>
+                      <a:schemeClr val="tx1">
+                        <a:alpha val="15000"/>
+                      </a:schemeClr>
+                    </a:solidFill>
+                    <a:effectLst/>
+                    <a:uFillTx/>
+                    <a:latin typeface="Helvetica Neue Bold Condensed"/>
+                    <a:ea typeface="Helvetica Neue Bold Condensed"/>
+                    <a:cs typeface="Helvetica Neue Bold Condensed"/>
+                    <a:sym typeface="Helvetica Neue Bold Condensed"/>
+                  </a:rPr>
+                  <a:t>邦</a:t>
+                </a:r>
+                <a:r>
+                  <a:rPr kumimoji="0" lang="zh-TW" altLang="en-US" sz="1200" b="0" i="0" u="none" strike="noStrike" cap="none" spc="0" normalizeH="0" baseline="0" dirty="0">
+                    <a:ln>
+                      <a:noFill/>
+                    </a:ln>
+                    <a:solidFill>
+                      <a:schemeClr val="tx1">
+                        <a:alpha val="15000"/>
+                      </a:schemeClr>
+                    </a:solidFill>
+                    <a:effectLst/>
+                    <a:uFillTx/>
+                    <a:latin typeface="Helvetica Neue Bold Condensed"/>
+                    <a:ea typeface="Helvetica Neue Bold Condensed"/>
+                    <a:cs typeface="Helvetica Neue Bold Condensed"/>
+                    <a:sym typeface="Helvetica Neue Bold Condensed"/>
+                  </a:rPr>
+                  <a:t>幫忙</a:t>
+                </a:r>
+                <a:r>
+                  <a:rPr kumimoji="0" lang="zh-TW" altLang="en-US" sz="1600" b="0" i="0" u="none" strike="noStrike" cap="none" spc="0" normalizeH="0" baseline="0" dirty="0">
+                    <a:ln>
+                      <a:noFill/>
+                    </a:ln>
+                    <a:solidFill>
+                      <a:schemeClr val="tx1">
+                        <a:alpha val="15000"/>
+                      </a:schemeClr>
+                    </a:solidFill>
+                    <a:effectLst/>
+                    <a:uFillTx/>
+                    <a:latin typeface="Helvetica Neue Bold Condensed"/>
+                    <a:ea typeface="Helvetica Neue Bold Condensed"/>
+                    <a:cs typeface="Helvetica Neue Bold Condensed"/>
+                    <a:sym typeface="Helvetica Neue Bold Condensed"/>
+                  </a:rPr>
+                  <a:t> 鐵人賽</a:t>
+                </a:r>
+                <a:endParaRPr sz="1600" dirty="0">
+                  <a:solidFill>
+                    <a:schemeClr val="tx1">
+                      <a:alpha val="15000"/>
+                    </a:schemeClr>
+                  </a:solidFill>
+                </a:endParaRPr>
+              </a:p>
+            </p:txBody>
+          </p:sp>
+          <p:sp>
+            <p:nvSpPr>
+              <p:cNvPr id="19" name="Intelligent Information Retrieval Laboratory">
+                <a:extLst>
+                  <a:ext uri="{FF2B5EF4-FFF2-40B4-BE49-F238E27FC236}">
+                    <a16:creationId xmlns:a16="http://schemas.microsoft.com/office/drawing/2014/main" id="{447127A7-F29A-DD4B-8F9F-EE5A21CDC0D0}"/>
+                  </a:ext>
+                </a:extLst>
+              </p:cNvPr>
+              <p:cNvSpPr txBox="1"/>
+              <p:nvPr/>
+            </p:nvSpPr>
+            <p:spPr>
+              <a:xfrm>
+                <a:off x="8753784" y="4354105"/>
+                <a:ext cx="1219200" cy="183922"/>
+              </a:xfrm>
+              <a:prstGeom prst="rect">
+                <a:avLst/>
+              </a:prstGeom>
+              <a:noFill/>
+              <a:ln w="12700" cap="flat">
+                <a:noFill/>
+                <a:miter lim="400000"/>
+              </a:ln>
+              <a:effectLst/>
+              <a:extLst>
+                <a:ext uri="{C572A759-6A51-4108-AA02-DFA0A04FC94B}">
+                  <ma14:wrappingTextBoxFlag xmlns:ma14="http://schemas.microsoft.com/office/mac/drawingml/2011/main" xmlns:a14="http://schemas.microsoft.com/office/drawing/2010/main" xmlns:m="http://schemas.openxmlformats.org/officeDocument/2006/math" xmlns="" val="1"/>
+                </a:ext>
+              </a:extLst>
+            </p:spPr>
+            <p:txBody>
+              <a:bodyPr wrap="square" lIns="71437" tIns="71437" rIns="71437" bIns="71437" numCol="1" anchor="ctr">
+                <a:spAutoFit/>
+              </a:bodyPr>
+              <a:lstStyle>
+                <a:lvl1pPr algn="l" defTabSz="821531">
+                  <a:defRPr sz="2400" b="0">
+                    <a:solidFill>
+                      <a:srgbClr val="FFFFFF"/>
+                    </a:solidFill>
+                    <a:latin typeface="Helvetica Neue Bold Condensed"/>
+                    <a:ea typeface="Helvetica Neue Bold Condensed"/>
+                    <a:cs typeface="Helvetica Neue Bold Condensed"/>
+                    <a:sym typeface="Helvetica Neue Bold Condensed"/>
+                  </a:defRPr>
+                </a:lvl1pPr>
+              </a:lstStyle>
+              <a:p>
+                <a:r>
+                  <a:rPr kumimoji="0" lang="en-US" altLang="zh-TW" sz="1400" b="0" i="0" u="none" strike="noStrike" cap="none" spc="0" normalizeH="0" baseline="0" dirty="0">
+                    <a:ln>
+                      <a:noFill/>
+                    </a:ln>
+                    <a:solidFill>
+                      <a:schemeClr val="tx1">
+                        <a:alpha val="15000"/>
+                      </a:schemeClr>
+                    </a:solidFill>
+                    <a:effectLst/>
+                    <a:uFillTx/>
+                    <a:latin typeface="Helvetica Neue Bold Condensed"/>
+                    <a:ea typeface="Helvetica Neue Bold Condensed"/>
+                    <a:cs typeface="Helvetica Neue Bold Condensed"/>
+                    <a:sym typeface="Helvetica Neue Bold Condensed"/>
+                  </a:rPr>
+                  <a:t>AI &amp; Data </a:t>
+                </a:r>
+                <a:r>
+                  <a:rPr kumimoji="0" lang="zh-TW" altLang="en-US" sz="1400" b="0" i="0" u="none" strike="noStrike" cap="none" spc="0" normalizeH="0" baseline="0" dirty="0">
+                    <a:ln>
+                      <a:noFill/>
+                    </a:ln>
+                    <a:solidFill>
+                      <a:schemeClr val="tx1">
+                        <a:alpha val="15000"/>
+                      </a:schemeClr>
+                    </a:solidFill>
+                    <a:effectLst/>
+                    <a:uFillTx/>
+                    <a:latin typeface="Helvetica Neue Bold Condensed"/>
+                    <a:ea typeface="Helvetica Neue Bold Condensed"/>
+                    <a:cs typeface="Helvetica Neue Bold Condensed"/>
+                    <a:sym typeface="Helvetica Neue Bold Condensed"/>
+                  </a:rPr>
+                  <a:t>組</a:t>
+                </a:r>
+                <a:endParaRPr sz="1600" dirty="0">
+                  <a:solidFill>
+                    <a:schemeClr val="tx1">
+                      <a:alpha val="15000"/>
+                    </a:schemeClr>
+                  </a:solidFill>
+                </a:endParaRPr>
+              </a:p>
+            </p:txBody>
+          </p:sp>
+        </p:grpSp>
+        <p:grpSp>
+          <p:nvGrpSpPr>
+            <p:cNvPr id="14" name="Group 13">
+              <a:extLst>
+                <a:ext uri="{FF2B5EF4-FFF2-40B4-BE49-F238E27FC236}">
+                  <a16:creationId xmlns:a16="http://schemas.microsoft.com/office/drawing/2014/main" id="{19B30348-2FB3-BD46-939A-361E2EDBDA82}"/>
+                </a:ext>
+              </a:extLst>
+            </p:cNvPr>
+            <p:cNvGrpSpPr/>
+            <p:nvPr/>
+          </p:nvGrpSpPr>
+          <p:grpSpPr>
+            <a:xfrm>
+              <a:off x="7247835" y="3971848"/>
+              <a:ext cx="1876735" cy="1050587"/>
+              <a:chOff x="3891792" y="3940042"/>
+              <a:chExt cx="1876735" cy="1050587"/>
+            </a:xfrm>
+          </p:grpSpPr>
+          <p:pic>
+            <p:nvPicPr>
+              <p:cNvPr id="15" name="Picture 14">
+                <a:extLst>
+                  <a:ext uri="{FF2B5EF4-FFF2-40B4-BE49-F238E27FC236}">
+                    <a16:creationId xmlns:a16="http://schemas.microsoft.com/office/drawing/2014/main" id="{A2A865C5-F0CB-3043-99EC-04A8D99A2EC1}"/>
+                  </a:ext>
+                </a:extLst>
+              </p:cNvPr>
+              <p:cNvPicPr>
+                <a:picLocks noChangeAspect="1" noChangeArrowheads="1"/>
+              </p:cNvPicPr>
+              <p:nvPr/>
+            </p:nvPicPr>
+            <p:blipFill>
+              <a:blip r:embed="rId6">
+                <a:duotone>
+                  <a:prstClr val="black"/>
+                  <a:schemeClr val="tx1">
+                    <a:tint val="45000"/>
+                    <a:satMod val="400000"/>
+                  </a:schemeClr>
+                </a:duotone>
+                <a:alphaModFix amt="20000"/>
+              </a:blip>
+              <a:srcRect/>
+              <a:stretch/>
+            </p:blipFill>
+            <p:spPr bwMode="auto">
+              <a:xfrm>
+                <a:off x="4489805" y="3940042"/>
+                <a:ext cx="1050587" cy="1050587"/>
+              </a:xfrm>
+              <a:prstGeom prst="rect">
+                <a:avLst/>
+              </a:prstGeom>
+              <a:noFill/>
+              <a:extLst>
+                <a:ext uri="{909E8E84-426E-40DD-AFC4-6F175D3DCCD1}">
+                  <a14:hiddenFill xmlns:a14="http://schemas.microsoft.com/office/drawing/2010/main">
+                    <a:solidFill>
+                      <a:srgbClr val="FFFFFF"/>
+                    </a:solidFill>
+                  </a14:hiddenFill>
+                </a:ext>
+              </a:extLst>
+            </p:spPr>
+          </p:pic>
+          <p:pic>
+            <p:nvPicPr>
+              <p:cNvPr id="16" name="Picture 4" descr="Youtube logo | Logok">
+                <a:extLst>
+                  <a:ext uri="{FF2B5EF4-FFF2-40B4-BE49-F238E27FC236}">
+                    <a16:creationId xmlns:a16="http://schemas.microsoft.com/office/drawing/2014/main" id="{87B83FDC-C31D-5849-A6F6-3106B61A678D}"/>
+                  </a:ext>
+                </a:extLst>
+              </p:cNvPr>
+              <p:cNvPicPr>
+                <a:picLocks noChangeAspect="1" noChangeArrowheads="1"/>
+              </p:cNvPicPr>
+              <p:nvPr/>
+            </p:nvPicPr>
+            <p:blipFill>
+              <a:blip r:embed="rId7">
+                <a:alphaModFix amt="20000"/>
+                <a:extLst>
+                  <a:ext uri="{28A0092B-C50C-407E-A947-70E740481C1C}">
+                    <a14:useLocalDpi xmlns:a14="http://schemas.microsoft.com/office/drawing/2010/main" val="0"/>
+                  </a:ext>
+                </a:extLst>
+              </a:blip>
+              <a:srcRect/>
+              <a:stretch>
+                <a:fillRect/>
+              </a:stretch>
+            </p:blipFill>
+            <p:spPr bwMode="auto">
+              <a:xfrm>
+                <a:off x="3891792" y="4187926"/>
+                <a:ext cx="739756" cy="554817"/>
+              </a:xfrm>
+              <a:prstGeom prst="rect">
+                <a:avLst/>
+              </a:prstGeom>
+              <a:noFill/>
+              <a:extLst>
+                <a:ext uri="{909E8E84-426E-40DD-AFC4-6F175D3DCCD1}">
+                  <a14:hiddenFill xmlns:a14="http://schemas.microsoft.com/office/drawing/2010/main">
+                    <a:solidFill>
+                      <a:srgbClr val="FFFFFF"/>
+                    </a:solidFill>
+                  </a14:hiddenFill>
+                </a:ext>
+              </a:extLst>
+            </p:spPr>
+          </p:pic>
+          <p:sp>
+            <p:nvSpPr>
+              <p:cNvPr id="17" name="Intelligent Information Retrieval Laboratory">
+                <a:extLst>
+                  <a:ext uri="{FF2B5EF4-FFF2-40B4-BE49-F238E27FC236}">
+                    <a16:creationId xmlns:a16="http://schemas.microsoft.com/office/drawing/2014/main" id="{026AAFF7-9FFC-8346-8ADA-F3D885C6DB6D}"/>
+                  </a:ext>
+                </a:extLst>
+              </p:cNvPr>
+              <p:cNvSpPr txBox="1"/>
+              <p:nvPr/>
+            </p:nvSpPr>
+            <p:spPr>
+              <a:xfrm>
+                <a:off x="4549327" y="4365369"/>
+                <a:ext cx="1219200" cy="215396"/>
+              </a:xfrm>
+              <a:prstGeom prst="rect">
+                <a:avLst/>
+              </a:prstGeom>
+              <a:noFill/>
+              <a:ln w="12700" cap="flat">
+                <a:noFill/>
+                <a:miter lim="400000"/>
+              </a:ln>
+              <a:effectLst/>
+              <a:extLst>
+                <a:ext uri="{C572A759-6A51-4108-AA02-DFA0A04FC94B}">
+                  <ma14:wrappingTextBoxFlag xmlns:ma14="http://schemas.microsoft.com/office/mac/drawingml/2011/main" xmlns:a14="http://schemas.microsoft.com/office/drawing/2010/main" xmlns:m="http://schemas.openxmlformats.org/officeDocument/2006/math" xmlns="" val="1"/>
+                </a:ext>
+              </a:extLst>
+            </p:spPr>
+            <p:txBody>
+              <a:bodyPr wrap="square" lIns="71437" tIns="71437" rIns="71437" bIns="71437" numCol="1" anchor="ctr">
+                <a:spAutoFit/>
+              </a:bodyPr>
+              <a:lstStyle>
+                <a:lvl1pPr algn="l" defTabSz="821531">
+                  <a:defRPr sz="2400" b="0">
+                    <a:solidFill>
+                      <a:srgbClr val="FFFFFF"/>
+                    </a:solidFill>
+                    <a:latin typeface="Helvetica Neue Bold Condensed"/>
+                    <a:ea typeface="Helvetica Neue Bold Condensed"/>
+                    <a:cs typeface="Helvetica Neue Bold Condensed"/>
+                    <a:sym typeface="Helvetica Neue Bold Condensed"/>
+                  </a:defRPr>
+                </a:lvl1pPr>
+              </a:lstStyle>
+              <a:p>
+                <a:r>
+                  <a:rPr kumimoji="0" lang="en-US" altLang="zh-TW" sz="1800" b="0" i="0" u="none" strike="noStrike" cap="none" spc="0" normalizeH="0" baseline="0" dirty="0">
+                    <a:ln>
+                      <a:noFill/>
+                    </a:ln>
+                    <a:solidFill>
+                      <a:schemeClr val="tx1">
+                        <a:alpha val="15000"/>
+                      </a:schemeClr>
+                    </a:solidFill>
+                    <a:effectLst/>
+                    <a:uFillTx/>
+                    <a:latin typeface="Helvetica Neue Bold Condensed"/>
+                    <a:ea typeface="Helvetica Neue Bold Condensed"/>
+                    <a:cs typeface="Helvetica Neue Bold Condensed"/>
+                    <a:sym typeface="Helvetica Neue Bold Condensed"/>
+                  </a:rPr>
+                  <a:t>10</a:t>
+                </a:r>
+                <a:r>
+                  <a:rPr kumimoji="0" lang="zh-TW" altLang="en-US" sz="1800" b="0" i="0" u="none" strike="noStrike" cap="none" spc="0" normalizeH="0" baseline="0" dirty="0">
+                    <a:ln>
+                      <a:noFill/>
+                    </a:ln>
+                    <a:solidFill>
+                      <a:schemeClr val="tx1">
+                        <a:alpha val="15000"/>
+                      </a:schemeClr>
+                    </a:solidFill>
+                    <a:effectLst/>
+                    <a:uFillTx/>
+                    <a:sym typeface="Helvetica Neue Bold Condensed"/>
+                  </a:rPr>
+                  <a:t>程式中</a:t>
+                </a:r>
+                <a:endParaRPr sz="2000" dirty="0">
+                  <a:solidFill>
+                    <a:schemeClr val="tx1">
+                      <a:alpha val="15000"/>
+                    </a:schemeClr>
+                  </a:solidFill>
+                </a:endParaRPr>
+              </a:p>
+            </p:txBody>
+          </p:sp>
+        </p:grpSp>
+      </p:grpSp>
     </p:spTree>
     <p:extLst>
       <p:ext uri="{BB962C8B-B14F-4D97-AF65-F5344CB8AC3E}">
         <p14:creationId xmlns:p14="http://schemas.microsoft.com/office/powerpoint/2010/main" val="3521076440"/>
+      </p:ext>
+    </p:extLst>
+  </p:cSld>
+  <p:clrMapOvr>
+    <a:masterClrMapping/>
+  </p:clrMapOvr>
+</p:sld>
+</file>
+
+<file path=ppt/slides/slide10.xml><?xml version="1.0" encoding="utf-8"?>
+<p:sld xmlns:a="http://schemas.openxmlformats.org/drawingml/2006/main" xmlns:r="http://schemas.openxmlformats.org/officeDocument/2006/relationships" xmlns:p="http://schemas.openxmlformats.org/presentationml/2006/main">
+  <p:cSld>
+    <p:spTree>
+      <p:nvGrpSpPr>
+        <p:cNvPr id="1" name=""/>
+        <p:cNvGrpSpPr/>
+        <p:nvPr/>
+      </p:nvGrpSpPr>
+      <p:grpSpPr>
+        <a:xfrm>
+          <a:off x="0" y="0"/>
+          <a:ext cx="0" cy="0"/>
+          <a:chOff x="0" y="0"/>
+          <a:chExt cx="0" cy="0"/>
+        </a:xfrm>
+      </p:grpSpPr>
+      <p:grpSp>
+        <p:nvGrpSpPr>
+          <p:cNvPr id="4" name="Group 3">
+            <a:extLst>
+              <a:ext uri="{FF2B5EF4-FFF2-40B4-BE49-F238E27FC236}">
+                <a16:creationId xmlns:a16="http://schemas.microsoft.com/office/drawing/2014/main" id="{F4B67E14-4B87-814B-BDB4-BE841CFEC4B2}"/>
+              </a:ext>
+            </a:extLst>
+          </p:cNvPr>
+          <p:cNvGrpSpPr/>
+          <p:nvPr/>
+        </p:nvGrpSpPr>
+        <p:grpSpPr>
+          <a:xfrm>
+            <a:off x="3281512" y="3940888"/>
+            <a:ext cx="5764444" cy="1050587"/>
+            <a:chOff x="3360126" y="3971848"/>
+            <a:chExt cx="5764444" cy="1050587"/>
+          </a:xfrm>
+        </p:grpSpPr>
+        <p:grpSp>
+          <p:nvGrpSpPr>
+            <p:cNvPr id="5" name="Group 4">
+              <a:extLst>
+                <a:ext uri="{FF2B5EF4-FFF2-40B4-BE49-F238E27FC236}">
+                  <a16:creationId xmlns:a16="http://schemas.microsoft.com/office/drawing/2014/main" id="{FC96DF90-6DDB-A448-8643-9116E9A168FD}"/>
+                </a:ext>
+              </a:extLst>
+            </p:cNvPr>
+            <p:cNvGrpSpPr/>
+            <p:nvPr/>
+          </p:nvGrpSpPr>
+          <p:grpSpPr>
+            <a:xfrm>
+              <a:off x="3360126" y="4324980"/>
+              <a:ext cx="2735874" cy="328935"/>
+              <a:chOff x="7237110" y="4273903"/>
+              <a:chExt cx="2735874" cy="328935"/>
+            </a:xfrm>
+          </p:grpSpPr>
+          <p:sp>
+            <p:nvSpPr>
+              <p:cNvPr id="10" name="Intelligent Information Retrieval Laboratory">
+                <a:extLst>
+                  <a:ext uri="{FF2B5EF4-FFF2-40B4-BE49-F238E27FC236}">
+                    <a16:creationId xmlns:a16="http://schemas.microsoft.com/office/drawing/2014/main" id="{5403543F-BF3A-6E4B-A06A-E83E0715D64B}"/>
+                  </a:ext>
+                </a:extLst>
+              </p:cNvPr>
+              <p:cNvSpPr txBox="1"/>
+              <p:nvPr/>
+            </p:nvSpPr>
+            <p:spPr>
+              <a:xfrm>
+                <a:off x="7237110" y="4273903"/>
+                <a:ext cx="2590800" cy="328935"/>
+              </a:xfrm>
+              <a:prstGeom prst="rect">
+                <a:avLst/>
+              </a:prstGeom>
+              <a:noFill/>
+              <a:ln w="12700" cap="flat">
+                <a:noFill/>
+                <a:miter lim="400000"/>
+              </a:ln>
+              <a:effectLst/>
+              <a:extLst>
+                <a:ext uri="{C572A759-6A51-4108-AA02-DFA0A04FC94B}">
+                  <ma14:wrappingTextBoxFlag xmlns:ma14="http://schemas.microsoft.com/office/mac/drawingml/2011/main" xmlns:a14="http://schemas.microsoft.com/office/drawing/2010/main" xmlns:m="http://schemas.openxmlformats.org/officeDocument/2006/math" xmlns="" val="1"/>
+                </a:ext>
+              </a:extLst>
+            </p:spPr>
+            <p:txBody>
+              <a:bodyPr wrap="square" lIns="71437" tIns="71437" rIns="71437" bIns="71437" numCol="1" anchor="ctr">
+                <a:spAutoFit/>
+              </a:bodyPr>
+              <a:lstStyle>
+                <a:lvl1pPr algn="l" defTabSz="821531">
+                  <a:defRPr sz="2400" b="0">
+                    <a:solidFill>
+                      <a:srgbClr val="FFFFFF"/>
+                    </a:solidFill>
+                    <a:latin typeface="Helvetica Neue Bold Condensed"/>
+                    <a:ea typeface="Helvetica Neue Bold Condensed"/>
+                    <a:cs typeface="Helvetica Neue Bold Condensed"/>
+                    <a:sym typeface="Helvetica Neue Bold Condensed"/>
+                  </a:defRPr>
+                </a:lvl1pPr>
+              </a:lstStyle>
+              <a:p>
+                <a:r>
+                  <a:rPr kumimoji="0" lang="zh-TW" altLang="en-US" sz="1050" b="0" i="0" u="none" strike="noStrike" cap="none" spc="0" normalizeH="0" baseline="0" dirty="0">
+                    <a:ln>
+                      <a:noFill/>
+                    </a:ln>
+                    <a:solidFill>
+                      <a:schemeClr val="tx1">
+                        <a:alpha val="15000"/>
+                      </a:schemeClr>
+                    </a:solidFill>
+                    <a:effectLst/>
+                    <a:uFillTx/>
+                    <a:latin typeface="Helvetica Neue Bold Condensed"/>
+                    <a:ea typeface="Helvetica Neue Bold Condensed"/>
+                    <a:cs typeface="Helvetica Neue Bold Condensed"/>
+                    <a:sym typeface="Helvetica Neue Bold Condensed"/>
+                  </a:rPr>
+                  <a:t>第</a:t>
+                </a:r>
+                <a:r>
+                  <a:rPr kumimoji="0" lang="en-US" altLang="zh-TW" sz="1050" b="0" i="0" u="none" strike="noStrike" cap="none" spc="0" normalizeH="0" baseline="0" dirty="0">
+                    <a:ln>
+                      <a:noFill/>
+                    </a:ln>
+                    <a:solidFill>
+                      <a:schemeClr val="tx1">
+                        <a:alpha val="15000"/>
+                      </a:schemeClr>
+                    </a:solidFill>
+                    <a:effectLst/>
+                    <a:uFillTx/>
+                    <a:latin typeface="Helvetica Neue Bold Condensed"/>
+                    <a:ea typeface="Helvetica Neue Bold Condensed"/>
+                    <a:cs typeface="Helvetica Neue Bold Condensed"/>
+                    <a:sym typeface="Helvetica Neue Bold Condensed"/>
+                  </a:rPr>
+                  <a:t>13</a:t>
+                </a:r>
+                <a:r>
+                  <a:rPr kumimoji="0" lang="zh-TW" altLang="en-US" sz="1050" b="0" i="0" u="none" strike="noStrike" cap="none" spc="0" normalizeH="0" baseline="0" dirty="0">
+                    <a:ln>
+                      <a:noFill/>
+                    </a:ln>
+                    <a:solidFill>
+                      <a:schemeClr val="tx1">
+                        <a:alpha val="15000"/>
+                      </a:schemeClr>
+                    </a:solidFill>
+                    <a:effectLst/>
+                    <a:uFillTx/>
+                    <a:latin typeface="Helvetica Neue Bold Condensed"/>
+                    <a:ea typeface="Helvetica Neue Bold Condensed"/>
+                    <a:cs typeface="Helvetica Neue Bold Condensed"/>
+                    <a:sym typeface="Helvetica Neue Bold Condensed"/>
+                  </a:rPr>
+                  <a:t>屆 </a:t>
+                </a:r>
+                <a:r>
+                  <a:rPr kumimoji="0" lang="en-US" sz="1200" b="0" i="0" u="none" strike="noStrike" cap="none" spc="0" normalizeH="0" baseline="0" dirty="0">
+                    <a:ln>
+                      <a:noFill/>
+                    </a:ln>
+                    <a:solidFill>
+                      <a:schemeClr val="tx1">
+                        <a:alpha val="15000"/>
+                      </a:schemeClr>
+                    </a:solidFill>
+                    <a:effectLst/>
+                    <a:uFillTx/>
+                    <a:latin typeface="Helvetica Neue Bold Condensed"/>
+                    <a:ea typeface="Helvetica Neue Bold Condensed"/>
+                    <a:cs typeface="Helvetica Neue Bold Condensed"/>
+                    <a:sym typeface="Helvetica Neue Bold Condensed"/>
+                  </a:rPr>
+                  <a:t>iT</a:t>
+                </a:r>
+                <a:r>
+                  <a:rPr kumimoji="0" lang="zh-TW" altLang="en-US" sz="1100" b="0" i="0" u="none" strike="noStrike" cap="none" spc="0" normalizeH="0" baseline="0" dirty="0">
+                    <a:ln>
+                      <a:noFill/>
+                    </a:ln>
+                    <a:solidFill>
+                      <a:schemeClr val="tx1">
+                        <a:alpha val="15000"/>
+                      </a:schemeClr>
+                    </a:solidFill>
+                    <a:effectLst/>
+                    <a:uFillTx/>
+                    <a:latin typeface="Helvetica Neue Bold Condensed"/>
+                    <a:ea typeface="Helvetica Neue Bold Condensed"/>
+                    <a:cs typeface="Helvetica Neue Bold Condensed"/>
+                    <a:sym typeface="Helvetica Neue Bold Condensed"/>
+                  </a:rPr>
+                  <a:t>邦</a:t>
+                </a:r>
+                <a:r>
+                  <a:rPr kumimoji="0" lang="zh-TW" altLang="en-US" sz="1000" b="0" i="0" u="none" strike="noStrike" cap="none" spc="0" normalizeH="0" baseline="0" dirty="0">
+                    <a:ln>
+                      <a:noFill/>
+                    </a:ln>
+                    <a:solidFill>
+                      <a:schemeClr val="tx1">
+                        <a:alpha val="15000"/>
+                      </a:schemeClr>
+                    </a:solidFill>
+                    <a:effectLst/>
+                    <a:uFillTx/>
+                    <a:latin typeface="Helvetica Neue Bold Condensed"/>
+                    <a:ea typeface="Helvetica Neue Bold Condensed"/>
+                    <a:cs typeface="Helvetica Neue Bold Condensed"/>
+                    <a:sym typeface="Helvetica Neue Bold Condensed"/>
+                  </a:rPr>
+                  <a:t>幫忙</a:t>
+                </a:r>
+                <a:r>
+                  <a:rPr kumimoji="0" lang="zh-TW" altLang="en-US" sz="1100" b="0" i="0" u="none" strike="noStrike" cap="none" spc="0" normalizeH="0" baseline="0" dirty="0">
+                    <a:ln>
+                      <a:noFill/>
+                    </a:ln>
+                    <a:solidFill>
+                      <a:schemeClr val="tx1">
+                        <a:alpha val="15000"/>
+                      </a:schemeClr>
+                    </a:solidFill>
+                    <a:effectLst/>
+                    <a:uFillTx/>
+                    <a:latin typeface="Helvetica Neue Bold Condensed"/>
+                    <a:ea typeface="Helvetica Neue Bold Condensed"/>
+                    <a:cs typeface="Helvetica Neue Bold Condensed"/>
+                    <a:sym typeface="Helvetica Neue Bold Condensed"/>
+                  </a:rPr>
+                  <a:t> 鐵人賽</a:t>
+                </a:r>
+                <a:endParaRPr sz="1100" dirty="0">
+                  <a:solidFill>
+                    <a:schemeClr val="tx1">
+                      <a:alpha val="15000"/>
+                    </a:schemeClr>
+                  </a:solidFill>
+                </a:endParaRPr>
+              </a:p>
+            </p:txBody>
+          </p:sp>
+          <p:sp>
+            <p:nvSpPr>
+              <p:cNvPr id="11" name="Intelligent Information Retrieval Laboratory">
+                <a:extLst>
+                  <a:ext uri="{FF2B5EF4-FFF2-40B4-BE49-F238E27FC236}">
+                    <a16:creationId xmlns:a16="http://schemas.microsoft.com/office/drawing/2014/main" id="{282437F9-258E-0D46-8004-2F3D31BEE496}"/>
+                  </a:ext>
+                </a:extLst>
+              </p:cNvPr>
+              <p:cNvSpPr txBox="1"/>
+              <p:nvPr/>
+            </p:nvSpPr>
+            <p:spPr>
+              <a:xfrm>
+                <a:off x="8753784" y="4289292"/>
+                <a:ext cx="1219200" cy="313546"/>
+              </a:xfrm>
+              <a:prstGeom prst="rect">
+                <a:avLst/>
+              </a:prstGeom>
+              <a:noFill/>
+              <a:ln w="12700" cap="flat">
+                <a:noFill/>
+                <a:miter lim="400000"/>
+              </a:ln>
+              <a:effectLst/>
+              <a:extLst>
+                <a:ext uri="{C572A759-6A51-4108-AA02-DFA0A04FC94B}">
+                  <ma14:wrappingTextBoxFlag xmlns:ma14="http://schemas.microsoft.com/office/mac/drawingml/2011/main" xmlns:a14="http://schemas.microsoft.com/office/drawing/2010/main" xmlns:m="http://schemas.openxmlformats.org/officeDocument/2006/math" xmlns="" val="1"/>
+                </a:ext>
+              </a:extLst>
+            </p:spPr>
+            <p:txBody>
+              <a:bodyPr wrap="square" lIns="71437" tIns="71437" rIns="71437" bIns="71437" numCol="1" anchor="ctr">
+                <a:spAutoFit/>
+              </a:bodyPr>
+              <a:lstStyle>
+                <a:lvl1pPr algn="l" defTabSz="821531">
+                  <a:defRPr sz="2400" b="0">
+                    <a:solidFill>
+                      <a:srgbClr val="FFFFFF"/>
+                    </a:solidFill>
+                    <a:latin typeface="Helvetica Neue Bold Condensed"/>
+                    <a:ea typeface="Helvetica Neue Bold Condensed"/>
+                    <a:cs typeface="Helvetica Neue Bold Condensed"/>
+                    <a:sym typeface="Helvetica Neue Bold Condensed"/>
+                  </a:defRPr>
+                </a:lvl1pPr>
+              </a:lstStyle>
+              <a:p>
+                <a:r>
+                  <a:rPr kumimoji="0" lang="en-US" altLang="zh-TW" sz="1050" b="0" i="0" u="none" strike="noStrike" cap="none" spc="0" normalizeH="0" baseline="0" dirty="0">
+                    <a:ln>
+                      <a:noFill/>
+                    </a:ln>
+                    <a:solidFill>
+                      <a:schemeClr val="tx1">
+                        <a:alpha val="15000"/>
+                      </a:schemeClr>
+                    </a:solidFill>
+                    <a:effectLst/>
+                    <a:uFillTx/>
+                    <a:latin typeface="Helvetica Neue Bold Condensed"/>
+                    <a:ea typeface="Helvetica Neue Bold Condensed"/>
+                    <a:cs typeface="Helvetica Neue Bold Condensed"/>
+                    <a:sym typeface="Helvetica Neue Bold Condensed"/>
+                  </a:rPr>
+                  <a:t>AI &amp; Data </a:t>
+                </a:r>
+                <a:r>
+                  <a:rPr kumimoji="0" lang="zh-TW" altLang="en-US" sz="1050" b="0" i="0" u="none" strike="noStrike" cap="none" spc="0" normalizeH="0" baseline="0" dirty="0">
+                    <a:ln>
+                      <a:noFill/>
+                    </a:ln>
+                    <a:solidFill>
+                      <a:schemeClr val="tx1">
+                        <a:alpha val="15000"/>
+                      </a:schemeClr>
+                    </a:solidFill>
+                    <a:effectLst/>
+                    <a:uFillTx/>
+                    <a:latin typeface="Helvetica Neue Bold Condensed"/>
+                    <a:ea typeface="Helvetica Neue Bold Condensed"/>
+                    <a:cs typeface="Helvetica Neue Bold Condensed"/>
+                    <a:sym typeface="Helvetica Neue Bold Condensed"/>
+                  </a:rPr>
+                  <a:t>組</a:t>
+                </a:r>
+                <a:endParaRPr sz="1100" dirty="0">
+                  <a:solidFill>
+                    <a:schemeClr val="tx1">
+                      <a:alpha val="15000"/>
+                    </a:schemeClr>
+                  </a:solidFill>
+                </a:endParaRPr>
+              </a:p>
+            </p:txBody>
+          </p:sp>
+        </p:grpSp>
+        <p:grpSp>
+          <p:nvGrpSpPr>
+            <p:cNvPr id="6" name="Group 5">
+              <a:extLst>
+                <a:ext uri="{FF2B5EF4-FFF2-40B4-BE49-F238E27FC236}">
+                  <a16:creationId xmlns:a16="http://schemas.microsoft.com/office/drawing/2014/main" id="{349B70F4-3381-7641-B675-6867668F0B40}"/>
+                </a:ext>
+              </a:extLst>
+            </p:cNvPr>
+            <p:cNvGrpSpPr/>
+            <p:nvPr/>
+          </p:nvGrpSpPr>
+          <p:grpSpPr>
+            <a:xfrm>
+              <a:off x="7247835" y="3971848"/>
+              <a:ext cx="1876735" cy="1050587"/>
+              <a:chOff x="3891792" y="3940042"/>
+              <a:chExt cx="1876735" cy="1050587"/>
+            </a:xfrm>
+          </p:grpSpPr>
+          <p:pic>
+            <p:nvPicPr>
+              <p:cNvPr id="7" name="Picture 6">
+                <a:extLst>
+                  <a:ext uri="{FF2B5EF4-FFF2-40B4-BE49-F238E27FC236}">
+                    <a16:creationId xmlns:a16="http://schemas.microsoft.com/office/drawing/2014/main" id="{365C4D87-4BA4-6643-8425-256B9B8BA288}"/>
+                  </a:ext>
+                </a:extLst>
+              </p:cNvPr>
+              <p:cNvPicPr>
+                <a:picLocks noChangeAspect="1" noChangeArrowheads="1"/>
+              </p:cNvPicPr>
+              <p:nvPr/>
+            </p:nvPicPr>
+            <p:blipFill>
+              <a:blip r:embed="rId2">
+                <a:duotone>
+                  <a:prstClr val="black"/>
+                  <a:schemeClr val="tx1">
+                    <a:tint val="45000"/>
+                    <a:satMod val="400000"/>
+                  </a:schemeClr>
+                </a:duotone>
+                <a:alphaModFix amt="20000"/>
+              </a:blip>
+              <a:srcRect/>
+              <a:stretch/>
+            </p:blipFill>
+            <p:spPr bwMode="auto">
+              <a:xfrm>
+                <a:off x="4489805" y="3940042"/>
+                <a:ext cx="1050587" cy="1050587"/>
+              </a:xfrm>
+              <a:prstGeom prst="rect">
+                <a:avLst/>
+              </a:prstGeom>
+              <a:noFill/>
+              <a:extLst>
+                <a:ext uri="{909E8E84-426E-40DD-AFC4-6F175D3DCCD1}">
+                  <a14:hiddenFill xmlns:a14="http://schemas.microsoft.com/office/drawing/2010/main">
+                    <a:solidFill>
+                      <a:srgbClr val="FFFFFF"/>
+                    </a:solidFill>
+                  </a14:hiddenFill>
+                </a:ext>
+              </a:extLst>
+            </p:spPr>
+          </p:pic>
+          <p:pic>
+            <p:nvPicPr>
+              <p:cNvPr id="8" name="Picture 4" descr="Youtube logo | Logok">
+                <a:extLst>
+                  <a:ext uri="{FF2B5EF4-FFF2-40B4-BE49-F238E27FC236}">
+                    <a16:creationId xmlns:a16="http://schemas.microsoft.com/office/drawing/2014/main" id="{16301F7B-7ADF-F448-8AB1-A1A75ADE6DF1}"/>
+                  </a:ext>
+                </a:extLst>
+              </p:cNvPr>
+              <p:cNvPicPr>
+                <a:picLocks noChangeAspect="1" noChangeArrowheads="1"/>
+              </p:cNvPicPr>
+              <p:nvPr/>
+            </p:nvPicPr>
+            <p:blipFill>
+              <a:blip r:embed="rId3">
+                <a:alphaModFix amt="20000"/>
+                <a:extLst>
+                  <a:ext uri="{28A0092B-C50C-407E-A947-70E740481C1C}">
+                    <a14:useLocalDpi xmlns:a14="http://schemas.microsoft.com/office/drawing/2010/main" val="0"/>
+                  </a:ext>
+                </a:extLst>
+              </a:blip>
+              <a:srcRect/>
+              <a:stretch>
+                <a:fillRect/>
+              </a:stretch>
+            </p:blipFill>
+            <p:spPr bwMode="auto">
+              <a:xfrm>
+                <a:off x="3891792" y="4187926"/>
+                <a:ext cx="739756" cy="554817"/>
+              </a:xfrm>
+              <a:prstGeom prst="rect">
+                <a:avLst/>
+              </a:prstGeom>
+              <a:noFill/>
+              <a:extLst>
+                <a:ext uri="{909E8E84-426E-40DD-AFC4-6F175D3DCCD1}">
+                  <a14:hiddenFill xmlns:a14="http://schemas.microsoft.com/office/drawing/2010/main">
+                    <a:solidFill>
+                      <a:srgbClr val="FFFFFF"/>
+                    </a:solidFill>
+                  </a14:hiddenFill>
+                </a:ext>
+              </a:extLst>
+            </p:spPr>
+          </p:pic>
+          <p:sp>
+            <p:nvSpPr>
+              <p:cNvPr id="9" name="Intelligent Information Retrieval Laboratory">
+                <a:extLst>
+                  <a:ext uri="{FF2B5EF4-FFF2-40B4-BE49-F238E27FC236}">
+                    <a16:creationId xmlns:a16="http://schemas.microsoft.com/office/drawing/2014/main" id="{3C723C68-4897-6F42-9798-D6F3771C25D8}"/>
+                  </a:ext>
+                </a:extLst>
+              </p:cNvPr>
+              <p:cNvSpPr txBox="1"/>
+              <p:nvPr/>
+            </p:nvSpPr>
+            <p:spPr>
+              <a:xfrm>
+                <a:off x="4549327" y="4308601"/>
+                <a:ext cx="1219200" cy="328935"/>
+              </a:xfrm>
+              <a:prstGeom prst="rect">
+                <a:avLst/>
+              </a:prstGeom>
+              <a:noFill/>
+              <a:ln w="12700" cap="flat">
+                <a:noFill/>
+                <a:miter lim="400000"/>
+              </a:ln>
+              <a:effectLst/>
+              <a:extLst>
+                <a:ext uri="{C572A759-6A51-4108-AA02-DFA0A04FC94B}">
+                  <ma14:wrappingTextBoxFlag xmlns:ma14="http://schemas.microsoft.com/office/mac/drawingml/2011/main" xmlns:a14="http://schemas.microsoft.com/office/drawing/2010/main" xmlns:m="http://schemas.openxmlformats.org/officeDocument/2006/math" xmlns="" val="1"/>
+                </a:ext>
+              </a:extLst>
+            </p:spPr>
+            <p:txBody>
+              <a:bodyPr wrap="square" lIns="71437" tIns="71437" rIns="71437" bIns="71437" numCol="1" anchor="ctr">
+                <a:spAutoFit/>
+              </a:bodyPr>
+              <a:lstStyle>
+                <a:lvl1pPr algn="l" defTabSz="821531">
+                  <a:defRPr sz="2400" b="0">
+                    <a:solidFill>
+                      <a:srgbClr val="FFFFFF"/>
+                    </a:solidFill>
+                    <a:latin typeface="Helvetica Neue Bold Condensed"/>
+                    <a:ea typeface="Helvetica Neue Bold Condensed"/>
+                    <a:cs typeface="Helvetica Neue Bold Condensed"/>
+                    <a:sym typeface="Helvetica Neue Bold Condensed"/>
+                  </a:defRPr>
+                </a:lvl1pPr>
+              </a:lstStyle>
+              <a:p>
+                <a:r>
+                  <a:rPr kumimoji="0" lang="en-US" altLang="zh-TW" sz="1200" b="0" i="0" u="none" strike="noStrike" cap="none" spc="0" normalizeH="0" baseline="0" dirty="0">
+                    <a:ln>
+                      <a:noFill/>
+                    </a:ln>
+                    <a:solidFill>
+                      <a:schemeClr val="tx1">
+                        <a:alpha val="15000"/>
+                      </a:schemeClr>
+                    </a:solidFill>
+                    <a:effectLst/>
+                    <a:uFillTx/>
+                    <a:latin typeface="Helvetica Neue Bold Condensed"/>
+                    <a:ea typeface="Helvetica Neue Bold Condensed"/>
+                    <a:cs typeface="Helvetica Neue Bold Condensed"/>
+                    <a:sym typeface="Helvetica Neue Bold Condensed"/>
+                  </a:rPr>
+                  <a:t>10</a:t>
+                </a:r>
+                <a:r>
+                  <a:rPr kumimoji="0" lang="zh-TW" altLang="en-US" sz="1200" b="0" i="0" u="none" strike="noStrike" cap="none" spc="0" normalizeH="0" baseline="0" dirty="0">
+                    <a:ln>
+                      <a:noFill/>
+                    </a:ln>
+                    <a:solidFill>
+                      <a:schemeClr val="tx1">
+                        <a:alpha val="15000"/>
+                      </a:schemeClr>
+                    </a:solidFill>
+                    <a:effectLst/>
+                    <a:uFillTx/>
+                    <a:sym typeface="Helvetica Neue Bold Condensed"/>
+                  </a:rPr>
+                  <a:t>程式中</a:t>
+                </a:r>
+                <a:endParaRPr sz="1400" dirty="0">
+                  <a:solidFill>
+                    <a:schemeClr val="tx1">
+                      <a:alpha val="15000"/>
+                    </a:schemeClr>
+                  </a:solidFill>
+                </a:endParaRPr>
+              </a:p>
+            </p:txBody>
+          </p:sp>
+        </p:grpSp>
+      </p:grpSp>
+      <p:pic>
+        <p:nvPicPr>
+          <p:cNvPr id="3" name="Picture 2">
+            <a:extLst>
+              <a:ext uri="{FF2B5EF4-FFF2-40B4-BE49-F238E27FC236}">
+                <a16:creationId xmlns:a16="http://schemas.microsoft.com/office/drawing/2014/main" id="{8B1C727D-25A9-E648-B58A-8ACCE9B8D9A2}"/>
+              </a:ext>
+            </a:extLst>
+          </p:cNvPr>
+          <p:cNvPicPr>
+            <a:picLocks noChangeAspect="1"/>
+          </p:cNvPicPr>
+          <p:nvPr/>
+        </p:nvPicPr>
+        <p:blipFill>
+          <a:blip r:embed="rId4">
+            <a:extLst>
+              <a:ext uri="{28A0092B-C50C-407E-A947-70E740481C1C}">
+                <a14:useLocalDpi xmlns:a14="http://schemas.microsoft.com/office/drawing/2010/main" val="0"/>
+              </a:ext>
+            </a:extLst>
+          </a:blip>
+          <a:stretch>
+            <a:fillRect/>
+          </a:stretch>
+        </p:blipFill>
+        <p:spPr>
+          <a:xfrm>
+            <a:off x="2791586" y="2609926"/>
+            <a:ext cx="6451600" cy="1676400"/>
+          </a:xfrm>
+          <a:prstGeom prst="rect">
+            <a:avLst/>
+          </a:prstGeom>
+        </p:spPr>
+      </p:pic>
+    </p:spTree>
+    <p:extLst>
+      <p:ext uri="{BB962C8B-B14F-4D97-AF65-F5344CB8AC3E}">
+        <p14:creationId xmlns:p14="http://schemas.microsoft.com/office/powerpoint/2010/main" val="3033082172"/>
+      </p:ext>
+    </p:extLst>
+  </p:cSld>
+  <p:clrMapOvr>
+    <a:masterClrMapping/>
+  </p:clrMapOvr>
+</p:sld>
+</file>
+
+<file path=ppt/slides/slide2.xml><?xml version="1.0" encoding="utf-8"?>
+<p:sld xmlns:a="http://schemas.openxmlformats.org/drawingml/2006/main" xmlns:r="http://schemas.openxmlformats.org/officeDocument/2006/relationships" xmlns:p="http://schemas.openxmlformats.org/presentationml/2006/main">
+  <p:cSld>
+    <p:spTree>
+      <p:nvGrpSpPr>
+        <p:cNvPr id="1" name=""/>
+        <p:cNvGrpSpPr/>
+        <p:nvPr/>
+      </p:nvGrpSpPr>
+      <p:grpSpPr>
+        <a:xfrm>
+          <a:off x="0" y="0"/>
+          <a:ext cx="0" cy="0"/>
+          <a:chOff x="0" y="0"/>
+          <a:chExt cx="0" cy="0"/>
+        </a:xfrm>
+      </p:grpSpPr>
+      <p:grpSp>
+        <p:nvGrpSpPr>
+          <p:cNvPr id="4" name="Group 3">
+            <a:extLst>
+              <a:ext uri="{FF2B5EF4-FFF2-40B4-BE49-F238E27FC236}">
+                <a16:creationId xmlns:a16="http://schemas.microsoft.com/office/drawing/2014/main" id="{F4B67E14-4B87-814B-BDB4-BE841CFEC4B2}"/>
+              </a:ext>
+            </a:extLst>
+          </p:cNvPr>
+          <p:cNvGrpSpPr/>
+          <p:nvPr/>
+        </p:nvGrpSpPr>
+        <p:grpSpPr>
+          <a:xfrm>
+            <a:off x="3281512" y="3940888"/>
+            <a:ext cx="5764444" cy="1050587"/>
+            <a:chOff x="3360126" y="3971848"/>
+            <a:chExt cx="5764444" cy="1050587"/>
+          </a:xfrm>
+        </p:grpSpPr>
+        <p:grpSp>
+          <p:nvGrpSpPr>
+            <p:cNvPr id="5" name="Group 4">
+              <a:extLst>
+                <a:ext uri="{FF2B5EF4-FFF2-40B4-BE49-F238E27FC236}">
+                  <a16:creationId xmlns:a16="http://schemas.microsoft.com/office/drawing/2014/main" id="{FC96DF90-6DDB-A448-8643-9116E9A168FD}"/>
+                </a:ext>
+              </a:extLst>
+            </p:cNvPr>
+            <p:cNvGrpSpPr/>
+            <p:nvPr/>
+          </p:nvGrpSpPr>
+          <p:grpSpPr>
+            <a:xfrm>
+              <a:off x="3360126" y="4324980"/>
+              <a:ext cx="2735874" cy="328935"/>
+              <a:chOff x="7237110" y="4273903"/>
+              <a:chExt cx="2735874" cy="328935"/>
+            </a:xfrm>
+          </p:grpSpPr>
+          <p:sp>
+            <p:nvSpPr>
+              <p:cNvPr id="10" name="Intelligent Information Retrieval Laboratory">
+                <a:extLst>
+                  <a:ext uri="{FF2B5EF4-FFF2-40B4-BE49-F238E27FC236}">
+                    <a16:creationId xmlns:a16="http://schemas.microsoft.com/office/drawing/2014/main" id="{5403543F-BF3A-6E4B-A06A-E83E0715D64B}"/>
+                  </a:ext>
+                </a:extLst>
+              </p:cNvPr>
+              <p:cNvSpPr txBox="1"/>
+              <p:nvPr/>
+            </p:nvSpPr>
+            <p:spPr>
+              <a:xfrm>
+                <a:off x="7237110" y="4273903"/>
+                <a:ext cx="2590800" cy="328935"/>
+              </a:xfrm>
+              <a:prstGeom prst="rect">
+                <a:avLst/>
+              </a:prstGeom>
+              <a:noFill/>
+              <a:ln w="12700" cap="flat">
+                <a:noFill/>
+                <a:miter lim="400000"/>
+              </a:ln>
+              <a:effectLst/>
+              <a:extLst>
+                <a:ext uri="{C572A759-6A51-4108-AA02-DFA0A04FC94B}">
+                  <ma14:wrappingTextBoxFlag xmlns:ma14="http://schemas.microsoft.com/office/mac/drawingml/2011/main" xmlns:a14="http://schemas.microsoft.com/office/drawing/2010/main" xmlns:m="http://schemas.openxmlformats.org/officeDocument/2006/math" xmlns="" val="1"/>
+                </a:ext>
+              </a:extLst>
+            </p:spPr>
+            <p:txBody>
+              <a:bodyPr wrap="square" lIns="71437" tIns="71437" rIns="71437" bIns="71437" numCol="1" anchor="ctr">
+                <a:spAutoFit/>
+              </a:bodyPr>
+              <a:lstStyle>
+                <a:lvl1pPr algn="l" defTabSz="821531">
+                  <a:defRPr sz="2400" b="0">
+                    <a:solidFill>
+                      <a:srgbClr val="FFFFFF"/>
+                    </a:solidFill>
+                    <a:latin typeface="Helvetica Neue Bold Condensed"/>
+                    <a:ea typeface="Helvetica Neue Bold Condensed"/>
+                    <a:cs typeface="Helvetica Neue Bold Condensed"/>
+                    <a:sym typeface="Helvetica Neue Bold Condensed"/>
+                  </a:defRPr>
+                </a:lvl1pPr>
+              </a:lstStyle>
+              <a:p>
+                <a:r>
+                  <a:rPr kumimoji="0" lang="zh-TW" altLang="en-US" sz="1050" b="0" i="0" u="none" strike="noStrike" cap="none" spc="0" normalizeH="0" baseline="0" dirty="0">
+                    <a:ln>
+                      <a:noFill/>
+                    </a:ln>
+                    <a:solidFill>
+                      <a:schemeClr val="tx1">
+                        <a:alpha val="15000"/>
+                      </a:schemeClr>
+                    </a:solidFill>
+                    <a:effectLst/>
+                    <a:uFillTx/>
+                    <a:latin typeface="Helvetica Neue Bold Condensed"/>
+                    <a:ea typeface="Helvetica Neue Bold Condensed"/>
+                    <a:cs typeface="Helvetica Neue Bold Condensed"/>
+                    <a:sym typeface="Helvetica Neue Bold Condensed"/>
+                  </a:rPr>
+                  <a:t>第</a:t>
+                </a:r>
+                <a:r>
+                  <a:rPr kumimoji="0" lang="en-US" altLang="zh-TW" sz="1050" b="0" i="0" u="none" strike="noStrike" cap="none" spc="0" normalizeH="0" baseline="0" dirty="0">
+                    <a:ln>
+                      <a:noFill/>
+                    </a:ln>
+                    <a:solidFill>
+                      <a:schemeClr val="tx1">
+                        <a:alpha val="15000"/>
+                      </a:schemeClr>
+                    </a:solidFill>
+                    <a:effectLst/>
+                    <a:uFillTx/>
+                    <a:latin typeface="Helvetica Neue Bold Condensed"/>
+                    <a:ea typeface="Helvetica Neue Bold Condensed"/>
+                    <a:cs typeface="Helvetica Neue Bold Condensed"/>
+                    <a:sym typeface="Helvetica Neue Bold Condensed"/>
+                  </a:rPr>
+                  <a:t>13</a:t>
+                </a:r>
+                <a:r>
+                  <a:rPr kumimoji="0" lang="zh-TW" altLang="en-US" sz="1050" b="0" i="0" u="none" strike="noStrike" cap="none" spc="0" normalizeH="0" baseline="0" dirty="0">
+                    <a:ln>
+                      <a:noFill/>
+                    </a:ln>
+                    <a:solidFill>
+                      <a:schemeClr val="tx1">
+                        <a:alpha val="15000"/>
+                      </a:schemeClr>
+                    </a:solidFill>
+                    <a:effectLst/>
+                    <a:uFillTx/>
+                    <a:latin typeface="Helvetica Neue Bold Condensed"/>
+                    <a:ea typeface="Helvetica Neue Bold Condensed"/>
+                    <a:cs typeface="Helvetica Neue Bold Condensed"/>
+                    <a:sym typeface="Helvetica Neue Bold Condensed"/>
+                  </a:rPr>
+                  <a:t>屆 </a:t>
+                </a:r>
+                <a:r>
+                  <a:rPr kumimoji="0" lang="en-US" sz="1200" b="0" i="0" u="none" strike="noStrike" cap="none" spc="0" normalizeH="0" baseline="0" dirty="0">
+                    <a:ln>
+                      <a:noFill/>
+                    </a:ln>
+                    <a:solidFill>
+                      <a:schemeClr val="tx1">
+                        <a:alpha val="15000"/>
+                      </a:schemeClr>
+                    </a:solidFill>
+                    <a:effectLst/>
+                    <a:uFillTx/>
+                    <a:latin typeface="Helvetica Neue Bold Condensed"/>
+                    <a:ea typeface="Helvetica Neue Bold Condensed"/>
+                    <a:cs typeface="Helvetica Neue Bold Condensed"/>
+                    <a:sym typeface="Helvetica Neue Bold Condensed"/>
+                  </a:rPr>
+                  <a:t>iT</a:t>
+                </a:r>
+                <a:r>
+                  <a:rPr kumimoji="0" lang="zh-TW" altLang="en-US" sz="1100" b="0" i="0" u="none" strike="noStrike" cap="none" spc="0" normalizeH="0" baseline="0" dirty="0">
+                    <a:ln>
+                      <a:noFill/>
+                    </a:ln>
+                    <a:solidFill>
+                      <a:schemeClr val="tx1">
+                        <a:alpha val="15000"/>
+                      </a:schemeClr>
+                    </a:solidFill>
+                    <a:effectLst/>
+                    <a:uFillTx/>
+                    <a:latin typeface="Helvetica Neue Bold Condensed"/>
+                    <a:ea typeface="Helvetica Neue Bold Condensed"/>
+                    <a:cs typeface="Helvetica Neue Bold Condensed"/>
+                    <a:sym typeface="Helvetica Neue Bold Condensed"/>
+                  </a:rPr>
+                  <a:t>邦</a:t>
+                </a:r>
+                <a:r>
+                  <a:rPr kumimoji="0" lang="zh-TW" altLang="en-US" sz="1000" b="0" i="0" u="none" strike="noStrike" cap="none" spc="0" normalizeH="0" baseline="0" dirty="0">
+                    <a:ln>
+                      <a:noFill/>
+                    </a:ln>
+                    <a:solidFill>
+                      <a:schemeClr val="tx1">
+                        <a:alpha val="15000"/>
+                      </a:schemeClr>
+                    </a:solidFill>
+                    <a:effectLst/>
+                    <a:uFillTx/>
+                    <a:latin typeface="Helvetica Neue Bold Condensed"/>
+                    <a:ea typeface="Helvetica Neue Bold Condensed"/>
+                    <a:cs typeface="Helvetica Neue Bold Condensed"/>
+                    <a:sym typeface="Helvetica Neue Bold Condensed"/>
+                  </a:rPr>
+                  <a:t>幫忙</a:t>
+                </a:r>
+                <a:r>
+                  <a:rPr kumimoji="0" lang="zh-TW" altLang="en-US" sz="1100" b="0" i="0" u="none" strike="noStrike" cap="none" spc="0" normalizeH="0" baseline="0" dirty="0">
+                    <a:ln>
+                      <a:noFill/>
+                    </a:ln>
+                    <a:solidFill>
+                      <a:schemeClr val="tx1">
+                        <a:alpha val="15000"/>
+                      </a:schemeClr>
+                    </a:solidFill>
+                    <a:effectLst/>
+                    <a:uFillTx/>
+                    <a:latin typeface="Helvetica Neue Bold Condensed"/>
+                    <a:ea typeface="Helvetica Neue Bold Condensed"/>
+                    <a:cs typeface="Helvetica Neue Bold Condensed"/>
+                    <a:sym typeface="Helvetica Neue Bold Condensed"/>
+                  </a:rPr>
+                  <a:t> 鐵人賽</a:t>
+                </a:r>
+                <a:endParaRPr sz="1100" dirty="0">
+                  <a:solidFill>
+                    <a:schemeClr val="tx1">
+                      <a:alpha val="15000"/>
+                    </a:schemeClr>
+                  </a:solidFill>
+                </a:endParaRPr>
+              </a:p>
+            </p:txBody>
+          </p:sp>
+          <p:sp>
+            <p:nvSpPr>
+              <p:cNvPr id="11" name="Intelligent Information Retrieval Laboratory">
+                <a:extLst>
+                  <a:ext uri="{FF2B5EF4-FFF2-40B4-BE49-F238E27FC236}">
+                    <a16:creationId xmlns:a16="http://schemas.microsoft.com/office/drawing/2014/main" id="{282437F9-258E-0D46-8004-2F3D31BEE496}"/>
+                  </a:ext>
+                </a:extLst>
+              </p:cNvPr>
+              <p:cNvSpPr txBox="1"/>
+              <p:nvPr/>
+            </p:nvSpPr>
+            <p:spPr>
+              <a:xfrm>
+                <a:off x="8753784" y="4289292"/>
+                <a:ext cx="1219200" cy="313546"/>
+              </a:xfrm>
+              <a:prstGeom prst="rect">
+                <a:avLst/>
+              </a:prstGeom>
+              <a:noFill/>
+              <a:ln w="12700" cap="flat">
+                <a:noFill/>
+                <a:miter lim="400000"/>
+              </a:ln>
+              <a:effectLst/>
+              <a:extLst>
+                <a:ext uri="{C572A759-6A51-4108-AA02-DFA0A04FC94B}">
+                  <ma14:wrappingTextBoxFlag xmlns:ma14="http://schemas.microsoft.com/office/mac/drawingml/2011/main" xmlns:a14="http://schemas.microsoft.com/office/drawing/2010/main" xmlns:m="http://schemas.openxmlformats.org/officeDocument/2006/math" xmlns="" val="1"/>
+                </a:ext>
+              </a:extLst>
+            </p:spPr>
+            <p:txBody>
+              <a:bodyPr wrap="square" lIns="71437" tIns="71437" rIns="71437" bIns="71437" numCol="1" anchor="ctr">
+                <a:spAutoFit/>
+              </a:bodyPr>
+              <a:lstStyle>
+                <a:lvl1pPr algn="l" defTabSz="821531">
+                  <a:defRPr sz="2400" b="0">
+                    <a:solidFill>
+                      <a:srgbClr val="FFFFFF"/>
+                    </a:solidFill>
+                    <a:latin typeface="Helvetica Neue Bold Condensed"/>
+                    <a:ea typeface="Helvetica Neue Bold Condensed"/>
+                    <a:cs typeface="Helvetica Neue Bold Condensed"/>
+                    <a:sym typeface="Helvetica Neue Bold Condensed"/>
+                  </a:defRPr>
+                </a:lvl1pPr>
+              </a:lstStyle>
+              <a:p>
+                <a:r>
+                  <a:rPr kumimoji="0" lang="en-US" altLang="zh-TW" sz="1050" b="0" i="0" u="none" strike="noStrike" cap="none" spc="0" normalizeH="0" baseline="0" dirty="0">
+                    <a:ln>
+                      <a:noFill/>
+                    </a:ln>
+                    <a:solidFill>
+                      <a:schemeClr val="tx1">
+                        <a:alpha val="15000"/>
+                      </a:schemeClr>
+                    </a:solidFill>
+                    <a:effectLst/>
+                    <a:uFillTx/>
+                    <a:latin typeface="Helvetica Neue Bold Condensed"/>
+                    <a:ea typeface="Helvetica Neue Bold Condensed"/>
+                    <a:cs typeface="Helvetica Neue Bold Condensed"/>
+                    <a:sym typeface="Helvetica Neue Bold Condensed"/>
+                  </a:rPr>
+                  <a:t>AI &amp; Data </a:t>
+                </a:r>
+                <a:r>
+                  <a:rPr kumimoji="0" lang="zh-TW" altLang="en-US" sz="1050" b="0" i="0" u="none" strike="noStrike" cap="none" spc="0" normalizeH="0" baseline="0" dirty="0">
+                    <a:ln>
+                      <a:noFill/>
+                    </a:ln>
+                    <a:solidFill>
+                      <a:schemeClr val="tx1">
+                        <a:alpha val="15000"/>
+                      </a:schemeClr>
+                    </a:solidFill>
+                    <a:effectLst/>
+                    <a:uFillTx/>
+                    <a:latin typeface="Helvetica Neue Bold Condensed"/>
+                    <a:ea typeface="Helvetica Neue Bold Condensed"/>
+                    <a:cs typeface="Helvetica Neue Bold Condensed"/>
+                    <a:sym typeface="Helvetica Neue Bold Condensed"/>
+                  </a:rPr>
+                  <a:t>組</a:t>
+                </a:r>
+                <a:endParaRPr sz="1100" dirty="0">
+                  <a:solidFill>
+                    <a:schemeClr val="tx1">
+                      <a:alpha val="15000"/>
+                    </a:schemeClr>
+                  </a:solidFill>
+                </a:endParaRPr>
+              </a:p>
+            </p:txBody>
+          </p:sp>
+        </p:grpSp>
+        <p:grpSp>
+          <p:nvGrpSpPr>
+            <p:cNvPr id="6" name="Group 5">
+              <a:extLst>
+                <a:ext uri="{FF2B5EF4-FFF2-40B4-BE49-F238E27FC236}">
+                  <a16:creationId xmlns:a16="http://schemas.microsoft.com/office/drawing/2014/main" id="{349B70F4-3381-7641-B675-6867668F0B40}"/>
+                </a:ext>
+              </a:extLst>
+            </p:cNvPr>
+            <p:cNvGrpSpPr/>
+            <p:nvPr/>
+          </p:nvGrpSpPr>
+          <p:grpSpPr>
+            <a:xfrm>
+              <a:off x="7247835" y="3971848"/>
+              <a:ext cx="1876735" cy="1050587"/>
+              <a:chOff x="3891792" y="3940042"/>
+              <a:chExt cx="1876735" cy="1050587"/>
+            </a:xfrm>
+          </p:grpSpPr>
+          <p:pic>
+            <p:nvPicPr>
+              <p:cNvPr id="7" name="Picture 6">
+                <a:extLst>
+                  <a:ext uri="{FF2B5EF4-FFF2-40B4-BE49-F238E27FC236}">
+                    <a16:creationId xmlns:a16="http://schemas.microsoft.com/office/drawing/2014/main" id="{365C4D87-4BA4-6643-8425-256B9B8BA288}"/>
+                  </a:ext>
+                </a:extLst>
+              </p:cNvPr>
+              <p:cNvPicPr>
+                <a:picLocks noChangeAspect="1" noChangeArrowheads="1"/>
+              </p:cNvPicPr>
+              <p:nvPr/>
+            </p:nvPicPr>
+            <p:blipFill>
+              <a:blip r:embed="rId2">
+                <a:duotone>
+                  <a:prstClr val="black"/>
+                  <a:schemeClr val="tx1">
+                    <a:tint val="45000"/>
+                    <a:satMod val="400000"/>
+                  </a:schemeClr>
+                </a:duotone>
+                <a:alphaModFix amt="20000"/>
+              </a:blip>
+              <a:srcRect/>
+              <a:stretch/>
+            </p:blipFill>
+            <p:spPr bwMode="auto">
+              <a:xfrm>
+                <a:off x="4489805" y="3940042"/>
+                <a:ext cx="1050587" cy="1050587"/>
+              </a:xfrm>
+              <a:prstGeom prst="rect">
+                <a:avLst/>
+              </a:prstGeom>
+              <a:noFill/>
+              <a:extLst>
+                <a:ext uri="{909E8E84-426E-40DD-AFC4-6F175D3DCCD1}">
+                  <a14:hiddenFill xmlns:a14="http://schemas.microsoft.com/office/drawing/2010/main">
+                    <a:solidFill>
+                      <a:srgbClr val="FFFFFF"/>
+                    </a:solidFill>
+                  </a14:hiddenFill>
+                </a:ext>
+              </a:extLst>
+            </p:spPr>
+          </p:pic>
+          <p:pic>
+            <p:nvPicPr>
+              <p:cNvPr id="8" name="Picture 4" descr="Youtube logo | Logok">
+                <a:extLst>
+                  <a:ext uri="{FF2B5EF4-FFF2-40B4-BE49-F238E27FC236}">
+                    <a16:creationId xmlns:a16="http://schemas.microsoft.com/office/drawing/2014/main" id="{16301F7B-7ADF-F448-8AB1-A1A75ADE6DF1}"/>
+                  </a:ext>
+                </a:extLst>
+              </p:cNvPr>
+              <p:cNvPicPr>
+                <a:picLocks noChangeAspect="1" noChangeArrowheads="1"/>
+              </p:cNvPicPr>
+              <p:nvPr/>
+            </p:nvPicPr>
+            <p:blipFill>
+              <a:blip r:embed="rId3">
+                <a:alphaModFix amt="20000"/>
+                <a:extLst>
+                  <a:ext uri="{28A0092B-C50C-407E-A947-70E740481C1C}">
+                    <a14:useLocalDpi xmlns:a14="http://schemas.microsoft.com/office/drawing/2010/main" val="0"/>
+                  </a:ext>
+                </a:extLst>
+              </a:blip>
+              <a:srcRect/>
+              <a:stretch>
+                <a:fillRect/>
+              </a:stretch>
+            </p:blipFill>
+            <p:spPr bwMode="auto">
+              <a:xfrm>
+                <a:off x="3891792" y="4187926"/>
+                <a:ext cx="739756" cy="554817"/>
+              </a:xfrm>
+              <a:prstGeom prst="rect">
+                <a:avLst/>
+              </a:prstGeom>
+              <a:noFill/>
+              <a:extLst>
+                <a:ext uri="{909E8E84-426E-40DD-AFC4-6F175D3DCCD1}">
+                  <a14:hiddenFill xmlns:a14="http://schemas.microsoft.com/office/drawing/2010/main">
+                    <a:solidFill>
+                      <a:srgbClr val="FFFFFF"/>
+                    </a:solidFill>
+                  </a14:hiddenFill>
+                </a:ext>
+              </a:extLst>
+            </p:spPr>
+          </p:pic>
+          <p:sp>
+            <p:nvSpPr>
+              <p:cNvPr id="9" name="Intelligent Information Retrieval Laboratory">
+                <a:extLst>
+                  <a:ext uri="{FF2B5EF4-FFF2-40B4-BE49-F238E27FC236}">
+                    <a16:creationId xmlns:a16="http://schemas.microsoft.com/office/drawing/2014/main" id="{3C723C68-4897-6F42-9798-D6F3771C25D8}"/>
+                  </a:ext>
+                </a:extLst>
+              </p:cNvPr>
+              <p:cNvSpPr txBox="1"/>
+              <p:nvPr/>
+            </p:nvSpPr>
+            <p:spPr>
+              <a:xfrm>
+                <a:off x="4549327" y="4308601"/>
+                <a:ext cx="1219200" cy="328935"/>
+              </a:xfrm>
+              <a:prstGeom prst="rect">
+                <a:avLst/>
+              </a:prstGeom>
+              <a:noFill/>
+              <a:ln w="12700" cap="flat">
+                <a:noFill/>
+                <a:miter lim="400000"/>
+              </a:ln>
+              <a:effectLst/>
+              <a:extLst>
+                <a:ext uri="{C572A759-6A51-4108-AA02-DFA0A04FC94B}">
+                  <ma14:wrappingTextBoxFlag xmlns:ma14="http://schemas.microsoft.com/office/mac/drawingml/2011/main" xmlns:a14="http://schemas.microsoft.com/office/drawing/2010/main" xmlns:m="http://schemas.openxmlformats.org/officeDocument/2006/math" xmlns="" val="1"/>
+                </a:ext>
+              </a:extLst>
+            </p:spPr>
+            <p:txBody>
+              <a:bodyPr wrap="square" lIns="71437" tIns="71437" rIns="71437" bIns="71437" numCol="1" anchor="ctr">
+                <a:spAutoFit/>
+              </a:bodyPr>
+              <a:lstStyle>
+                <a:lvl1pPr algn="l" defTabSz="821531">
+                  <a:defRPr sz="2400" b="0">
+                    <a:solidFill>
+                      <a:srgbClr val="FFFFFF"/>
+                    </a:solidFill>
+                    <a:latin typeface="Helvetica Neue Bold Condensed"/>
+                    <a:ea typeface="Helvetica Neue Bold Condensed"/>
+                    <a:cs typeface="Helvetica Neue Bold Condensed"/>
+                    <a:sym typeface="Helvetica Neue Bold Condensed"/>
+                  </a:defRPr>
+                </a:lvl1pPr>
+              </a:lstStyle>
+              <a:p>
+                <a:r>
+                  <a:rPr kumimoji="0" lang="en-US" altLang="zh-TW" sz="1200" b="0" i="0" u="none" strike="noStrike" cap="none" spc="0" normalizeH="0" baseline="0" dirty="0">
+                    <a:ln>
+                      <a:noFill/>
+                    </a:ln>
+                    <a:solidFill>
+                      <a:schemeClr val="tx1">
+                        <a:alpha val="15000"/>
+                      </a:schemeClr>
+                    </a:solidFill>
+                    <a:effectLst/>
+                    <a:uFillTx/>
+                    <a:latin typeface="Helvetica Neue Bold Condensed"/>
+                    <a:ea typeface="Helvetica Neue Bold Condensed"/>
+                    <a:cs typeface="Helvetica Neue Bold Condensed"/>
+                    <a:sym typeface="Helvetica Neue Bold Condensed"/>
+                  </a:rPr>
+                  <a:t>10</a:t>
+                </a:r>
+                <a:r>
+                  <a:rPr kumimoji="0" lang="zh-TW" altLang="en-US" sz="1200" b="0" i="0" u="none" strike="noStrike" cap="none" spc="0" normalizeH="0" baseline="0" dirty="0">
+                    <a:ln>
+                      <a:noFill/>
+                    </a:ln>
+                    <a:solidFill>
+                      <a:schemeClr val="tx1">
+                        <a:alpha val="15000"/>
+                      </a:schemeClr>
+                    </a:solidFill>
+                    <a:effectLst/>
+                    <a:uFillTx/>
+                    <a:sym typeface="Helvetica Neue Bold Condensed"/>
+                  </a:rPr>
+                  <a:t>程式中</a:t>
+                </a:r>
+                <a:endParaRPr sz="1400" dirty="0">
+                  <a:solidFill>
+                    <a:schemeClr val="tx1">
+                      <a:alpha val="15000"/>
+                    </a:schemeClr>
+                  </a:solidFill>
+                </a:endParaRPr>
+              </a:p>
+            </p:txBody>
+          </p:sp>
+        </p:grpSp>
+      </p:grpSp>
+      <p:pic>
+        <p:nvPicPr>
+          <p:cNvPr id="13" name="Picture 12">
+            <a:extLst>
+              <a:ext uri="{FF2B5EF4-FFF2-40B4-BE49-F238E27FC236}">
+                <a16:creationId xmlns:a16="http://schemas.microsoft.com/office/drawing/2014/main" id="{73E90B73-C3E1-3D45-B411-1CA05A718BCC}"/>
+              </a:ext>
+            </a:extLst>
+          </p:cNvPr>
+          <p:cNvPicPr>
+            <a:picLocks noChangeAspect="1"/>
+          </p:cNvPicPr>
+          <p:nvPr/>
+        </p:nvPicPr>
+        <p:blipFill>
+          <a:blip r:embed="rId4">
+            <a:extLst>
+              <a:ext uri="{28A0092B-C50C-407E-A947-70E740481C1C}">
+                <a14:useLocalDpi xmlns:a14="http://schemas.microsoft.com/office/drawing/2010/main" val="0"/>
+              </a:ext>
+            </a:extLst>
+          </a:blip>
+          <a:stretch>
+            <a:fillRect/>
+          </a:stretch>
+        </p:blipFill>
+        <p:spPr>
+          <a:xfrm>
+            <a:off x="2790618" y="734717"/>
+            <a:ext cx="6453535" cy="3590347"/>
+          </a:xfrm>
+          <a:prstGeom prst="rect">
+            <a:avLst/>
+          </a:prstGeom>
+        </p:spPr>
+      </p:pic>
+    </p:spTree>
+    <p:extLst>
+      <p:ext uri="{BB962C8B-B14F-4D97-AF65-F5344CB8AC3E}">
+        <p14:creationId xmlns:p14="http://schemas.microsoft.com/office/powerpoint/2010/main" val="4135769718"/>
+      </p:ext>
+    </p:extLst>
+  </p:cSld>
+  <p:clrMapOvr>
+    <a:masterClrMapping/>
+  </p:clrMapOvr>
+</p:sld>
+</file>
+
+<file path=ppt/slides/slide3.xml><?xml version="1.0" encoding="utf-8"?>
+<p:sld xmlns:a="http://schemas.openxmlformats.org/drawingml/2006/main" xmlns:r="http://schemas.openxmlformats.org/officeDocument/2006/relationships" xmlns:p="http://schemas.openxmlformats.org/presentationml/2006/main">
+  <p:cSld>
+    <p:spTree>
+      <p:nvGrpSpPr>
+        <p:cNvPr id="1" name=""/>
+        <p:cNvGrpSpPr/>
+        <p:nvPr/>
+      </p:nvGrpSpPr>
+      <p:grpSpPr>
+        <a:xfrm>
+          <a:off x="0" y="0"/>
+          <a:ext cx="0" cy="0"/>
+          <a:chOff x="0" y="0"/>
+          <a:chExt cx="0" cy="0"/>
+        </a:xfrm>
+      </p:grpSpPr>
+      <p:grpSp>
+        <p:nvGrpSpPr>
+          <p:cNvPr id="4" name="Group 3">
+            <a:extLst>
+              <a:ext uri="{FF2B5EF4-FFF2-40B4-BE49-F238E27FC236}">
+                <a16:creationId xmlns:a16="http://schemas.microsoft.com/office/drawing/2014/main" id="{F4B67E14-4B87-814B-BDB4-BE841CFEC4B2}"/>
+              </a:ext>
+            </a:extLst>
+          </p:cNvPr>
+          <p:cNvGrpSpPr/>
+          <p:nvPr/>
+        </p:nvGrpSpPr>
+        <p:grpSpPr>
+          <a:xfrm>
+            <a:off x="3292801" y="4527910"/>
+            <a:ext cx="5764444" cy="1050587"/>
+            <a:chOff x="3360126" y="3971848"/>
+            <a:chExt cx="5764444" cy="1050587"/>
+          </a:xfrm>
+        </p:grpSpPr>
+        <p:grpSp>
+          <p:nvGrpSpPr>
+            <p:cNvPr id="5" name="Group 4">
+              <a:extLst>
+                <a:ext uri="{FF2B5EF4-FFF2-40B4-BE49-F238E27FC236}">
+                  <a16:creationId xmlns:a16="http://schemas.microsoft.com/office/drawing/2014/main" id="{FC96DF90-6DDB-A448-8643-9116E9A168FD}"/>
+                </a:ext>
+              </a:extLst>
+            </p:cNvPr>
+            <p:cNvGrpSpPr/>
+            <p:nvPr/>
+          </p:nvGrpSpPr>
+          <p:grpSpPr>
+            <a:xfrm>
+              <a:off x="3360126" y="4324980"/>
+              <a:ext cx="2735874" cy="328935"/>
+              <a:chOff x="7237110" y="4273903"/>
+              <a:chExt cx="2735874" cy="328935"/>
+            </a:xfrm>
+          </p:grpSpPr>
+          <p:sp>
+            <p:nvSpPr>
+              <p:cNvPr id="10" name="Intelligent Information Retrieval Laboratory">
+                <a:extLst>
+                  <a:ext uri="{FF2B5EF4-FFF2-40B4-BE49-F238E27FC236}">
+                    <a16:creationId xmlns:a16="http://schemas.microsoft.com/office/drawing/2014/main" id="{5403543F-BF3A-6E4B-A06A-E83E0715D64B}"/>
+                  </a:ext>
+                </a:extLst>
+              </p:cNvPr>
+              <p:cNvSpPr txBox="1"/>
+              <p:nvPr/>
+            </p:nvSpPr>
+            <p:spPr>
+              <a:xfrm>
+                <a:off x="7237110" y="4273903"/>
+                <a:ext cx="2590800" cy="328935"/>
+              </a:xfrm>
+              <a:prstGeom prst="rect">
+                <a:avLst/>
+              </a:prstGeom>
+              <a:noFill/>
+              <a:ln w="12700" cap="flat">
+                <a:noFill/>
+                <a:miter lim="400000"/>
+              </a:ln>
+              <a:effectLst/>
+              <a:extLst>
+                <a:ext uri="{C572A759-6A51-4108-AA02-DFA0A04FC94B}">
+                  <ma14:wrappingTextBoxFlag xmlns:ma14="http://schemas.microsoft.com/office/mac/drawingml/2011/main" xmlns:a14="http://schemas.microsoft.com/office/drawing/2010/main" xmlns:m="http://schemas.openxmlformats.org/officeDocument/2006/math" xmlns="" val="1"/>
+                </a:ext>
+              </a:extLst>
+            </p:spPr>
+            <p:txBody>
+              <a:bodyPr wrap="square" lIns="71437" tIns="71437" rIns="71437" bIns="71437" numCol="1" anchor="ctr">
+                <a:spAutoFit/>
+              </a:bodyPr>
+              <a:lstStyle>
+                <a:lvl1pPr algn="l" defTabSz="821531">
+                  <a:defRPr sz="2400" b="0">
+                    <a:solidFill>
+                      <a:srgbClr val="FFFFFF"/>
+                    </a:solidFill>
+                    <a:latin typeface="Helvetica Neue Bold Condensed"/>
+                    <a:ea typeface="Helvetica Neue Bold Condensed"/>
+                    <a:cs typeface="Helvetica Neue Bold Condensed"/>
+                    <a:sym typeface="Helvetica Neue Bold Condensed"/>
+                  </a:defRPr>
+                </a:lvl1pPr>
+              </a:lstStyle>
+              <a:p>
+                <a:r>
+                  <a:rPr kumimoji="0" lang="zh-TW" altLang="en-US" sz="1050" b="0" i="0" u="none" strike="noStrike" cap="none" spc="0" normalizeH="0" baseline="0" dirty="0">
+                    <a:ln>
+                      <a:noFill/>
+                    </a:ln>
+                    <a:solidFill>
+                      <a:schemeClr val="tx1">
+                        <a:alpha val="15000"/>
+                      </a:schemeClr>
+                    </a:solidFill>
+                    <a:effectLst/>
+                    <a:uFillTx/>
+                    <a:latin typeface="Helvetica Neue Bold Condensed"/>
+                    <a:ea typeface="Helvetica Neue Bold Condensed"/>
+                    <a:cs typeface="Helvetica Neue Bold Condensed"/>
+                    <a:sym typeface="Helvetica Neue Bold Condensed"/>
+                  </a:rPr>
+                  <a:t>第</a:t>
+                </a:r>
+                <a:r>
+                  <a:rPr kumimoji="0" lang="en-US" altLang="zh-TW" sz="1050" b="0" i="0" u="none" strike="noStrike" cap="none" spc="0" normalizeH="0" baseline="0" dirty="0">
+                    <a:ln>
+                      <a:noFill/>
+                    </a:ln>
+                    <a:solidFill>
+                      <a:schemeClr val="tx1">
+                        <a:alpha val="15000"/>
+                      </a:schemeClr>
+                    </a:solidFill>
+                    <a:effectLst/>
+                    <a:uFillTx/>
+                    <a:latin typeface="Helvetica Neue Bold Condensed"/>
+                    <a:ea typeface="Helvetica Neue Bold Condensed"/>
+                    <a:cs typeface="Helvetica Neue Bold Condensed"/>
+                    <a:sym typeface="Helvetica Neue Bold Condensed"/>
+                  </a:rPr>
+                  <a:t>13</a:t>
+                </a:r>
+                <a:r>
+                  <a:rPr kumimoji="0" lang="zh-TW" altLang="en-US" sz="1050" b="0" i="0" u="none" strike="noStrike" cap="none" spc="0" normalizeH="0" baseline="0" dirty="0">
+                    <a:ln>
+                      <a:noFill/>
+                    </a:ln>
+                    <a:solidFill>
+                      <a:schemeClr val="tx1">
+                        <a:alpha val="15000"/>
+                      </a:schemeClr>
+                    </a:solidFill>
+                    <a:effectLst/>
+                    <a:uFillTx/>
+                    <a:latin typeface="Helvetica Neue Bold Condensed"/>
+                    <a:ea typeface="Helvetica Neue Bold Condensed"/>
+                    <a:cs typeface="Helvetica Neue Bold Condensed"/>
+                    <a:sym typeface="Helvetica Neue Bold Condensed"/>
+                  </a:rPr>
+                  <a:t>屆 </a:t>
+                </a:r>
+                <a:r>
+                  <a:rPr kumimoji="0" lang="en-US" sz="1200" b="0" i="0" u="none" strike="noStrike" cap="none" spc="0" normalizeH="0" baseline="0" dirty="0">
+                    <a:ln>
+                      <a:noFill/>
+                    </a:ln>
+                    <a:solidFill>
+                      <a:schemeClr val="tx1">
+                        <a:alpha val="15000"/>
+                      </a:schemeClr>
+                    </a:solidFill>
+                    <a:effectLst/>
+                    <a:uFillTx/>
+                    <a:latin typeface="Helvetica Neue Bold Condensed"/>
+                    <a:ea typeface="Helvetica Neue Bold Condensed"/>
+                    <a:cs typeface="Helvetica Neue Bold Condensed"/>
+                    <a:sym typeface="Helvetica Neue Bold Condensed"/>
+                  </a:rPr>
+                  <a:t>iT</a:t>
+                </a:r>
+                <a:r>
+                  <a:rPr kumimoji="0" lang="zh-TW" altLang="en-US" sz="1100" b="0" i="0" u="none" strike="noStrike" cap="none" spc="0" normalizeH="0" baseline="0" dirty="0">
+                    <a:ln>
+                      <a:noFill/>
+                    </a:ln>
+                    <a:solidFill>
+                      <a:schemeClr val="tx1">
+                        <a:alpha val="15000"/>
+                      </a:schemeClr>
+                    </a:solidFill>
+                    <a:effectLst/>
+                    <a:uFillTx/>
+                    <a:latin typeface="Helvetica Neue Bold Condensed"/>
+                    <a:ea typeface="Helvetica Neue Bold Condensed"/>
+                    <a:cs typeface="Helvetica Neue Bold Condensed"/>
+                    <a:sym typeface="Helvetica Neue Bold Condensed"/>
+                  </a:rPr>
+                  <a:t>邦</a:t>
+                </a:r>
+                <a:r>
+                  <a:rPr kumimoji="0" lang="zh-TW" altLang="en-US" sz="1000" b="0" i="0" u="none" strike="noStrike" cap="none" spc="0" normalizeH="0" baseline="0" dirty="0">
+                    <a:ln>
+                      <a:noFill/>
+                    </a:ln>
+                    <a:solidFill>
+                      <a:schemeClr val="tx1">
+                        <a:alpha val="15000"/>
+                      </a:schemeClr>
+                    </a:solidFill>
+                    <a:effectLst/>
+                    <a:uFillTx/>
+                    <a:latin typeface="Helvetica Neue Bold Condensed"/>
+                    <a:ea typeface="Helvetica Neue Bold Condensed"/>
+                    <a:cs typeface="Helvetica Neue Bold Condensed"/>
+                    <a:sym typeface="Helvetica Neue Bold Condensed"/>
+                  </a:rPr>
+                  <a:t>幫忙</a:t>
+                </a:r>
+                <a:r>
+                  <a:rPr kumimoji="0" lang="zh-TW" altLang="en-US" sz="1100" b="0" i="0" u="none" strike="noStrike" cap="none" spc="0" normalizeH="0" baseline="0" dirty="0">
+                    <a:ln>
+                      <a:noFill/>
+                    </a:ln>
+                    <a:solidFill>
+                      <a:schemeClr val="tx1">
+                        <a:alpha val="15000"/>
+                      </a:schemeClr>
+                    </a:solidFill>
+                    <a:effectLst/>
+                    <a:uFillTx/>
+                    <a:latin typeface="Helvetica Neue Bold Condensed"/>
+                    <a:ea typeface="Helvetica Neue Bold Condensed"/>
+                    <a:cs typeface="Helvetica Neue Bold Condensed"/>
+                    <a:sym typeface="Helvetica Neue Bold Condensed"/>
+                  </a:rPr>
+                  <a:t> 鐵人賽</a:t>
+                </a:r>
+                <a:endParaRPr sz="1100" dirty="0">
+                  <a:solidFill>
+                    <a:schemeClr val="tx1">
+                      <a:alpha val="15000"/>
+                    </a:schemeClr>
+                  </a:solidFill>
+                </a:endParaRPr>
+              </a:p>
+            </p:txBody>
+          </p:sp>
+          <p:sp>
+            <p:nvSpPr>
+              <p:cNvPr id="11" name="Intelligent Information Retrieval Laboratory">
+                <a:extLst>
+                  <a:ext uri="{FF2B5EF4-FFF2-40B4-BE49-F238E27FC236}">
+                    <a16:creationId xmlns:a16="http://schemas.microsoft.com/office/drawing/2014/main" id="{282437F9-258E-0D46-8004-2F3D31BEE496}"/>
+                  </a:ext>
+                </a:extLst>
+              </p:cNvPr>
+              <p:cNvSpPr txBox="1"/>
+              <p:nvPr/>
+            </p:nvSpPr>
+            <p:spPr>
+              <a:xfrm>
+                <a:off x="8753784" y="4289292"/>
+                <a:ext cx="1219200" cy="313546"/>
+              </a:xfrm>
+              <a:prstGeom prst="rect">
+                <a:avLst/>
+              </a:prstGeom>
+              <a:noFill/>
+              <a:ln w="12700" cap="flat">
+                <a:noFill/>
+                <a:miter lim="400000"/>
+              </a:ln>
+              <a:effectLst/>
+              <a:extLst>
+                <a:ext uri="{C572A759-6A51-4108-AA02-DFA0A04FC94B}">
+                  <ma14:wrappingTextBoxFlag xmlns:ma14="http://schemas.microsoft.com/office/mac/drawingml/2011/main" xmlns:a14="http://schemas.microsoft.com/office/drawing/2010/main" xmlns:m="http://schemas.openxmlformats.org/officeDocument/2006/math" xmlns="" val="1"/>
+                </a:ext>
+              </a:extLst>
+            </p:spPr>
+            <p:txBody>
+              <a:bodyPr wrap="square" lIns="71437" tIns="71437" rIns="71437" bIns="71437" numCol="1" anchor="ctr">
+                <a:spAutoFit/>
+              </a:bodyPr>
+              <a:lstStyle>
+                <a:lvl1pPr algn="l" defTabSz="821531">
+                  <a:defRPr sz="2400" b="0">
+                    <a:solidFill>
+                      <a:srgbClr val="FFFFFF"/>
+                    </a:solidFill>
+                    <a:latin typeface="Helvetica Neue Bold Condensed"/>
+                    <a:ea typeface="Helvetica Neue Bold Condensed"/>
+                    <a:cs typeface="Helvetica Neue Bold Condensed"/>
+                    <a:sym typeface="Helvetica Neue Bold Condensed"/>
+                  </a:defRPr>
+                </a:lvl1pPr>
+              </a:lstStyle>
+              <a:p>
+                <a:r>
+                  <a:rPr kumimoji="0" lang="en-US" altLang="zh-TW" sz="1050" b="0" i="0" u="none" strike="noStrike" cap="none" spc="0" normalizeH="0" baseline="0" dirty="0">
+                    <a:ln>
+                      <a:noFill/>
+                    </a:ln>
+                    <a:solidFill>
+                      <a:schemeClr val="tx1">
+                        <a:alpha val="15000"/>
+                      </a:schemeClr>
+                    </a:solidFill>
+                    <a:effectLst/>
+                    <a:uFillTx/>
+                    <a:latin typeface="Helvetica Neue Bold Condensed"/>
+                    <a:ea typeface="Helvetica Neue Bold Condensed"/>
+                    <a:cs typeface="Helvetica Neue Bold Condensed"/>
+                    <a:sym typeface="Helvetica Neue Bold Condensed"/>
+                  </a:rPr>
+                  <a:t>AI &amp; Data </a:t>
+                </a:r>
+                <a:r>
+                  <a:rPr kumimoji="0" lang="zh-TW" altLang="en-US" sz="1050" b="0" i="0" u="none" strike="noStrike" cap="none" spc="0" normalizeH="0" baseline="0" dirty="0">
+                    <a:ln>
+                      <a:noFill/>
+                    </a:ln>
+                    <a:solidFill>
+                      <a:schemeClr val="tx1">
+                        <a:alpha val="15000"/>
+                      </a:schemeClr>
+                    </a:solidFill>
+                    <a:effectLst/>
+                    <a:uFillTx/>
+                    <a:latin typeface="Helvetica Neue Bold Condensed"/>
+                    <a:ea typeface="Helvetica Neue Bold Condensed"/>
+                    <a:cs typeface="Helvetica Neue Bold Condensed"/>
+                    <a:sym typeface="Helvetica Neue Bold Condensed"/>
+                  </a:rPr>
+                  <a:t>組</a:t>
+                </a:r>
+                <a:endParaRPr sz="1100" dirty="0">
+                  <a:solidFill>
+                    <a:schemeClr val="tx1">
+                      <a:alpha val="15000"/>
+                    </a:schemeClr>
+                  </a:solidFill>
+                </a:endParaRPr>
+              </a:p>
+            </p:txBody>
+          </p:sp>
+        </p:grpSp>
+        <p:grpSp>
+          <p:nvGrpSpPr>
+            <p:cNvPr id="6" name="Group 5">
+              <a:extLst>
+                <a:ext uri="{FF2B5EF4-FFF2-40B4-BE49-F238E27FC236}">
+                  <a16:creationId xmlns:a16="http://schemas.microsoft.com/office/drawing/2014/main" id="{349B70F4-3381-7641-B675-6867668F0B40}"/>
+                </a:ext>
+              </a:extLst>
+            </p:cNvPr>
+            <p:cNvGrpSpPr/>
+            <p:nvPr/>
+          </p:nvGrpSpPr>
+          <p:grpSpPr>
+            <a:xfrm>
+              <a:off x="7247835" y="3971848"/>
+              <a:ext cx="1876735" cy="1050587"/>
+              <a:chOff x="3891792" y="3940042"/>
+              <a:chExt cx="1876735" cy="1050587"/>
+            </a:xfrm>
+          </p:grpSpPr>
+          <p:pic>
+            <p:nvPicPr>
+              <p:cNvPr id="7" name="Picture 6">
+                <a:extLst>
+                  <a:ext uri="{FF2B5EF4-FFF2-40B4-BE49-F238E27FC236}">
+                    <a16:creationId xmlns:a16="http://schemas.microsoft.com/office/drawing/2014/main" id="{365C4D87-4BA4-6643-8425-256B9B8BA288}"/>
+                  </a:ext>
+                </a:extLst>
+              </p:cNvPr>
+              <p:cNvPicPr>
+                <a:picLocks noChangeAspect="1" noChangeArrowheads="1"/>
+              </p:cNvPicPr>
+              <p:nvPr/>
+            </p:nvPicPr>
+            <p:blipFill>
+              <a:blip r:embed="rId2">
+                <a:duotone>
+                  <a:prstClr val="black"/>
+                  <a:schemeClr val="tx1">
+                    <a:tint val="45000"/>
+                    <a:satMod val="400000"/>
+                  </a:schemeClr>
+                </a:duotone>
+                <a:alphaModFix amt="20000"/>
+              </a:blip>
+              <a:srcRect/>
+              <a:stretch/>
+            </p:blipFill>
+            <p:spPr bwMode="auto">
+              <a:xfrm>
+                <a:off x="4489805" y="3940042"/>
+                <a:ext cx="1050587" cy="1050587"/>
+              </a:xfrm>
+              <a:prstGeom prst="rect">
+                <a:avLst/>
+              </a:prstGeom>
+              <a:noFill/>
+              <a:extLst>
+                <a:ext uri="{909E8E84-426E-40DD-AFC4-6F175D3DCCD1}">
+                  <a14:hiddenFill xmlns:a14="http://schemas.microsoft.com/office/drawing/2010/main">
+                    <a:solidFill>
+                      <a:srgbClr val="FFFFFF"/>
+                    </a:solidFill>
+                  </a14:hiddenFill>
+                </a:ext>
+              </a:extLst>
+            </p:spPr>
+          </p:pic>
+          <p:pic>
+            <p:nvPicPr>
+              <p:cNvPr id="8" name="Picture 4" descr="Youtube logo | Logok">
+                <a:extLst>
+                  <a:ext uri="{FF2B5EF4-FFF2-40B4-BE49-F238E27FC236}">
+                    <a16:creationId xmlns:a16="http://schemas.microsoft.com/office/drawing/2014/main" id="{16301F7B-7ADF-F448-8AB1-A1A75ADE6DF1}"/>
+                  </a:ext>
+                </a:extLst>
+              </p:cNvPr>
+              <p:cNvPicPr>
+                <a:picLocks noChangeAspect="1" noChangeArrowheads="1"/>
+              </p:cNvPicPr>
+              <p:nvPr/>
+            </p:nvPicPr>
+            <p:blipFill>
+              <a:blip r:embed="rId3">
+                <a:alphaModFix amt="20000"/>
+                <a:extLst>
+                  <a:ext uri="{28A0092B-C50C-407E-A947-70E740481C1C}">
+                    <a14:useLocalDpi xmlns:a14="http://schemas.microsoft.com/office/drawing/2010/main" val="0"/>
+                  </a:ext>
+                </a:extLst>
+              </a:blip>
+              <a:srcRect/>
+              <a:stretch>
+                <a:fillRect/>
+              </a:stretch>
+            </p:blipFill>
+            <p:spPr bwMode="auto">
+              <a:xfrm>
+                <a:off x="3891792" y="4187926"/>
+                <a:ext cx="739756" cy="554817"/>
+              </a:xfrm>
+              <a:prstGeom prst="rect">
+                <a:avLst/>
+              </a:prstGeom>
+              <a:noFill/>
+              <a:extLst>
+                <a:ext uri="{909E8E84-426E-40DD-AFC4-6F175D3DCCD1}">
+                  <a14:hiddenFill xmlns:a14="http://schemas.microsoft.com/office/drawing/2010/main">
+                    <a:solidFill>
+                      <a:srgbClr val="FFFFFF"/>
+                    </a:solidFill>
+                  </a14:hiddenFill>
+                </a:ext>
+              </a:extLst>
+            </p:spPr>
+          </p:pic>
+          <p:sp>
+            <p:nvSpPr>
+              <p:cNvPr id="9" name="Intelligent Information Retrieval Laboratory">
+                <a:extLst>
+                  <a:ext uri="{FF2B5EF4-FFF2-40B4-BE49-F238E27FC236}">
+                    <a16:creationId xmlns:a16="http://schemas.microsoft.com/office/drawing/2014/main" id="{3C723C68-4897-6F42-9798-D6F3771C25D8}"/>
+                  </a:ext>
+                </a:extLst>
+              </p:cNvPr>
+              <p:cNvSpPr txBox="1"/>
+              <p:nvPr/>
+            </p:nvSpPr>
+            <p:spPr>
+              <a:xfrm>
+                <a:off x="4549327" y="4308601"/>
+                <a:ext cx="1219200" cy="328935"/>
+              </a:xfrm>
+              <a:prstGeom prst="rect">
+                <a:avLst/>
+              </a:prstGeom>
+              <a:noFill/>
+              <a:ln w="12700" cap="flat">
+                <a:noFill/>
+                <a:miter lim="400000"/>
+              </a:ln>
+              <a:effectLst/>
+              <a:extLst>
+                <a:ext uri="{C572A759-6A51-4108-AA02-DFA0A04FC94B}">
+                  <ma14:wrappingTextBoxFlag xmlns:ma14="http://schemas.microsoft.com/office/mac/drawingml/2011/main" xmlns:a14="http://schemas.microsoft.com/office/drawing/2010/main" xmlns:m="http://schemas.openxmlformats.org/officeDocument/2006/math" xmlns="" val="1"/>
+                </a:ext>
+              </a:extLst>
+            </p:spPr>
+            <p:txBody>
+              <a:bodyPr wrap="square" lIns="71437" tIns="71437" rIns="71437" bIns="71437" numCol="1" anchor="ctr">
+                <a:spAutoFit/>
+              </a:bodyPr>
+              <a:lstStyle>
+                <a:lvl1pPr algn="l" defTabSz="821531">
+                  <a:defRPr sz="2400" b="0">
+                    <a:solidFill>
+                      <a:srgbClr val="FFFFFF"/>
+                    </a:solidFill>
+                    <a:latin typeface="Helvetica Neue Bold Condensed"/>
+                    <a:ea typeface="Helvetica Neue Bold Condensed"/>
+                    <a:cs typeface="Helvetica Neue Bold Condensed"/>
+                    <a:sym typeface="Helvetica Neue Bold Condensed"/>
+                  </a:defRPr>
+                </a:lvl1pPr>
+              </a:lstStyle>
+              <a:p>
+                <a:r>
+                  <a:rPr kumimoji="0" lang="en-US" altLang="zh-TW" sz="1200" b="0" i="0" u="none" strike="noStrike" cap="none" spc="0" normalizeH="0" baseline="0" dirty="0">
+                    <a:ln>
+                      <a:noFill/>
+                    </a:ln>
+                    <a:solidFill>
+                      <a:schemeClr val="tx1">
+                        <a:alpha val="15000"/>
+                      </a:schemeClr>
+                    </a:solidFill>
+                    <a:effectLst/>
+                    <a:uFillTx/>
+                    <a:latin typeface="Helvetica Neue Bold Condensed"/>
+                    <a:ea typeface="Helvetica Neue Bold Condensed"/>
+                    <a:cs typeface="Helvetica Neue Bold Condensed"/>
+                    <a:sym typeface="Helvetica Neue Bold Condensed"/>
+                  </a:rPr>
+                  <a:t>10</a:t>
+                </a:r>
+                <a:r>
+                  <a:rPr kumimoji="0" lang="zh-TW" altLang="en-US" sz="1200" b="0" i="0" u="none" strike="noStrike" cap="none" spc="0" normalizeH="0" baseline="0" dirty="0">
+                    <a:ln>
+                      <a:noFill/>
+                    </a:ln>
+                    <a:solidFill>
+                      <a:schemeClr val="tx1">
+                        <a:alpha val="15000"/>
+                      </a:schemeClr>
+                    </a:solidFill>
+                    <a:effectLst/>
+                    <a:uFillTx/>
+                    <a:sym typeface="Helvetica Neue Bold Condensed"/>
+                  </a:rPr>
+                  <a:t>程式中</a:t>
+                </a:r>
+                <a:endParaRPr sz="1400" dirty="0">
+                  <a:solidFill>
+                    <a:schemeClr val="tx1">
+                      <a:alpha val="15000"/>
+                    </a:schemeClr>
+                  </a:solidFill>
+                </a:endParaRPr>
+              </a:p>
+            </p:txBody>
+          </p:sp>
+        </p:grpSp>
+      </p:grpSp>
+      <p:pic>
+        <p:nvPicPr>
+          <p:cNvPr id="3" name="Picture 2">
+            <a:extLst>
+              <a:ext uri="{FF2B5EF4-FFF2-40B4-BE49-F238E27FC236}">
+                <a16:creationId xmlns:a16="http://schemas.microsoft.com/office/drawing/2014/main" id="{DEE13519-61F4-D542-B896-89D9B6CBF949}"/>
+              </a:ext>
+            </a:extLst>
+          </p:cNvPr>
+          <p:cNvPicPr>
+            <a:picLocks noChangeAspect="1"/>
+          </p:cNvPicPr>
+          <p:nvPr/>
+        </p:nvPicPr>
+        <p:blipFill>
+          <a:blip r:embed="rId4">
+            <a:extLst>
+              <a:ext uri="{28A0092B-C50C-407E-A947-70E740481C1C}">
+                <a14:useLocalDpi xmlns:a14="http://schemas.microsoft.com/office/drawing/2010/main" val="0"/>
+              </a:ext>
+            </a:extLst>
+          </a:blip>
+          <a:stretch>
+            <a:fillRect/>
+          </a:stretch>
+        </p:blipFill>
+        <p:spPr>
+          <a:xfrm>
+            <a:off x="2821468" y="884892"/>
+            <a:ext cx="6549063" cy="3988456"/>
+          </a:xfrm>
+          <a:prstGeom prst="rect">
+            <a:avLst/>
+          </a:prstGeom>
+        </p:spPr>
+      </p:pic>
+    </p:spTree>
+    <p:extLst>
+      <p:ext uri="{BB962C8B-B14F-4D97-AF65-F5344CB8AC3E}">
+        <p14:creationId xmlns:p14="http://schemas.microsoft.com/office/powerpoint/2010/main" val="2241965579"/>
+      </p:ext>
+    </p:extLst>
+  </p:cSld>
+  <p:clrMapOvr>
+    <a:masterClrMapping/>
+  </p:clrMapOvr>
+</p:sld>
+</file>
+
+<file path=ppt/slides/slide4.xml><?xml version="1.0" encoding="utf-8"?>
+<p:sld xmlns:a="http://schemas.openxmlformats.org/drawingml/2006/main" xmlns:r="http://schemas.openxmlformats.org/officeDocument/2006/relationships" xmlns:p="http://schemas.openxmlformats.org/presentationml/2006/main">
+  <p:cSld>
+    <p:spTree>
+      <p:nvGrpSpPr>
+        <p:cNvPr id="1" name=""/>
+        <p:cNvGrpSpPr/>
+        <p:nvPr/>
+      </p:nvGrpSpPr>
+      <p:grpSpPr>
+        <a:xfrm>
+          <a:off x="0" y="0"/>
+          <a:ext cx="0" cy="0"/>
+          <a:chOff x="0" y="0"/>
+          <a:chExt cx="0" cy="0"/>
+        </a:xfrm>
+      </p:grpSpPr>
+      <p:grpSp>
+        <p:nvGrpSpPr>
+          <p:cNvPr id="4" name="Group 3">
+            <a:extLst>
+              <a:ext uri="{FF2B5EF4-FFF2-40B4-BE49-F238E27FC236}">
+                <a16:creationId xmlns:a16="http://schemas.microsoft.com/office/drawing/2014/main" id="{F4B67E14-4B87-814B-BDB4-BE841CFEC4B2}"/>
+              </a:ext>
+            </a:extLst>
+          </p:cNvPr>
+          <p:cNvGrpSpPr/>
+          <p:nvPr/>
+        </p:nvGrpSpPr>
+        <p:grpSpPr>
+          <a:xfrm>
+            <a:off x="3281512" y="3940888"/>
+            <a:ext cx="5764444" cy="1050587"/>
+            <a:chOff x="3360126" y="3971848"/>
+            <a:chExt cx="5764444" cy="1050587"/>
+          </a:xfrm>
+        </p:grpSpPr>
+        <p:grpSp>
+          <p:nvGrpSpPr>
+            <p:cNvPr id="5" name="Group 4">
+              <a:extLst>
+                <a:ext uri="{FF2B5EF4-FFF2-40B4-BE49-F238E27FC236}">
+                  <a16:creationId xmlns:a16="http://schemas.microsoft.com/office/drawing/2014/main" id="{FC96DF90-6DDB-A448-8643-9116E9A168FD}"/>
+                </a:ext>
+              </a:extLst>
+            </p:cNvPr>
+            <p:cNvGrpSpPr/>
+            <p:nvPr/>
+          </p:nvGrpSpPr>
+          <p:grpSpPr>
+            <a:xfrm>
+              <a:off x="3360126" y="4324980"/>
+              <a:ext cx="2735874" cy="328935"/>
+              <a:chOff x="7237110" y="4273903"/>
+              <a:chExt cx="2735874" cy="328935"/>
+            </a:xfrm>
+          </p:grpSpPr>
+          <p:sp>
+            <p:nvSpPr>
+              <p:cNvPr id="10" name="Intelligent Information Retrieval Laboratory">
+                <a:extLst>
+                  <a:ext uri="{FF2B5EF4-FFF2-40B4-BE49-F238E27FC236}">
+                    <a16:creationId xmlns:a16="http://schemas.microsoft.com/office/drawing/2014/main" id="{5403543F-BF3A-6E4B-A06A-E83E0715D64B}"/>
+                  </a:ext>
+                </a:extLst>
+              </p:cNvPr>
+              <p:cNvSpPr txBox="1"/>
+              <p:nvPr/>
+            </p:nvSpPr>
+            <p:spPr>
+              <a:xfrm>
+                <a:off x="7237110" y="4273903"/>
+                <a:ext cx="2590800" cy="328935"/>
+              </a:xfrm>
+              <a:prstGeom prst="rect">
+                <a:avLst/>
+              </a:prstGeom>
+              <a:noFill/>
+              <a:ln w="12700" cap="flat">
+                <a:noFill/>
+                <a:miter lim="400000"/>
+              </a:ln>
+              <a:effectLst/>
+              <a:extLst>
+                <a:ext uri="{C572A759-6A51-4108-AA02-DFA0A04FC94B}">
+                  <ma14:wrappingTextBoxFlag xmlns:ma14="http://schemas.microsoft.com/office/mac/drawingml/2011/main" xmlns:a14="http://schemas.microsoft.com/office/drawing/2010/main" xmlns:m="http://schemas.openxmlformats.org/officeDocument/2006/math" xmlns="" val="1"/>
+                </a:ext>
+              </a:extLst>
+            </p:spPr>
+            <p:txBody>
+              <a:bodyPr wrap="square" lIns="71437" tIns="71437" rIns="71437" bIns="71437" numCol="1" anchor="ctr">
+                <a:spAutoFit/>
+              </a:bodyPr>
+              <a:lstStyle>
+                <a:lvl1pPr algn="l" defTabSz="821531">
+                  <a:defRPr sz="2400" b="0">
+                    <a:solidFill>
+                      <a:srgbClr val="FFFFFF"/>
+                    </a:solidFill>
+                    <a:latin typeface="Helvetica Neue Bold Condensed"/>
+                    <a:ea typeface="Helvetica Neue Bold Condensed"/>
+                    <a:cs typeface="Helvetica Neue Bold Condensed"/>
+                    <a:sym typeface="Helvetica Neue Bold Condensed"/>
+                  </a:defRPr>
+                </a:lvl1pPr>
+              </a:lstStyle>
+              <a:p>
+                <a:r>
+                  <a:rPr kumimoji="0" lang="zh-TW" altLang="en-US" sz="1050" b="0" i="0" u="none" strike="noStrike" cap="none" spc="0" normalizeH="0" baseline="0" dirty="0">
+                    <a:ln>
+                      <a:noFill/>
+                    </a:ln>
+                    <a:solidFill>
+                      <a:schemeClr val="tx1">
+                        <a:alpha val="15000"/>
+                      </a:schemeClr>
+                    </a:solidFill>
+                    <a:effectLst/>
+                    <a:uFillTx/>
+                    <a:latin typeface="Helvetica Neue Bold Condensed"/>
+                    <a:ea typeface="Helvetica Neue Bold Condensed"/>
+                    <a:cs typeface="Helvetica Neue Bold Condensed"/>
+                    <a:sym typeface="Helvetica Neue Bold Condensed"/>
+                  </a:rPr>
+                  <a:t>第</a:t>
+                </a:r>
+                <a:r>
+                  <a:rPr kumimoji="0" lang="en-US" altLang="zh-TW" sz="1050" b="0" i="0" u="none" strike="noStrike" cap="none" spc="0" normalizeH="0" baseline="0" dirty="0">
+                    <a:ln>
+                      <a:noFill/>
+                    </a:ln>
+                    <a:solidFill>
+                      <a:schemeClr val="tx1">
+                        <a:alpha val="15000"/>
+                      </a:schemeClr>
+                    </a:solidFill>
+                    <a:effectLst/>
+                    <a:uFillTx/>
+                    <a:latin typeface="Helvetica Neue Bold Condensed"/>
+                    <a:ea typeface="Helvetica Neue Bold Condensed"/>
+                    <a:cs typeface="Helvetica Neue Bold Condensed"/>
+                    <a:sym typeface="Helvetica Neue Bold Condensed"/>
+                  </a:rPr>
+                  <a:t>13</a:t>
+                </a:r>
+                <a:r>
+                  <a:rPr kumimoji="0" lang="zh-TW" altLang="en-US" sz="1050" b="0" i="0" u="none" strike="noStrike" cap="none" spc="0" normalizeH="0" baseline="0" dirty="0">
+                    <a:ln>
+                      <a:noFill/>
+                    </a:ln>
+                    <a:solidFill>
+                      <a:schemeClr val="tx1">
+                        <a:alpha val="15000"/>
+                      </a:schemeClr>
+                    </a:solidFill>
+                    <a:effectLst/>
+                    <a:uFillTx/>
+                    <a:latin typeface="Helvetica Neue Bold Condensed"/>
+                    <a:ea typeface="Helvetica Neue Bold Condensed"/>
+                    <a:cs typeface="Helvetica Neue Bold Condensed"/>
+                    <a:sym typeface="Helvetica Neue Bold Condensed"/>
+                  </a:rPr>
+                  <a:t>屆 </a:t>
+                </a:r>
+                <a:r>
+                  <a:rPr kumimoji="0" lang="en-US" sz="1200" b="0" i="0" u="none" strike="noStrike" cap="none" spc="0" normalizeH="0" baseline="0" dirty="0">
+                    <a:ln>
+                      <a:noFill/>
+                    </a:ln>
+                    <a:solidFill>
+                      <a:schemeClr val="tx1">
+                        <a:alpha val="15000"/>
+                      </a:schemeClr>
+                    </a:solidFill>
+                    <a:effectLst/>
+                    <a:uFillTx/>
+                    <a:latin typeface="Helvetica Neue Bold Condensed"/>
+                    <a:ea typeface="Helvetica Neue Bold Condensed"/>
+                    <a:cs typeface="Helvetica Neue Bold Condensed"/>
+                    <a:sym typeface="Helvetica Neue Bold Condensed"/>
+                  </a:rPr>
+                  <a:t>iT</a:t>
+                </a:r>
+                <a:r>
+                  <a:rPr kumimoji="0" lang="zh-TW" altLang="en-US" sz="1100" b="0" i="0" u="none" strike="noStrike" cap="none" spc="0" normalizeH="0" baseline="0" dirty="0">
+                    <a:ln>
+                      <a:noFill/>
+                    </a:ln>
+                    <a:solidFill>
+                      <a:schemeClr val="tx1">
+                        <a:alpha val="15000"/>
+                      </a:schemeClr>
+                    </a:solidFill>
+                    <a:effectLst/>
+                    <a:uFillTx/>
+                    <a:latin typeface="Helvetica Neue Bold Condensed"/>
+                    <a:ea typeface="Helvetica Neue Bold Condensed"/>
+                    <a:cs typeface="Helvetica Neue Bold Condensed"/>
+                    <a:sym typeface="Helvetica Neue Bold Condensed"/>
+                  </a:rPr>
+                  <a:t>邦</a:t>
+                </a:r>
+                <a:r>
+                  <a:rPr kumimoji="0" lang="zh-TW" altLang="en-US" sz="1000" b="0" i="0" u="none" strike="noStrike" cap="none" spc="0" normalizeH="0" baseline="0" dirty="0">
+                    <a:ln>
+                      <a:noFill/>
+                    </a:ln>
+                    <a:solidFill>
+                      <a:schemeClr val="tx1">
+                        <a:alpha val="15000"/>
+                      </a:schemeClr>
+                    </a:solidFill>
+                    <a:effectLst/>
+                    <a:uFillTx/>
+                    <a:latin typeface="Helvetica Neue Bold Condensed"/>
+                    <a:ea typeface="Helvetica Neue Bold Condensed"/>
+                    <a:cs typeface="Helvetica Neue Bold Condensed"/>
+                    <a:sym typeface="Helvetica Neue Bold Condensed"/>
+                  </a:rPr>
+                  <a:t>幫忙</a:t>
+                </a:r>
+                <a:r>
+                  <a:rPr kumimoji="0" lang="zh-TW" altLang="en-US" sz="1100" b="0" i="0" u="none" strike="noStrike" cap="none" spc="0" normalizeH="0" baseline="0" dirty="0">
+                    <a:ln>
+                      <a:noFill/>
+                    </a:ln>
+                    <a:solidFill>
+                      <a:schemeClr val="tx1">
+                        <a:alpha val="15000"/>
+                      </a:schemeClr>
+                    </a:solidFill>
+                    <a:effectLst/>
+                    <a:uFillTx/>
+                    <a:latin typeface="Helvetica Neue Bold Condensed"/>
+                    <a:ea typeface="Helvetica Neue Bold Condensed"/>
+                    <a:cs typeface="Helvetica Neue Bold Condensed"/>
+                    <a:sym typeface="Helvetica Neue Bold Condensed"/>
+                  </a:rPr>
+                  <a:t> 鐵人賽</a:t>
+                </a:r>
+                <a:endParaRPr sz="1100" dirty="0">
+                  <a:solidFill>
+                    <a:schemeClr val="tx1">
+                      <a:alpha val="15000"/>
+                    </a:schemeClr>
+                  </a:solidFill>
+                </a:endParaRPr>
+              </a:p>
+            </p:txBody>
+          </p:sp>
+          <p:sp>
+            <p:nvSpPr>
+              <p:cNvPr id="11" name="Intelligent Information Retrieval Laboratory">
+                <a:extLst>
+                  <a:ext uri="{FF2B5EF4-FFF2-40B4-BE49-F238E27FC236}">
+                    <a16:creationId xmlns:a16="http://schemas.microsoft.com/office/drawing/2014/main" id="{282437F9-258E-0D46-8004-2F3D31BEE496}"/>
+                  </a:ext>
+                </a:extLst>
+              </p:cNvPr>
+              <p:cNvSpPr txBox="1"/>
+              <p:nvPr/>
+            </p:nvSpPr>
+            <p:spPr>
+              <a:xfrm>
+                <a:off x="8753784" y="4289292"/>
+                <a:ext cx="1219200" cy="313546"/>
+              </a:xfrm>
+              <a:prstGeom prst="rect">
+                <a:avLst/>
+              </a:prstGeom>
+              <a:noFill/>
+              <a:ln w="12700" cap="flat">
+                <a:noFill/>
+                <a:miter lim="400000"/>
+              </a:ln>
+              <a:effectLst/>
+              <a:extLst>
+                <a:ext uri="{C572A759-6A51-4108-AA02-DFA0A04FC94B}">
+                  <ma14:wrappingTextBoxFlag xmlns:ma14="http://schemas.microsoft.com/office/mac/drawingml/2011/main" xmlns:a14="http://schemas.microsoft.com/office/drawing/2010/main" xmlns:m="http://schemas.openxmlformats.org/officeDocument/2006/math" xmlns="" val="1"/>
+                </a:ext>
+              </a:extLst>
+            </p:spPr>
+            <p:txBody>
+              <a:bodyPr wrap="square" lIns="71437" tIns="71437" rIns="71437" bIns="71437" numCol="1" anchor="ctr">
+                <a:spAutoFit/>
+              </a:bodyPr>
+              <a:lstStyle>
+                <a:lvl1pPr algn="l" defTabSz="821531">
+                  <a:defRPr sz="2400" b="0">
+                    <a:solidFill>
+                      <a:srgbClr val="FFFFFF"/>
+                    </a:solidFill>
+                    <a:latin typeface="Helvetica Neue Bold Condensed"/>
+                    <a:ea typeface="Helvetica Neue Bold Condensed"/>
+                    <a:cs typeface="Helvetica Neue Bold Condensed"/>
+                    <a:sym typeface="Helvetica Neue Bold Condensed"/>
+                  </a:defRPr>
+                </a:lvl1pPr>
+              </a:lstStyle>
+              <a:p>
+                <a:r>
+                  <a:rPr kumimoji="0" lang="en-US" altLang="zh-TW" sz="1050" b="0" i="0" u="none" strike="noStrike" cap="none" spc="0" normalizeH="0" baseline="0" dirty="0">
+                    <a:ln>
+                      <a:noFill/>
+                    </a:ln>
+                    <a:solidFill>
+                      <a:schemeClr val="tx1">
+                        <a:alpha val="15000"/>
+                      </a:schemeClr>
+                    </a:solidFill>
+                    <a:effectLst/>
+                    <a:uFillTx/>
+                    <a:latin typeface="Helvetica Neue Bold Condensed"/>
+                    <a:ea typeface="Helvetica Neue Bold Condensed"/>
+                    <a:cs typeface="Helvetica Neue Bold Condensed"/>
+                    <a:sym typeface="Helvetica Neue Bold Condensed"/>
+                  </a:rPr>
+                  <a:t>AI &amp; Data </a:t>
+                </a:r>
+                <a:r>
+                  <a:rPr kumimoji="0" lang="zh-TW" altLang="en-US" sz="1050" b="0" i="0" u="none" strike="noStrike" cap="none" spc="0" normalizeH="0" baseline="0" dirty="0">
+                    <a:ln>
+                      <a:noFill/>
+                    </a:ln>
+                    <a:solidFill>
+                      <a:schemeClr val="tx1">
+                        <a:alpha val="15000"/>
+                      </a:schemeClr>
+                    </a:solidFill>
+                    <a:effectLst/>
+                    <a:uFillTx/>
+                    <a:latin typeface="Helvetica Neue Bold Condensed"/>
+                    <a:ea typeface="Helvetica Neue Bold Condensed"/>
+                    <a:cs typeface="Helvetica Neue Bold Condensed"/>
+                    <a:sym typeface="Helvetica Neue Bold Condensed"/>
+                  </a:rPr>
+                  <a:t>組</a:t>
+                </a:r>
+                <a:endParaRPr sz="1100" dirty="0">
+                  <a:solidFill>
+                    <a:schemeClr val="tx1">
+                      <a:alpha val="15000"/>
+                    </a:schemeClr>
+                  </a:solidFill>
+                </a:endParaRPr>
+              </a:p>
+            </p:txBody>
+          </p:sp>
+        </p:grpSp>
+        <p:grpSp>
+          <p:nvGrpSpPr>
+            <p:cNvPr id="6" name="Group 5">
+              <a:extLst>
+                <a:ext uri="{FF2B5EF4-FFF2-40B4-BE49-F238E27FC236}">
+                  <a16:creationId xmlns:a16="http://schemas.microsoft.com/office/drawing/2014/main" id="{349B70F4-3381-7641-B675-6867668F0B40}"/>
+                </a:ext>
+              </a:extLst>
+            </p:cNvPr>
+            <p:cNvGrpSpPr/>
+            <p:nvPr/>
+          </p:nvGrpSpPr>
+          <p:grpSpPr>
+            <a:xfrm>
+              <a:off x="7247835" y="3971848"/>
+              <a:ext cx="1876735" cy="1050587"/>
+              <a:chOff x="3891792" y="3940042"/>
+              <a:chExt cx="1876735" cy="1050587"/>
+            </a:xfrm>
+          </p:grpSpPr>
+          <p:pic>
+            <p:nvPicPr>
+              <p:cNvPr id="7" name="Picture 6">
+                <a:extLst>
+                  <a:ext uri="{FF2B5EF4-FFF2-40B4-BE49-F238E27FC236}">
+                    <a16:creationId xmlns:a16="http://schemas.microsoft.com/office/drawing/2014/main" id="{365C4D87-4BA4-6643-8425-256B9B8BA288}"/>
+                  </a:ext>
+                </a:extLst>
+              </p:cNvPr>
+              <p:cNvPicPr>
+                <a:picLocks noChangeAspect="1" noChangeArrowheads="1"/>
+              </p:cNvPicPr>
+              <p:nvPr/>
+            </p:nvPicPr>
+            <p:blipFill>
+              <a:blip r:embed="rId2">
+                <a:duotone>
+                  <a:prstClr val="black"/>
+                  <a:schemeClr val="tx1">
+                    <a:tint val="45000"/>
+                    <a:satMod val="400000"/>
+                  </a:schemeClr>
+                </a:duotone>
+                <a:alphaModFix amt="20000"/>
+              </a:blip>
+              <a:srcRect/>
+              <a:stretch/>
+            </p:blipFill>
+            <p:spPr bwMode="auto">
+              <a:xfrm>
+                <a:off x="4489805" y="3940042"/>
+                <a:ext cx="1050587" cy="1050587"/>
+              </a:xfrm>
+              <a:prstGeom prst="rect">
+                <a:avLst/>
+              </a:prstGeom>
+              <a:noFill/>
+              <a:extLst>
+                <a:ext uri="{909E8E84-426E-40DD-AFC4-6F175D3DCCD1}">
+                  <a14:hiddenFill xmlns:a14="http://schemas.microsoft.com/office/drawing/2010/main">
+                    <a:solidFill>
+                      <a:srgbClr val="FFFFFF"/>
+                    </a:solidFill>
+                  </a14:hiddenFill>
+                </a:ext>
+              </a:extLst>
+            </p:spPr>
+          </p:pic>
+          <p:pic>
+            <p:nvPicPr>
+              <p:cNvPr id="8" name="Picture 4" descr="Youtube logo | Logok">
+                <a:extLst>
+                  <a:ext uri="{FF2B5EF4-FFF2-40B4-BE49-F238E27FC236}">
+                    <a16:creationId xmlns:a16="http://schemas.microsoft.com/office/drawing/2014/main" id="{16301F7B-7ADF-F448-8AB1-A1A75ADE6DF1}"/>
+                  </a:ext>
+                </a:extLst>
+              </p:cNvPr>
+              <p:cNvPicPr>
+                <a:picLocks noChangeAspect="1" noChangeArrowheads="1"/>
+              </p:cNvPicPr>
+              <p:nvPr/>
+            </p:nvPicPr>
+            <p:blipFill>
+              <a:blip r:embed="rId3">
+                <a:alphaModFix amt="20000"/>
+                <a:extLst>
+                  <a:ext uri="{28A0092B-C50C-407E-A947-70E740481C1C}">
+                    <a14:useLocalDpi xmlns:a14="http://schemas.microsoft.com/office/drawing/2010/main" val="0"/>
+                  </a:ext>
+                </a:extLst>
+              </a:blip>
+              <a:srcRect/>
+              <a:stretch>
+                <a:fillRect/>
+              </a:stretch>
+            </p:blipFill>
+            <p:spPr bwMode="auto">
+              <a:xfrm>
+                <a:off x="3891792" y="4187926"/>
+                <a:ext cx="739756" cy="554817"/>
+              </a:xfrm>
+              <a:prstGeom prst="rect">
+                <a:avLst/>
+              </a:prstGeom>
+              <a:noFill/>
+              <a:extLst>
+                <a:ext uri="{909E8E84-426E-40DD-AFC4-6F175D3DCCD1}">
+                  <a14:hiddenFill xmlns:a14="http://schemas.microsoft.com/office/drawing/2010/main">
+                    <a:solidFill>
+                      <a:srgbClr val="FFFFFF"/>
+                    </a:solidFill>
+                  </a14:hiddenFill>
+                </a:ext>
+              </a:extLst>
+            </p:spPr>
+          </p:pic>
+          <p:sp>
+            <p:nvSpPr>
+              <p:cNvPr id="9" name="Intelligent Information Retrieval Laboratory">
+                <a:extLst>
+                  <a:ext uri="{FF2B5EF4-FFF2-40B4-BE49-F238E27FC236}">
+                    <a16:creationId xmlns:a16="http://schemas.microsoft.com/office/drawing/2014/main" id="{3C723C68-4897-6F42-9798-D6F3771C25D8}"/>
+                  </a:ext>
+                </a:extLst>
+              </p:cNvPr>
+              <p:cNvSpPr txBox="1"/>
+              <p:nvPr/>
+            </p:nvSpPr>
+            <p:spPr>
+              <a:xfrm>
+                <a:off x="4549327" y="4308601"/>
+                <a:ext cx="1219200" cy="328935"/>
+              </a:xfrm>
+              <a:prstGeom prst="rect">
+                <a:avLst/>
+              </a:prstGeom>
+              <a:noFill/>
+              <a:ln w="12700" cap="flat">
+                <a:noFill/>
+                <a:miter lim="400000"/>
+              </a:ln>
+              <a:effectLst/>
+              <a:extLst>
+                <a:ext uri="{C572A759-6A51-4108-AA02-DFA0A04FC94B}">
+                  <ma14:wrappingTextBoxFlag xmlns:ma14="http://schemas.microsoft.com/office/mac/drawingml/2011/main" xmlns:a14="http://schemas.microsoft.com/office/drawing/2010/main" xmlns:m="http://schemas.openxmlformats.org/officeDocument/2006/math" xmlns="" val="1"/>
+                </a:ext>
+              </a:extLst>
+            </p:spPr>
+            <p:txBody>
+              <a:bodyPr wrap="square" lIns="71437" tIns="71437" rIns="71437" bIns="71437" numCol="1" anchor="ctr">
+                <a:spAutoFit/>
+              </a:bodyPr>
+              <a:lstStyle>
+                <a:lvl1pPr algn="l" defTabSz="821531">
+                  <a:defRPr sz="2400" b="0">
+                    <a:solidFill>
+                      <a:srgbClr val="FFFFFF"/>
+                    </a:solidFill>
+                    <a:latin typeface="Helvetica Neue Bold Condensed"/>
+                    <a:ea typeface="Helvetica Neue Bold Condensed"/>
+                    <a:cs typeface="Helvetica Neue Bold Condensed"/>
+                    <a:sym typeface="Helvetica Neue Bold Condensed"/>
+                  </a:defRPr>
+                </a:lvl1pPr>
+              </a:lstStyle>
+              <a:p>
+                <a:r>
+                  <a:rPr kumimoji="0" lang="en-US" altLang="zh-TW" sz="1200" b="0" i="0" u="none" strike="noStrike" cap="none" spc="0" normalizeH="0" baseline="0" dirty="0">
+                    <a:ln>
+                      <a:noFill/>
+                    </a:ln>
+                    <a:solidFill>
+                      <a:schemeClr val="tx1">
+                        <a:alpha val="15000"/>
+                      </a:schemeClr>
+                    </a:solidFill>
+                    <a:effectLst/>
+                    <a:uFillTx/>
+                    <a:latin typeface="Helvetica Neue Bold Condensed"/>
+                    <a:ea typeface="Helvetica Neue Bold Condensed"/>
+                    <a:cs typeface="Helvetica Neue Bold Condensed"/>
+                    <a:sym typeface="Helvetica Neue Bold Condensed"/>
+                  </a:rPr>
+                  <a:t>10</a:t>
+                </a:r>
+                <a:r>
+                  <a:rPr kumimoji="0" lang="zh-TW" altLang="en-US" sz="1200" b="0" i="0" u="none" strike="noStrike" cap="none" spc="0" normalizeH="0" baseline="0" dirty="0">
+                    <a:ln>
+                      <a:noFill/>
+                    </a:ln>
+                    <a:solidFill>
+                      <a:schemeClr val="tx1">
+                        <a:alpha val="15000"/>
+                      </a:schemeClr>
+                    </a:solidFill>
+                    <a:effectLst/>
+                    <a:uFillTx/>
+                    <a:sym typeface="Helvetica Neue Bold Condensed"/>
+                  </a:rPr>
+                  <a:t>程式中</a:t>
+                </a:r>
+                <a:endParaRPr sz="1400" dirty="0">
+                  <a:solidFill>
+                    <a:schemeClr val="tx1">
+                      <a:alpha val="15000"/>
+                    </a:schemeClr>
+                  </a:solidFill>
+                </a:endParaRPr>
+              </a:p>
+            </p:txBody>
+          </p:sp>
+        </p:grpSp>
+      </p:grpSp>
+      <p:pic>
+        <p:nvPicPr>
+          <p:cNvPr id="3" name="Picture 2">
+            <a:extLst>
+              <a:ext uri="{FF2B5EF4-FFF2-40B4-BE49-F238E27FC236}">
+                <a16:creationId xmlns:a16="http://schemas.microsoft.com/office/drawing/2014/main" id="{B3113F91-9313-E54D-8F71-25B94EF21A23}"/>
+              </a:ext>
+            </a:extLst>
+          </p:cNvPr>
+          <p:cNvPicPr>
+            <a:picLocks noChangeAspect="1"/>
+          </p:cNvPicPr>
+          <p:nvPr/>
+        </p:nvPicPr>
+        <p:blipFill>
+          <a:blip r:embed="rId4">
+            <a:extLst>
+              <a:ext uri="{28A0092B-C50C-407E-A947-70E740481C1C}">
+                <a14:useLocalDpi xmlns:a14="http://schemas.microsoft.com/office/drawing/2010/main" val="0"/>
+              </a:ext>
+            </a:extLst>
+          </a:blip>
+          <a:stretch>
+            <a:fillRect/>
+          </a:stretch>
+        </p:blipFill>
+        <p:spPr>
+          <a:xfrm>
+            <a:off x="2832100" y="1787115"/>
+            <a:ext cx="6527800" cy="2514600"/>
+          </a:xfrm>
+          <a:prstGeom prst="rect">
+            <a:avLst/>
+          </a:prstGeom>
+        </p:spPr>
+      </p:pic>
+    </p:spTree>
+    <p:extLst>
+      <p:ext uri="{BB962C8B-B14F-4D97-AF65-F5344CB8AC3E}">
+        <p14:creationId xmlns:p14="http://schemas.microsoft.com/office/powerpoint/2010/main" val="1851838558"/>
+      </p:ext>
+    </p:extLst>
+  </p:cSld>
+  <p:clrMapOvr>
+    <a:masterClrMapping/>
+  </p:clrMapOvr>
+</p:sld>
+</file>
+
+<file path=ppt/slides/slide5.xml><?xml version="1.0" encoding="utf-8"?>
+<p:sld xmlns:a="http://schemas.openxmlformats.org/drawingml/2006/main" xmlns:r="http://schemas.openxmlformats.org/officeDocument/2006/relationships" xmlns:p="http://schemas.openxmlformats.org/presentationml/2006/main">
+  <p:cSld>
+    <p:spTree>
+      <p:nvGrpSpPr>
+        <p:cNvPr id="1" name=""/>
+        <p:cNvGrpSpPr/>
+        <p:nvPr/>
+      </p:nvGrpSpPr>
+      <p:grpSpPr>
+        <a:xfrm>
+          <a:off x="0" y="0"/>
+          <a:ext cx="0" cy="0"/>
+          <a:chOff x="0" y="0"/>
+          <a:chExt cx="0" cy="0"/>
+        </a:xfrm>
+      </p:grpSpPr>
+      <p:grpSp>
+        <p:nvGrpSpPr>
+          <p:cNvPr id="4" name="Group 3">
+            <a:extLst>
+              <a:ext uri="{FF2B5EF4-FFF2-40B4-BE49-F238E27FC236}">
+                <a16:creationId xmlns:a16="http://schemas.microsoft.com/office/drawing/2014/main" id="{F4B67E14-4B87-814B-BDB4-BE841CFEC4B2}"/>
+              </a:ext>
+            </a:extLst>
+          </p:cNvPr>
+          <p:cNvGrpSpPr/>
+          <p:nvPr/>
+        </p:nvGrpSpPr>
+        <p:grpSpPr>
+          <a:xfrm>
+            <a:off x="3281512" y="3940888"/>
+            <a:ext cx="5764444" cy="1050587"/>
+            <a:chOff x="3360126" y="3971848"/>
+            <a:chExt cx="5764444" cy="1050587"/>
+          </a:xfrm>
+        </p:grpSpPr>
+        <p:grpSp>
+          <p:nvGrpSpPr>
+            <p:cNvPr id="5" name="Group 4">
+              <a:extLst>
+                <a:ext uri="{FF2B5EF4-FFF2-40B4-BE49-F238E27FC236}">
+                  <a16:creationId xmlns:a16="http://schemas.microsoft.com/office/drawing/2014/main" id="{FC96DF90-6DDB-A448-8643-9116E9A168FD}"/>
+                </a:ext>
+              </a:extLst>
+            </p:cNvPr>
+            <p:cNvGrpSpPr/>
+            <p:nvPr/>
+          </p:nvGrpSpPr>
+          <p:grpSpPr>
+            <a:xfrm>
+              <a:off x="3360126" y="4324980"/>
+              <a:ext cx="2735874" cy="328935"/>
+              <a:chOff x="7237110" y="4273903"/>
+              <a:chExt cx="2735874" cy="328935"/>
+            </a:xfrm>
+          </p:grpSpPr>
+          <p:sp>
+            <p:nvSpPr>
+              <p:cNvPr id="10" name="Intelligent Information Retrieval Laboratory">
+                <a:extLst>
+                  <a:ext uri="{FF2B5EF4-FFF2-40B4-BE49-F238E27FC236}">
+                    <a16:creationId xmlns:a16="http://schemas.microsoft.com/office/drawing/2014/main" id="{5403543F-BF3A-6E4B-A06A-E83E0715D64B}"/>
+                  </a:ext>
+                </a:extLst>
+              </p:cNvPr>
+              <p:cNvSpPr txBox="1"/>
+              <p:nvPr/>
+            </p:nvSpPr>
+            <p:spPr>
+              <a:xfrm>
+                <a:off x="7237110" y="4273903"/>
+                <a:ext cx="2590800" cy="328935"/>
+              </a:xfrm>
+              <a:prstGeom prst="rect">
+                <a:avLst/>
+              </a:prstGeom>
+              <a:noFill/>
+              <a:ln w="12700" cap="flat">
+                <a:noFill/>
+                <a:miter lim="400000"/>
+              </a:ln>
+              <a:effectLst/>
+              <a:extLst>
+                <a:ext uri="{C572A759-6A51-4108-AA02-DFA0A04FC94B}">
+                  <ma14:wrappingTextBoxFlag xmlns:ma14="http://schemas.microsoft.com/office/mac/drawingml/2011/main" xmlns:a14="http://schemas.microsoft.com/office/drawing/2010/main" xmlns:m="http://schemas.openxmlformats.org/officeDocument/2006/math" xmlns="" val="1"/>
+                </a:ext>
+              </a:extLst>
+            </p:spPr>
+            <p:txBody>
+              <a:bodyPr wrap="square" lIns="71437" tIns="71437" rIns="71437" bIns="71437" numCol="1" anchor="ctr">
+                <a:spAutoFit/>
+              </a:bodyPr>
+              <a:lstStyle>
+                <a:lvl1pPr algn="l" defTabSz="821531">
+                  <a:defRPr sz="2400" b="0">
+                    <a:solidFill>
+                      <a:srgbClr val="FFFFFF"/>
+                    </a:solidFill>
+                    <a:latin typeface="Helvetica Neue Bold Condensed"/>
+                    <a:ea typeface="Helvetica Neue Bold Condensed"/>
+                    <a:cs typeface="Helvetica Neue Bold Condensed"/>
+                    <a:sym typeface="Helvetica Neue Bold Condensed"/>
+                  </a:defRPr>
+                </a:lvl1pPr>
+              </a:lstStyle>
+              <a:p>
+                <a:r>
+                  <a:rPr kumimoji="0" lang="zh-TW" altLang="en-US" sz="1050" b="0" i="0" u="none" strike="noStrike" cap="none" spc="0" normalizeH="0" baseline="0" dirty="0">
+                    <a:ln>
+                      <a:noFill/>
+                    </a:ln>
+                    <a:solidFill>
+                      <a:schemeClr val="tx1">
+                        <a:alpha val="15000"/>
+                      </a:schemeClr>
+                    </a:solidFill>
+                    <a:effectLst/>
+                    <a:uFillTx/>
+                    <a:latin typeface="Helvetica Neue Bold Condensed"/>
+                    <a:ea typeface="Helvetica Neue Bold Condensed"/>
+                    <a:cs typeface="Helvetica Neue Bold Condensed"/>
+                    <a:sym typeface="Helvetica Neue Bold Condensed"/>
+                  </a:rPr>
+                  <a:t>第</a:t>
+                </a:r>
+                <a:r>
+                  <a:rPr kumimoji="0" lang="en-US" altLang="zh-TW" sz="1050" b="0" i="0" u="none" strike="noStrike" cap="none" spc="0" normalizeH="0" baseline="0" dirty="0">
+                    <a:ln>
+                      <a:noFill/>
+                    </a:ln>
+                    <a:solidFill>
+                      <a:schemeClr val="tx1">
+                        <a:alpha val="15000"/>
+                      </a:schemeClr>
+                    </a:solidFill>
+                    <a:effectLst/>
+                    <a:uFillTx/>
+                    <a:latin typeface="Helvetica Neue Bold Condensed"/>
+                    <a:ea typeface="Helvetica Neue Bold Condensed"/>
+                    <a:cs typeface="Helvetica Neue Bold Condensed"/>
+                    <a:sym typeface="Helvetica Neue Bold Condensed"/>
+                  </a:rPr>
+                  <a:t>13</a:t>
+                </a:r>
+                <a:r>
+                  <a:rPr kumimoji="0" lang="zh-TW" altLang="en-US" sz="1050" b="0" i="0" u="none" strike="noStrike" cap="none" spc="0" normalizeH="0" baseline="0" dirty="0">
+                    <a:ln>
+                      <a:noFill/>
+                    </a:ln>
+                    <a:solidFill>
+                      <a:schemeClr val="tx1">
+                        <a:alpha val="15000"/>
+                      </a:schemeClr>
+                    </a:solidFill>
+                    <a:effectLst/>
+                    <a:uFillTx/>
+                    <a:latin typeface="Helvetica Neue Bold Condensed"/>
+                    <a:ea typeface="Helvetica Neue Bold Condensed"/>
+                    <a:cs typeface="Helvetica Neue Bold Condensed"/>
+                    <a:sym typeface="Helvetica Neue Bold Condensed"/>
+                  </a:rPr>
+                  <a:t>屆 </a:t>
+                </a:r>
+                <a:r>
+                  <a:rPr kumimoji="0" lang="en-US" sz="1200" b="0" i="0" u="none" strike="noStrike" cap="none" spc="0" normalizeH="0" baseline="0" dirty="0">
+                    <a:ln>
+                      <a:noFill/>
+                    </a:ln>
+                    <a:solidFill>
+                      <a:schemeClr val="tx1">
+                        <a:alpha val="15000"/>
+                      </a:schemeClr>
+                    </a:solidFill>
+                    <a:effectLst/>
+                    <a:uFillTx/>
+                    <a:latin typeface="Helvetica Neue Bold Condensed"/>
+                    <a:ea typeface="Helvetica Neue Bold Condensed"/>
+                    <a:cs typeface="Helvetica Neue Bold Condensed"/>
+                    <a:sym typeface="Helvetica Neue Bold Condensed"/>
+                  </a:rPr>
+                  <a:t>iT</a:t>
+                </a:r>
+                <a:r>
+                  <a:rPr kumimoji="0" lang="zh-TW" altLang="en-US" sz="1100" b="0" i="0" u="none" strike="noStrike" cap="none" spc="0" normalizeH="0" baseline="0" dirty="0">
+                    <a:ln>
+                      <a:noFill/>
+                    </a:ln>
+                    <a:solidFill>
+                      <a:schemeClr val="tx1">
+                        <a:alpha val="15000"/>
+                      </a:schemeClr>
+                    </a:solidFill>
+                    <a:effectLst/>
+                    <a:uFillTx/>
+                    <a:latin typeface="Helvetica Neue Bold Condensed"/>
+                    <a:ea typeface="Helvetica Neue Bold Condensed"/>
+                    <a:cs typeface="Helvetica Neue Bold Condensed"/>
+                    <a:sym typeface="Helvetica Neue Bold Condensed"/>
+                  </a:rPr>
+                  <a:t>邦</a:t>
+                </a:r>
+                <a:r>
+                  <a:rPr kumimoji="0" lang="zh-TW" altLang="en-US" sz="1000" b="0" i="0" u="none" strike="noStrike" cap="none" spc="0" normalizeH="0" baseline="0" dirty="0">
+                    <a:ln>
+                      <a:noFill/>
+                    </a:ln>
+                    <a:solidFill>
+                      <a:schemeClr val="tx1">
+                        <a:alpha val="15000"/>
+                      </a:schemeClr>
+                    </a:solidFill>
+                    <a:effectLst/>
+                    <a:uFillTx/>
+                    <a:latin typeface="Helvetica Neue Bold Condensed"/>
+                    <a:ea typeface="Helvetica Neue Bold Condensed"/>
+                    <a:cs typeface="Helvetica Neue Bold Condensed"/>
+                    <a:sym typeface="Helvetica Neue Bold Condensed"/>
+                  </a:rPr>
+                  <a:t>幫忙</a:t>
+                </a:r>
+                <a:r>
+                  <a:rPr kumimoji="0" lang="zh-TW" altLang="en-US" sz="1100" b="0" i="0" u="none" strike="noStrike" cap="none" spc="0" normalizeH="0" baseline="0" dirty="0">
+                    <a:ln>
+                      <a:noFill/>
+                    </a:ln>
+                    <a:solidFill>
+                      <a:schemeClr val="tx1">
+                        <a:alpha val="15000"/>
+                      </a:schemeClr>
+                    </a:solidFill>
+                    <a:effectLst/>
+                    <a:uFillTx/>
+                    <a:latin typeface="Helvetica Neue Bold Condensed"/>
+                    <a:ea typeface="Helvetica Neue Bold Condensed"/>
+                    <a:cs typeface="Helvetica Neue Bold Condensed"/>
+                    <a:sym typeface="Helvetica Neue Bold Condensed"/>
+                  </a:rPr>
+                  <a:t> 鐵人賽</a:t>
+                </a:r>
+                <a:endParaRPr sz="1100" dirty="0">
+                  <a:solidFill>
+                    <a:schemeClr val="tx1">
+                      <a:alpha val="15000"/>
+                    </a:schemeClr>
+                  </a:solidFill>
+                </a:endParaRPr>
+              </a:p>
+            </p:txBody>
+          </p:sp>
+          <p:sp>
+            <p:nvSpPr>
+              <p:cNvPr id="11" name="Intelligent Information Retrieval Laboratory">
+                <a:extLst>
+                  <a:ext uri="{FF2B5EF4-FFF2-40B4-BE49-F238E27FC236}">
+                    <a16:creationId xmlns:a16="http://schemas.microsoft.com/office/drawing/2014/main" id="{282437F9-258E-0D46-8004-2F3D31BEE496}"/>
+                  </a:ext>
+                </a:extLst>
+              </p:cNvPr>
+              <p:cNvSpPr txBox="1"/>
+              <p:nvPr/>
+            </p:nvSpPr>
+            <p:spPr>
+              <a:xfrm>
+                <a:off x="8753784" y="4289292"/>
+                <a:ext cx="1219200" cy="313546"/>
+              </a:xfrm>
+              <a:prstGeom prst="rect">
+                <a:avLst/>
+              </a:prstGeom>
+              <a:noFill/>
+              <a:ln w="12700" cap="flat">
+                <a:noFill/>
+                <a:miter lim="400000"/>
+              </a:ln>
+              <a:effectLst/>
+              <a:extLst>
+                <a:ext uri="{C572A759-6A51-4108-AA02-DFA0A04FC94B}">
+                  <ma14:wrappingTextBoxFlag xmlns:ma14="http://schemas.microsoft.com/office/mac/drawingml/2011/main" xmlns:a14="http://schemas.microsoft.com/office/drawing/2010/main" xmlns:m="http://schemas.openxmlformats.org/officeDocument/2006/math" xmlns="" val="1"/>
+                </a:ext>
+              </a:extLst>
+            </p:spPr>
+            <p:txBody>
+              <a:bodyPr wrap="square" lIns="71437" tIns="71437" rIns="71437" bIns="71437" numCol="1" anchor="ctr">
+                <a:spAutoFit/>
+              </a:bodyPr>
+              <a:lstStyle>
+                <a:lvl1pPr algn="l" defTabSz="821531">
+                  <a:defRPr sz="2400" b="0">
+                    <a:solidFill>
+                      <a:srgbClr val="FFFFFF"/>
+                    </a:solidFill>
+                    <a:latin typeface="Helvetica Neue Bold Condensed"/>
+                    <a:ea typeface="Helvetica Neue Bold Condensed"/>
+                    <a:cs typeface="Helvetica Neue Bold Condensed"/>
+                    <a:sym typeface="Helvetica Neue Bold Condensed"/>
+                  </a:defRPr>
+                </a:lvl1pPr>
+              </a:lstStyle>
+              <a:p>
+                <a:r>
+                  <a:rPr kumimoji="0" lang="en-US" altLang="zh-TW" sz="1050" b="0" i="0" u="none" strike="noStrike" cap="none" spc="0" normalizeH="0" baseline="0" dirty="0">
+                    <a:ln>
+                      <a:noFill/>
+                    </a:ln>
+                    <a:solidFill>
+                      <a:schemeClr val="tx1">
+                        <a:alpha val="15000"/>
+                      </a:schemeClr>
+                    </a:solidFill>
+                    <a:effectLst/>
+                    <a:uFillTx/>
+                    <a:latin typeface="Helvetica Neue Bold Condensed"/>
+                    <a:ea typeface="Helvetica Neue Bold Condensed"/>
+                    <a:cs typeface="Helvetica Neue Bold Condensed"/>
+                    <a:sym typeface="Helvetica Neue Bold Condensed"/>
+                  </a:rPr>
+                  <a:t>AI &amp; Data </a:t>
+                </a:r>
+                <a:r>
+                  <a:rPr kumimoji="0" lang="zh-TW" altLang="en-US" sz="1050" b="0" i="0" u="none" strike="noStrike" cap="none" spc="0" normalizeH="0" baseline="0" dirty="0">
+                    <a:ln>
+                      <a:noFill/>
+                    </a:ln>
+                    <a:solidFill>
+                      <a:schemeClr val="tx1">
+                        <a:alpha val="15000"/>
+                      </a:schemeClr>
+                    </a:solidFill>
+                    <a:effectLst/>
+                    <a:uFillTx/>
+                    <a:latin typeface="Helvetica Neue Bold Condensed"/>
+                    <a:ea typeface="Helvetica Neue Bold Condensed"/>
+                    <a:cs typeface="Helvetica Neue Bold Condensed"/>
+                    <a:sym typeface="Helvetica Neue Bold Condensed"/>
+                  </a:rPr>
+                  <a:t>組</a:t>
+                </a:r>
+                <a:endParaRPr sz="1100" dirty="0">
+                  <a:solidFill>
+                    <a:schemeClr val="tx1">
+                      <a:alpha val="15000"/>
+                    </a:schemeClr>
+                  </a:solidFill>
+                </a:endParaRPr>
+              </a:p>
+            </p:txBody>
+          </p:sp>
+        </p:grpSp>
+        <p:grpSp>
+          <p:nvGrpSpPr>
+            <p:cNvPr id="6" name="Group 5">
+              <a:extLst>
+                <a:ext uri="{FF2B5EF4-FFF2-40B4-BE49-F238E27FC236}">
+                  <a16:creationId xmlns:a16="http://schemas.microsoft.com/office/drawing/2014/main" id="{349B70F4-3381-7641-B675-6867668F0B40}"/>
+                </a:ext>
+              </a:extLst>
+            </p:cNvPr>
+            <p:cNvGrpSpPr/>
+            <p:nvPr/>
+          </p:nvGrpSpPr>
+          <p:grpSpPr>
+            <a:xfrm>
+              <a:off x="7247835" y="3971848"/>
+              <a:ext cx="1876735" cy="1050587"/>
+              <a:chOff x="3891792" y="3940042"/>
+              <a:chExt cx="1876735" cy="1050587"/>
+            </a:xfrm>
+          </p:grpSpPr>
+          <p:pic>
+            <p:nvPicPr>
+              <p:cNvPr id="7" name="Picture 6">
+                <a:extLst>
+                  <a:ext uri="{FF2B5EF4-FFF2-40B4-BE49-F238E27FC236}">
+                    <a16:creationId xmlns:a16="http://schemas.microsoft.com/office/drawing/2014/main" id="{365C4D87-4BA4-6643-8425-256B9B8BA288}"/>
+                  </a:ext>
+                </a:extLst>
+              </p:cNvPr>
+              <p:cNvPicPr>
+                <a:picLocks noChangeAspect="1" noChangeArrowheads="1"/>
+              </p:cNvPicPr>
+              <p:nvPr/>
+            </p:nvPicPr>
+            <p:blipFill>
+              <a:blip r:embed="rId2">
+                <a:duotone>
+                  <a:prstClr val="black"/>
+                  <a:schemeClr val="tx1">
+                    <a:tint val="45000"/>
+                    <a:satMod val="400000"/>
+                  </a:schemeClr>
+                </a:duotone>
+                <a:alphaModFix amt="20000"/>
+              </a:blip>
+              <a:srcRect/>
+              <a:stretch/>
+            </p:blipFill>
+            <p:spPr bwMode="auto">
+              <a:xfrm>
+                <a:off x="4489805" y="3940042"/>
+                <a:ext cx="1050587" cy="1050587"/>
+              </a:xfrm>
+              <a:prstGeom prst="rect">
+                <a:avLst/>
+              </a:prstGeom>
+              <a:noFill/>
+              <a:extLst>
+                <a:ext uri="{909E8E84-426E-40DD-AFC4-6F175D3DCCD1}">
+                  <a14:hiddenFill xmlns:a14="http://schemas.microsoft.com/office/drawing/2010/main">
+                    <a:solidFill>
+                      <a:srgbClr val="FFFFFF"/>
+                    </a:solidFill>
+                  </a14:hiddenFill>
+                </a:ext>
+              </a:extLst>
+            </p:spPr>
+          </p:pic>
+          <p:pic>
+            <p:nvPicPr>
+              <p:cNvPr id="8" name="Picture 4" descr="Youtube logo | Logok">
+                <a:extLst>
+                  <a:ext uri="{FF2B5EF4-FFF2-40B4-BE49-F238E27FC236}">
+                    <a16:creationId xmlns:a16="http://schemas.microsoft.com/office/drawing/2014/main" id="{16301F7B-7ADF-F448-8AB1-A1A75ADE6DF1}"/>
+                  </a:ext>
+                </a:extLst>
+              </p:cNvPr>
+              <p:cNvPicPr>
+                <a:picLocks noChangeAspect="1" noChangeArrowheads="1"/>
+              </p:cNvPicPr>
+              <p:nvPr/>
+            </p:nvPicPr>
+            <p:blipFill>
+              <a:blip r:embed="rId3">
+                <a:alphaModFix amt="20000"/>
+                <a:extLst>
+                  <a:ext uri="{28A0092B-C50C-407E-A947-70E740481C1C}">
+                    <a14:useLocalDpi xmlns:a14="http://schemas.microsoft.com/office/drawing/2010/main" val="0"/>
+                  </a:ext>
+                </a:extLst>
+              </a:blip>
+              <a:srcRect/>
+              <a:stretch>
+                <a:fillRect/>
+              </a:stretch>
+            </p:blipFill>
+            <p:spPr bwMode="auto">
+              <a:xfrm>
+                <a:off x="3891792" y="4187926"/>
+                <a:ext cx="739756" cy="554817"/>
+              </a:xfrm>
+              <a:prstGeom prst="rect">
+                <a:avLst/>
+              </a:prstGeom>
+              <a:noFill/>
+              <a:extLst>
+                <a:ext uri="{909E8E84-426E-40DD-AFC4-6F175D3DCCD1}">
+                  <a14:hiddenFill xmlns:a14="http://schemas.microsoft.com/office/drawing/2010/main">
+                    <a:solidFill>
+                      <a:srgbClr val="FFFFFF"/>
+                    </a:solidFill>
+                  </a14:hiddenFill>
+                </a:ext>
+              </a:extLst>
+            </p:spPr>
+          </p:pic>
+          <p:sp>
+            <p:nvSpPr>
+              <p:cNvPr id="9" name="Intelligent Information Retrieval Laboratory">
+                <a:extLst>
+                  <a:ext uri="{FF2B5EF4-FFF2-40B4-BE49-F238E27FC236}">
+                    <a16:creationId xmlns:a16="http://schemas.microsoft.com/office/drawing/2014/main" id="{3C723C68-4897-6F42-9798-D6F3771C25D8}"/>
+                  </a:ext>
+                </a:extLst>
+              </p:cNvPr>
+              <p:cNvSpPr txBox="1"/>
+              <p:nvPr/>
+            </p:nvSpPr>
+            <p:spPr>
+              <a:xfrm>
+                <a:off x="4549327" y="4308601"/>
+                <a:ext cx="1219200" cy="328935"/>
+              </a:xfrm>
+              <a:prstGeom prst="rect">
+                <a:avLst/>
+              </a:prstGeom>
+              <a:noFill/>
+              <a:ln w="12700" cap="flat">
+                <a:noFill/>
+                <a:miter lim="400000"/>
+              </a:ln>
+              <a:effectLst/>
+              <a:extLst>
+                <a:ext uri="{C572A759-6A51-4108-AA02-DFA0A04FC94B}">
+                  <ma14:wrappingTextBoxFlag xmlns:ma14="http://schemas.microsoft.com/office/mac/drawingml/2011/main" xmlns:a14="http://schemas.microsoft.com/office/drawing/2010/main" xmlns:m="http://schemas.openxmlformats.org/officeDocument/2006/math" xmlns="" val="1"/>
+                </a:ext>
+              </a:extLst>
+            </p:spPr>
+            <p:txBody>
+              <a:bodyPr wrap="square" lIns="71437" tIns="71437" rIns="71437" bIns="71437" numCol="1" anchor="ctr">
+                <a:spAutoFit/>
+              </a:bodyPr>
+              <a:lstStyle>
+                <a:lvl1pPr algn="l" defTabSz="821531">
+                  <a:defRPr sz="2400" b="0">
+                    <a:solidFill>
+                      <a:srgbClr val="FFFFFF"/>
+                    </a:solidFill>
+                    <a:latin typeface="Helvetica Neue Bold Condensed"/>
+                    <a:ea typeface="Helvetica Neue Bold Condensed"/>
+                    <a:cs typeface="Helvetica Neue Bold Condensed"/>
+                    <a:sym typeface="Helvetica Neue Bold Condensed"/>
+                  </a:defRPr>
+                </a:lvl1pPr>
+              </a:lstStyle>
+              <a:p>
+                <a:r>
+                  <a:rPr kumimoji="0" lang="en-US" altLang="zh-TW" sz="1200" b="0" i="0" u="none" strike="noStrike" cap="none" spc="0" normalizeH="0" baseline="0" dirty="0">
+                    <a:ln>
+                      <a:noFill/>
+                    </a:ln>
+                    <a:solidFill>
+                      <a:schemeClr val="tx1">
+                        <a:alpha val="15000"/>
+                      </a:schemeClr>
+                    </a:solidFill>
+                    <a:effectLst/>
+                    <a:uFillTx/>
+                    <a:latin typeface="Helvetica Neue Bold Condensed"/>
+                    <a:ea typeface="Helvetica Neue Bold Condensed"/>
+                    <a:cs typeface="Helvetica Neue Bold Condensed"/>
+                    <a:sym typeface="Helvetica Neue Bold Condensed"/>
+                  </a:rPr>
+                  <a:t>10</a:t>
+                </a:r>
+                <a:r>
+                  <a:rPr kumimoji="0" lang="zh-TW" altLang="en-US" sz="1200" b="0" i="0" u="none" strike="noStrike" cap="none" spc="0" normalizeH="0" baseline="0" dirty="0">
+                    <a:ln>
+                      <a:noFill/>
+                    </a:ln>
+                    <a:solidFill>
+                      <a:schemeClr val="tx1">
+                        <a:alpha val="15000"/>
+                      </a:schemeClr>
+                    </a:solidFill>
+                    <a:effectLst/>
+                    <a:uFillTx/>
+                    <a:sym typeface="Helvetica Neue Bold Condensed"/>
+                  </a:rPr>
+                  <a:t>程式中</a:t>
+                </a:r>
+                <a:endParaRPr sz="1400" dirty="0">
+                  <a:solidFill>
+                    <a:schemeClr val="tx1">
+                      <a:alpha val="15000"/>
+                    </a:schemeClr>
+                  </a:solidFill>
+                </a:endParaRPr>
+              </a:p>
+            </p:txBody>
+          </p:sp>
+        </p:grpSp>
+      </p:grpSp>
+      <p:pic>
+        <p:nvPicPr>
+          <p:cNvPr id="3" name="Picture 2">
+            <a:extLst>
+              <a:ext uri="{FF2B5EF4-FFF2-40B4-BE49-F238E27FC236}">
+                <a16:creationId xmlns:a16="http://schemas.microsoft.com/office/drawing/2014/main" id="{7824463D-F4C2-2D49-891D-CE2F6F74DAC0}"/>
+              </a:ext>
+            </a:extLst>
+          </p:cNvPr>
+          <p:cNvPicPr>
+            <a:picLocks noChangeAspect="1"/>
+          </p:cNvPicPr>
+          <p:nvPr/>
+        </p:nvPicPr>
+        <p:blipFill>
+          <a:blip r:embed="rId4">
+            <a:extLst>
+              <a:ext uri="{28A0092B-C50C-407E-A947-70E740481C1C}">
+                <a14:useLocalDpi xmlns:a14="http://schemas.microsoft.com/office/drawing/2010/main" val="0"/>
+              </a:ext>
+            </a:extLst>
+          </a:blip>
+          <a:stretch>
+            <a:fillRect/>
+          </a:stretch>
+        </p:blipFill>
+        <p:spPr>
+          <a:xfrm>
+            <a:off x="3445256" y="547520"/>
+            <a:ext cx="4991100" cy="3746500"/>
+          </a:xfrm>
+          <a:prstGeom prst="rect">
+            <a:avLst/>
+          </a:prstGeom>
+        </p:spPr>
+      </p:pic>
+    </p:spTree>
+    <p:extLst>
+      <p:ext uri="{BB962C8B-B14F-4D97-AF65-F5344CB8AC3E}">
+        <p14:creationId xmlns:p14="http://schemas.microsoft.com/office/powerpoint/2010/main" val="2360999554"/>
+      </p:ext>
+    </p:extLst>
+  </p:cSld>
+  <p:clrMapOvr>
+    <a:masterClrMapping/>
+  </p:clrMapOvr>
+</p:sld>
+</file>
+
+<file path=ppt/slides/slide6.xml><?xml version="1.0" encoding="utf-8"?>
+<p:sld xmlns:a="http://schemas.openxmlformats.org/drawingml/2006/main" xmlns:r="http://schemas.openxmlformats.org/officeDocument/2006/relationships" xmlns:p="http://schemas.openxmlformats.org/presentationml/2006/main">
+  <p:cSld>
+    <p:spTree>
+      <p:nvGrpSpPr>
+        <p:cNvPr id="1" name=""/>
+        <p:cNvGrpSpPr/>
+        <p:nvPr/>
+      </p:nvGrpSpPr>
+      <p:grpSpPr>
+        <a:xfrm>
+          <a:off x="0" y="0"/>
+          <a:ext cx="0" cy="0"/>
+          <a:chOff x="0" y="0"/>
+          <a:chExt cx="0" cy="0"/>
+        </a:xfrm>
+      </p:grpSpPr>
+      <p:grpSp>
+        <p:nvGrpSpPr>
+          <p:cNvPr id="4" name="Group 3">
+            <a:extLst>
+              <a:ext uri="{FF2B5EF4-FFF2-40B4-BE49-F238E27FC236}">
+                <a16:creationId xmlns:a16="http://schemas.microsoft.com/office/drawing/2014/main" id="{F4B67E14-4B87-814B-BDB4-BE841CFEC4B2}"/>
+              </a:ext>
+            </a:extLst>
+          </p:cNvPr>
+          <p:cNvGrpSpPr/>
+          <p:nvPr/>
+        </p:nvGrpSpPr>
+        <p:grpSpPr>
+          <a:xfrm>
+            <a:off x="3281512" y="3940888"/>
+            <a:ext cx="5764444" cy="1050587"/>
+            <a:chOff x="3360126" y="3971848"/>
+            <a:chExt cx="5764444" cy="1050587"/>
+          </a:xfrm>
+        </p:grpSpPr>
+        <p:grpSp>
+          <p:nvGrpSpPr>
+            <p:cNvPr id="5" name="Group 4">
+              <a:extLst>
+                <a:ext uri="{FF2B5EF4-FFF2-40B4-BE49-F238E27FC236}">
+                  <a16:creationId xmlns:a16="http://schemas.microsoft.com/office/drawing/2014/main" id="{FC96DF90-6DDB-A448-8643-9116E9A168FD}"/>
+                </a:ext>
+              </a:extLst>
+            </p:cNvPr>
+            <p:cNvGrpSpPr/>
+            <p:nvPr/>
+          </p:nvGrpSpPr>
+          <p:grpSpPr>
+            <a:xfrm>
+              <a:off x="3360126" y="4324980"/>
+              <a:ext cx="2735874" cy="328935"/>
+              <a:chOff x="7237110" y="4273903"/>
+              <a:chExt cx="2735874" cy="328935"/>
+            </a:xfrm>
+          </p:grpSpPr>
+          <p:sp>
+            <p:nvSpPr>
+              <p:cNvPr id="10" name="Intelligent Information Retrieval Laboratory">
+                <a:extLst>
+                  <a:ext uri="{FF2B5EF4-FFF2-40B4-BE49-F238E27FC236}">
+                    <a16:creationId xmlns:a16="http://schemas.microsoft.com/office/drawing/2014/main" id="{5403543F-BF3A-6E4B-A06A-E83E0715D64B}"/>
+                  </a:ext>
+                </a:extLst>
+              </p:cNvPr>
+              <p:cNvSpPr txBox="1"/>
+              <p:nvPr/>
+            </p:nvSpPr>
+            <p:spPr>
+              <a:xfrm>
+                <a:off x="7237110" y="4273903"/>
+                <a:ext cx="2590800" cy="328935"/>
+              </a:xfrm>
+              <a:prstGeom prst="rect">
+                <a:avLst/>
+              </a:prstGeom>
+              <a:noFill/>
+              <a:ln w="12700" cap="flat">
+                <a:noFill/>
+                <a:miter lim="400000"/>
+              </a:ln>
+              <a:effectLst/>
+              <a:extLst>
+                <a:ext uri="{C572A759-6A51-4108-AA02-DFA0A04FC94B}">
+                  <ma14:wrappingTextBoxFlag xmlns:ma14="http://schemas.microsoft.com/office/mac/drawingml/2011/main" xmlns:a14="http://schemas.microsoft.com/office/drawing/2010/main" xmlns:m="http://schemas.openxmlformats.org/officeDocument/2006/math" xmlns="" val="1"/>
+                </a:ext>
+              </a:extLst>
+            </p:spPr>
+            <p:txBody>
+              <a:bodyPr wrap="square" lIns="71437" tIns="71437" rIns="71437" bIns="71437" numCol="1" anchor="ctr">
+                <a:spAutoFit/>
+              </a:bodyPr>
+              <a:lstStyle>
+                <a:lvl1pPr algn="l" defTabSz="821531">
+                  <a:defRPr sz="2400" b="0">
+                    <a:solidFill>
+                      <a:srgbClr val="FFFFFF"/>
+                    </a:solidFill>
+                    <a:latin typeface="Helvetica Neue Bold Condensed"/>
+                    <a:ea typeface="Helvetica Neue Bold Condensed"/>
+                    <a:cs typeface="Helvetica Neue Bold Condensed"/>
+                    <a:sym typeface="Helvetica Neue Bold Condensed"/>
+                  </a:defRPr>
+                </a:lvl1pPr>
+              </a:lstStyle>
+              <a:p>
+                <a:r>
+                  <a:rPr kumimoji="0" lang="zh-TW" altLang="en-US" sz="1050" b="0" i="0" u="none" strike="noStrike" cap="none" spc="0" normalizeH="0" baseline="0" dirty="0">
+                    <a:ln>
+                      <a:noFill/>
+                    </a:ln>
+                    <a:solidFill>
+                      <a:schemeClr val="tx1">
+                        <a:alpha val="15000"/>
+                      </a:schemeClr>
+                    </a:solidFill>
+                    <a:effectLst/>
+                    <a:uFillTx/>
+                    <a:latin typeface="Helvetica Neue Bold Condensed"/>
+                    <a:ea typeface="Helvetica Neue Bold Condensed"/>
+                    <a:cs typeface="Helvetica Neue Bold Condensed"/>
+                    <a:sym typeface="Helvetica Neue Bold Condensed"/>
+                  </a:rPr>
+                  <a:t>第</a:t>
+                </a:r>
+                <a:r>
+                  <a:rPr kumimoji="0" lang="en-US" altLang="zh-TW" sz="1050" b="0" i="0" u="none" strike="noStrike" cap="none" spc="0" normalizeH="0" baseline="0" dirty="0">
+                    <a:ln>
+                      <a:noFill/>
+                    </a:ln>
+                    <a:solidFill>
+                      <a:schemeClr val="tx1">
+                        <a:alpha val="15000"/>
+                      </a:schemeClr>
+                    </a:solidFill>
+                    <a:effectLst/>
+                    <a:uFillTx/>
+                    <a:latin typeface="Helvetica Neue Bold Condensed"/>
+                    <a:ea typeface="Helvetica Neue Bold Condensed"/>
+                    <a:cs typeface="Helvetica Neue Bold Condensed"/>
+                    <a:sym typeface="Helvetica Neue Bold Condensed"/>
+                  </a:rPr>
+                  <a:t>13</a:t>
+                </a:r>
+                <a:r>
+                  <a:rPr kumimoji="0" lang="zh-TW" altLang="en-US" sz="1050" b="0" i="0" u="none" strike="noStrike" cap="none" spc="0" normalizeH="0" baseline="0" dirty="0">
+                    <a:ln>
+                      <a:noFill/>
+                    </a:ln>
+                    <a:solidFill>
+                      <a:schemeClr val="tx1">
+                        <a:alpha val="15000"/>
+                      </a:schemeClr>
+                    </a:solidFill>
+                    <a:effectLst/>
+                    <a:uFillTx/>
+                    <a:latin typeface="Helvetica Neue Bold Condensed"/>
+                    <a:ea typeface="Helvetica Neue Bold Condensed"/>
+                    <a:cs typeface="Helvetica Neue Bold Condensed"/>
+                    <a:sym typeface="Helvetica Neue Bold Condensed"/>
+                  </a:rPr>
+                  <a:t>屆 </a:t>
+                </a:r>
+                <a:r>
+                  <a:rPr kumimoji="0" lang="en-US" sz="1200" b="0" i="0" u="none" strike="noStrike" cap="none" spc="0" normalizeH="0" baseline="0" dirty="0">
+                    <a:ln>
+                      <a:noFill/>
+                    </a:ln>
+                    <a:solidFill>
+                      <a:schemeClr val="tx1">
+                        <a:alpha val="15000"/>
+                      </a:schemeClr>
+                    </a:solidFill>
+                    <a:effectLst/>
+                    <a:uFillTx/>
+                    <a:latin typeface="Helvetica Neue Bold Condensed"/>
+                    <a:ea typeface="Helvetica Neue Bold Condensed"/>
+                    <a:cs typeface="Helvetica Neue Bold Condensed"/>
+                    <a:sym typeface="Helvetica Neue Bold Condensed"/>
+                  </a:rPr>
+                  <a:t>iT</a:t>
+                </a:r>
+                <a:r>
+                  <a:rPr kumimoji="0" lang="zh-TW" altLang="en-US" sz="1100" b="0" i="0" u="none" strike="noStrike" cap="none" spc="0" normalizeH="0" baseline="0" dirty="0">
+                    <a:ln>
+                      <a:noFill/>
+                    </a:ln>
+                    <a:solidFill>
+                      <a:schemeClr val="tx1">
+                        <a:alpha val="15000"/>
+                      </a:schemeClr>
+                    </a:solidFill>
+                    <a:effectLst/>
+                    <a:uFillTx/>
+                    <a:latin typeface="Helvetica Neue Bold Condensed"/>
+                    <a:ea typeface="Helvetica Neue Bold Condensed"/>
+                    <a:cs typeface="Helvetica Neue Bold Condensed"/>
+                    <a:sym typeface="Helvetica Neue Bold Condensed"/>
+                  </a:rPr>
+                  <a:t>邦</a:t>
+                </a:r>
+                <a:r>
+                  <a:rPr kumimoji="0" lang="zh-TW" altLang="en-US" sz="1000" b="0" i="0" u="none" strike="noStrike" cap="none" spc="0" normalizeH="0" baseline="0" dirty="0">
+                    <a:ln>
+                      <a:noFill/>
+                    </a:ln>
+                    <a:solidFill>
+                      <a:schemeClr val="tx1">
+                        <a:alpha val="15000"/>
+                      </a:schemeClr>
+                    </a:solidFill>
+                    <a:effectLst/>
+                    <a:uFillTx/>
+                    <a:latin typeface="Helvetica Neue Bold Condensed"/>
+                    <a:ea typeface="Helvetica Neue Bold Condensed"/>
+                    <a:cs typeface="Helvetica Neue Bold Condensed"/>
+                    <a:sym typeface="Helvetica Neue Bold Condensed"/>
+                  </a:rPr>
+                  <a:t>幫忙</a:t>
+                </a:r>
+                <a:r>
+                  <a:rPr kumimoji="0" lang="zh-TW" altLang="en-US" sz="1100" b="0" i="0" u="none" strike="noStrike" cap="none" spc="0" normalizeH="0" baseline="0" dirty="0">
+                    <a:ln>
+                      <a:noFill/>
+                    </a:ln>
+                    <a:solidFill>
+                      <a:schemeClr val="tx1">
+                        <a:alpha val="15000"/>
+                      </a:schemeClr>
+                    </a:solidFill>
+                    <a:effectLst/>
+                    <a:uFillTx/>
+                    <a:latin typeface="Helvetica Neue Bold Condensed"/>
+                    <a:ea typeface="Helvetica Neue Bold Condensed"/>
+                    <a:cs typeface="Helvetica Neue Bold Condensed"/>
+                    <a:sym typeface="Helvetica Neue Bold Condensed"/>
+                  </a:rPr>
+                  <a:t> 鐵人賽</a:t>
+                </a:r>
+                <a:endParaRPr sz="1100" dirty="0">
+                  <a:solidFill>
+                    <a:schemeClr val="tx1">
+                      <a:alpha val="15000"/>
+                    </a:schemeClr>
+                  </a:solidFill>
+                </a:endParaRPr>
+              </a:p>
+            </p:txBody>
+          </p:sp>
+          <p:sp>
+            <p:nvSpPr>
+              <p:cNvPr id="11" name="Intelligent Information Retrieval Laboratory">
+                <a:extLst>
+                  <a:ext uri="{FF2B5EF4-FFF2-40B4-BE49-F238E27FC236}">
+                    <a16:creationId xmlns:a16="http://schemas.microsoft.com/office/drawing/2014/main" id="{282437F9-258E-0D46-8004-2F3D31BEE496}"/>
+                  </a:ext>
+                </a:extLst>
+              </p:cNvPr>
+              <p:cNvSpPr txBox="1"/>
+              <p:nvPr/>
+            </p:nvSpPr>
+            <p:spPr>
+              <a:xfrm>
+                <a:off x="8753784" y="4289292"/>
+                <a:ext cx="1219200" cy="313546"/>
+              </a:xfrm>
+              <a:prstGeom prst="rect">
+                <a:avLst/>
+              </a:prstGeom>
+              <a:noFill/>
+              <a:ln w="12700" cap="flat">
+                <a:noFill/>
+                <a:miter lim="400000"/>
+              </a:ln>
+              <a:effectLst/>
+              <a:extLst>
+                <a:ext uri="{C572A759-6A51-4108-AA02-DFA0A04FC94B}">
+                  <ma14:wrappingTextBoxFlag xmlns:ma14="http://schemas.microsoft.com/office/mac/drawingml/2011/main" xmlns:a14="http://schemas.microsoft.com/office/drawing/2010/main" xmlns:m="http://schemas.openxmlformats.org/officeDocument/2006/math" xmlns="" val="1"/>
+                </a:ext>
+              </a:extLst>
+            </p:spPr>
+            <p:txBody>
+              <a:bodyPr wrap="square" lIns="71437" tIns="71437" rIns="71437" bIns="71437" numCol="1" anchor="ctr">
+                <a:spAutoFit/>
+              </a:bodyPr>
+              <a:lstStyle>
+                <a:lvl1pPr algn="l" defTabSz="821531">
+                  <a:defRPr sz="2400" b="0">
+                    <a:solidFill>
+                      <a:srgbClr val="FFFFFF"/>
+                    </a:solidFill>
+                    <a:latin typeface="Helvetica Neue Bold Condensed"/>
+                    <a:ea typeface="Helvetica Neue Bold Condensed"/>
+                    <a:cs typeface="Helvetica Neue Bold Condensed"/>
+                    <a:sym typeface="Helvetica Neue Bold Condensed"/>
+                  </a:defRPr>
+                </a:lvl1pPr>
+              </a:lstStyle>
+              <a:p>
+                <a:r>
+                  <a:rPr kumimoji="0" lang="en-US" altLang="zh-TW" sz="1050" b="0" i="0" u="none" strike="noStrike" cap="none" spc="0" normalizeH="0" baseline="0" dirty="0">
+                    <a:ln>
+                      <a:noFill/>
+                    </a:ln>
+                    <a:solidFill>
+                      <a:schemeClr val="tx1">
+                        <a:alpha val="15000"/>
+                      </a:schemeClr>
+                    </a:solidFill>
+                    <a:effectLst/>
+                    <a:uFillTx/>
+                    <a:latin typeface="Helvetica Neue Bold Condensed"/>
+                    <a:ea typeface="Helvetica Neue Bold Condensed"/>
+                    <a:cs typeface="Helvetica Neue Bold Condensed"/>
+                    <a:sym typeface="Helvetica Neue Bold Condensed"/>
+                  </a:rPr>
+                  <a:t>AI &amp; Data </a:t>
+                </a:r>
+                <a:r>
+                  <a:rPr kumimoji="0" lang="zh-TW" altLang="en-US" sz="1050" b="0" i="0" u="none" strike="noStrike" cap="none" spc="0" normalizeH="0" baseline="0" dirty="0">
+                    <a:ln>
+                      <a:noFill/>
+                    </a:ln>
+                    <a:solidFill>
+                      <a:schemeClr val="tx1">
+                        <a:alpha val="15000"/>
+                      </a:schemeClr>
+                    </a:solidFill>
+                    <a:effectLst/>
+                    <a:uFillTx/>
+                    <a:latin typeface="Helvetica Neue Bold Condensed"/>
+                    <a:ea typeface="Helvetica Neue Bold Condensed"/>
+                    <a:cs typeface="Helvetica Neue Bold Condensed"/>
+                    <a:sym typeface="Helvetica Neue Bold Condensed"/>
+                  </a:rPr>
+                  <a:t>組</a:t>
+                </a:r>
+                <a:endParaRPr sz="1100" dirty="0">
+                  <a:solidFill>
+                    <a:schemeClr val="tx1">
+                      <a:alpha val="15000"/>
+                    </a:schemeClr>
+                  </a:solidFill>
+                </a:endParaRPr>
+              </a:p>
+            </p:txBody>
+          </p:sp>
+        </p:grpSp>
+        <p:grpSp>
+          <p:nvGrpSpPr>
+            <p:cNvPr id="6" name="Group 5">
+              <a:extLst>
+                <a:ext uri="{FF2B5EF4-FFF2-40B4-BE49-F238E27FC236}">
+                  <a16:creationId xmlns:a16="http://schemas.microsoft.com/office/drawing/2014/main" id="{349B70F4-3381-7641-B675-6867668F0B40}"/>
+                </a:ext>
+              </a:extLst>
+            </p:cNvPr>
+            <p:cNvGrpSpPr/>
+            <p:nvPr/>
+          </p:nvGrpSpPr>
+          <p:grpSpPr>
+            <a:xfrm>
+              <a:off x="7247835" y="3971848"/>
+              <a:ext cx="1876735" cy="1050587"/>
+              <a:chOff x="3891792" y="3940042"/>
+              <a:chExt cx="1876735" cy="1050587"/>
+            </a:xfrm>
+          </p:grpSpPr>
+          <p:pic>
+            <p:nvPicPr>
+              <p:cNvPr id="7" name="Picture 6">
+                <a:extLst>
+                  <a:ext uri="{FF2B5EF4-FFF2-40B4-BE49-F238E27FC236}">
+                    <a16:creationId xmlns:a16="http://schemas.microsoft.com/office/drawing/2014/main" id="{365C4D87-4BA4-6643-8425-256B9B8BA288}"/>
+                  </a:ext>
+                </a:extLst>
+              </p:cNvPr>
+              <p:cNvPicPr>
+                <a:picLocks noChangeAspect="1" noChangeArrowheads="1"/>
+              </p:cNvPicPr>
+              <p:nvPr/>
+            </p:nvPicPr>
+            <p:blipFill>
+              <a:blip r:embed="rId2">
+                <a:duotone>
+                  <a:prstClr val="black"/>
+                  <a:schemeClr val="tx1">
+                    <a:tint val="45000"/>
+                    <a:satMod val="400000"/>
+                  </a:schemeClr>
+                </a:duotone>
+                <a:alphaModFix amt="20000"/>
+              </a:blip>
+              <a:srcRect/>
+              <a:stretch/>
+            </p:blipFill>
+            <p:spPr bwMode="auto">
+              <a:xfrm>
+                <a:off x="4489805" y="3940042"/>
+                <a:ext cx="1050587" cy="1050587"/>
+              </a:xfrm>
+              <a:prstGeom prst="rect">
+                <a:avLst/>
+              </a:prstGeom>
+              <a:noFill/>
+              <a:extLst>
+                <a:ext uri="{909E8E84-426E-40DD-AFC4-6F175D3DCCD1}">
+                  <a14:hiddenFill xmlns:a14="http://schemas.microsoft.com/office/drawing/2010/main">
+                    <a:solidFill>
+                      <a:srgbClr val="FFFFFF"/>
+                    </a:solidFill>
+                  </a14:hiddenFill>
+                </a:ext>
+              </a:extLst>
+            </p:spPr>
+          </p:pic>
+          <p:pic>
+            <p:nvPicPr>
+              <p:cNvPr id="8" name="Picture 4" descr="Youtube logo | Logok">
+                <a:extLst>
+                  <a:ext uri="{FF2B5EF4-FFF2-40B4-BE49-F238E27FC236}">
+                    <a16:creationId xmlns:a16="http://schemas.microsoft.com/office/drawing/2014/main" id="{16301F7B-7ADF-F448-8AB1-A1A75ADE6DF1}"/>
+                  </a:ext>
+                </a:extLst>
+              </p:cNvPr>
+              <p:cNvPicPr>
+                <a:picLocks noChangeAspect="1" noChangeArrowheads="1"/>
+              </p:cNvPicPr>
+              <p:nvPr/>
+            </p:nvPicPr>
+            <p:blipFill>
+              <a:blip r:embed="rId3">
+                <a:alphaModFix amt="20000"/>
+                <a:extLst>
+                  <a:ext uri="{28A0092B-C50C-407E-A947-70E740481C1C}">
+                    <a14:useLocalDpi xmlns:a14="http://schemas.microsoft.com/office/drawing/2010/main" val="0"/>
+                  </a:ext>
+                </a:extLst>
+              </a:blip>
+              <a:srcRect/>
+              <a:stretch>
+                <a:fillRect/>
+              </a:stretch>
+            </p:blipFill>
+            <p:spPr bwMode="auto">
+              <a:xfrm>
+                <a:off x="3891792" y="4187926"/>
+                <a:ext cx="739756" cy="554817"/>
+              </a:xfrm>
+              <a:prstGeom prst="rect">
+                <a:avLst/>
+              </a:prstGeom>
+              <a:noFill/>
+              <a:extLst>
+                <a:ext uri="{909E8E84-426E-40DD-AFC4-6F175D3DCCD1}">
+                  <a14:hiddenFill xmlns:a14="http://schemas.microsoft.com/office/drawing/2010/main">
+                    <a:solidFill>
+                      <a:srgbClr val="FFFFFF"/>
+                    </a:solidFill>
+                  </a14:hiddenFill>
+                </a:ext>
+              </a:extLst>
+            </p:spPr>
+          </p:pic>
+          <p:sp>
+            <p:nvSpPr>
+              <p:cNvPr id="9" name="Intelligent Information Retrieval Laboratory">
+                <a:extLst>
+                  <a:ext uri="{FF2B5EF4-FFF2-40B4-BE49-F238E27FC236}">
+                    <a16:creationId xmlns:a16="http://schemas.microsoft.com/office/drawing/2014/main" id="{3C723C68-4897-6F42-9798-D6F3771C25D8}"/>
+                  </a:ext>
+                </a:extLst>
+              </p:cNvPr>
+              <p:cNvSpPr txBox="1"/>
+              <p:nvPr/>
+            </p:nvSpPr>
+            <p:spPr>
+              <a:xfrm>
+                <a:off x="4549327" y="4308601"/>
+                <a:ext cx="1219200" cy="328935"/>
+              </a:xfrm>
+              <a:prstGeom prst="rect">
+                <a:avLst/>
+              </a:prstGeom>
+              <a:noFill/>
+              <a:ln w="12700" cap="flat">
+                <a:noFill/>
+                <a:miter lim="400000"/>
+              </a:ln>
+              <a:effectLst/>
+              <a:extLst>
+                <a:ext uri="{C572A759-6A51-4108-AA02-DFA0A04FC94B}">
+                  <ma14:wrappingTextBoxFlag xmlns:ma14="http://schemas.microsoft.com/office/mac/drawingml/2011/main" xmlns:a14="http://schemas.microsoft.com/office/drawing/2010/main" xmlns:m="http://schemas.openxmlformats.org/officeDocument/2006/math" xmlns="" val="1"/>
+                </a:ext>
+              </a:extLst>
+            </p:spPr>
+            <p:txBody>
+              <a:bodyPr wrap="square" lIns="71437" tIns="71437" rIns="71437" bIns="71437" numCol="1" anchor="ctr">
+                <a:spAutoFit/>
+              </a:bodyPr>
+              <a:lstStyle>
+                <a:lvl1pPr algn="l" defTabSz="821531">
+                  <a:defRPr sz="2400" b="0">
+                    <a:solidFill>
+                      <a:srgbClr val="FFFFFF"/>
+                    </a:solidFill>
+                    <a:latin typeface="Helvetica Neue Bold Condensed"/>
+                    <a:ea typeface="Helvetica Neue Bold Condensed"/>
+                    <a:cs typeface="Helvetica Neue Bold Condensed"/>
+                    <a:sym typeface="Helvetica Neue Bold Condensed"/>
+                  </a:defRPr>
+                </a:lvl1pPr>
+              </a:lstStyle>
+              <a:p>
+                <a:r>
+                  <a:rPr kumimoji="0" lang="en-US" altLang="zh-TW" sz="1200" b="0" i="0" u="none" strike="noStrike" cap="none" spc="0" normalizeH="0" baseline="0" dirty="0">
+                    <a:ln>
+                      <a:noFill/>
+                    </a:ln>
+                    <a:solidFill>
+                      <a:schemeClr val="tx1">
+                        <a:alpha val="15000"/>
+                      </a:schemeClr>
+                    </a:solidFill>
+                    <a:effectLst/>
+                    <a:uFillTx/>
+                    <a:latin typeface="Helvetica Neue Bold Condensed"/>
+                    <a:ea typeface="Helvetica Neue Bold Condensed"/>
+                    <a:cs typeface="Helvetica Neue Bold Condensed"/>
+                    <a:sym typeface="Helvetica Neue Bold Condensed"/>
+                  </a:rPr>
+                  <a:t>10</a:t>
+                </a:r>
+                <a:r>
+                  <a:rPr kumimoji="0" lang="zh-TW" altLang="en-US" sz="1200" b="0" i="0" u="none" strike="noStrike" cap="none" spc="0" normalizeH="0" baseline="0" dirty="0">
+                    <a:ln>
+                      <a:noFill/>
+                    </a:ln>
+                    <a:solidFill>
+                      <a:schemeClr val="tx1">
+                        <a:alpha val="15000"/>
+                      </a:schemeClr>
+                    </a:solidFill>
+                    <a:effectLst/>
+                    <a:uFillTx/>
+                    <a:sym typeface="Helvetica Neue Bold Condensed"/>
+                  </a:rPr>
+                  <a:t>程式中</a:t>
+                </a:r>
+                <a:endParaRPr sz="1400" dirty="0">
+                  <a:solidFill>
+                    <a:schemeClr val="tx1">
+                      <a:alpha val="15000"/>
+                    </a:schemeClr>
+                  </a:solidFill>
+                </a:endParaRPr>
+              </a:p>
+            </p:txBody>
+          </p:sp>
+        </p:grpSp>
+      </p:grpSp>
+      <p:pic>
+        <p:nvPicPr>
+          <p:cNvPr id="3" name="Picture 2">
+            <a:extLst>
+              <a:ext uri="{FF2B5EF4-FFF2-40B4-BE49-F238E27FC236}">
+                <a16:creationId xmlns:a16="http://schemas.microsoft.com/office/drawing/2014/main" id="{ABAB177B-1080-CD4F-8240-3CDE3D03A1AF}"/>
+              </a:ext>
+            </a:extLst>
+          </p:cNvPr>
+          <p:cNvPicPr>
+            <a:picLocks noChangeAspect="1"/>
+          </p:cNvPicPr>
+          <p:nvPr/>
+        </p:nvPicPr>
+        <p:blipFill>
+          <a:blip r:embed="rId4">
+            <a:extLst>
+              <a:ext uri="{28A0092B-C50C-407E-A947-70E740481C1C}">
+                <a14:useLocalDpi xmlns:a14="http://schemas.microsoft.com/office/drawing/2010/main" val="0"/>
+              </a:ext>
+            </a:extLst>
+          </a:blip>
+          <a:stretch>
+            <a:fillRect/>
+          </a:stretch>
+        </p:blipFill>
+        <p:spPr>
+          <a:xfrm>
+            <a:off x="3676650" y="527126"/>
+            <a:ext cx="4838700" cy="3759200"/>
+          </a:xfrm>
+          <a:prstGeom prst="rect">
+            <a:avLst/>
+          </a:prstGeom>
+        </p:spPr>
+      </p:pic>
+    </p:spTree>
+    <p:extLst>
+      <p:ext uri="{BB962C8B-B14F-4D97-AF65-F5344CB8AC3E}">
+        <p14:creationId xmlns:p14="http://schemas.microsoft.com/office/powerpoint/2010/main" val="745114730"/>
+      </p:ext>
+    </p:extLst>
+  </p:cSld>
+  <p:clrMapOvr>
+    <a:masterClrMapping/>
+  </p:clrMapOvr>
+</p:sld>
+</file>
+
+<file path=ppt/slides/slide7.xml><?xml version="1.0" encoding="utf-8"?>
+<p:sld xmlns:a="http://schemas.openxmlformats.org/drawingml/2006/main" xmlns:r="http://schemas.openxmlformats.org/officeDocument/2006/relationships" xmlns:p="http://schemas.openxmlformats.org/presentationml/2006/main">
+  <p:cSld>
+    <p:spTree>
+      <p:nvGrpSpPr>
+        <p:cNvPr id="1" name=""/>
+        <p:cNvGrpSpPr/>
+        <p:nvPr/>
+      </p:nvGrpSpPr>
+      <p:grpSpPr>
+        <a:xfrm>
+          <a:off x="0" y="0"/>
+          <a:ext cx="0" cy="0"/>
+          <a:chOff x="0" y="0"/>
+          <a:chExt cx="0" cy="0"/>
+        </a:xfrm>
+      </p:grpSpPr>
+      <p:grpSp>
+        <p:nvGrpSpPr>
+          <p:cNvPr id="4" name="Group 3">
+            <a:extLst>
+              <a:ext uri="{FF2B5EF4-FFF2-40B4-BE49-F238E27FC236}">
+                <a16:creationId xmlns:a16="http://schemas.microsoft.com/office/drawing/2014/main" id="{F4B67E14-4B87-814B-BDB4-BE841CFEC4B2}"/>
+              </a:ext>
+            </a:extLst>
+          </p:cNvPr>
+          <p:cNvGrpSpPr/>
+          <p:nvPr/>
+        </p:nvGrpSpPr>
+        <p:grpSpPr>
+          <a:xfrm>
+            <a:off x="3281512" y="3940888"/>
+            <a:ext cx="5764444" cy="1050587"/>
+            <a:chOff x="3360126" y="3971848"/>
+            <a:chExt cx="5764444" cy="1050587"/>
+          </a:xfrm>
+        </p:grpSpPr>
+        <p:grpSp>
+          <p:nvGrpSpPr>
+            <p:cNvPr id="5" name="Group 4">
+              <a:extLst>
+                <a:ext uri="{FF2B5EF4-FFF2-40B4-BE49-F238E27FC236}">
+                  <a16:creationId xmlns:a16="http://schemas.microsoft.com/office/drawing/2014/main" id="{FC96DF90-6DDB-A448-8643-9116E9A168FD}"/>
+                </a:ext>
+              </a:extLst>
+            </p:cNvPr>
+            <p:cNvGrpSpPr/>
+            <p:nvPr/>
+          </p:nvGrpSpPr>
+          <p:grpSpPr>
+            <a:xfrm>
+              <a:off x="3360126" y="4324980"/>
+              <a:ext cx="2735874" cy="328935"/>
+              <a:chOff x="7237110" y="4273903"/>
+              <a:chExt cx="2735874" cy="328935"/>
+            </a:xfrm>
+          </p:grpSpPr>
+          <p:sp>
+            <p:nvSpPr>
+              <p:cNvPr id="10" name="Intelligent Information Retrieval Laboratory">
+                <a:extLst>
+                  <a:ext uri="{FF2B5EF4-FFF2-40B4-BE49-F238E27FC236}">
+                    <a16:creationId xmlns:a16="http://schemas.microsoft.com/office/drawing/2014/main" id="{5403543F-BF3A-6E4B-A06A-E83E0715D64B}"/>
+                  </a:ext>
+                </a:extLst>
+              </p:cNvPr>
+              <p:cNvSpPr txBox="1"/>
+              <p:nvPr/>
+            </p:nvSpPr>
+            <p:spPr>
+              <a:xfrm>
+                <a:off x="7237110" y="4273903"/>
+                <a:ext cx="2590800" cy="328935"/>
+              </a:xfrm>
+              <a:prstGeom prst="rect">
+                <a:avLst/>
+              </a:prstGeom>
+              <a:noFill/>
+              <a:ln w="12700" cap="flat">
+                <a:noFill/>
+                <a:miter lim="400000"/>
+              </a:ln>
+              <a:effectLst/>
+              <a:extLst>
+                <a:ext uri="{C572A759-6A51-4108-AA02-DFA0A04FC94B}">
+                  <ma14:wrappingTextBoxFlag xmlns:ma14="http://schemas.microsoft.com/office/mac/drawingml/2011/main" xmlns:a14="http://schemas.microsoft.com/office/drawing/2010/main" xmlns:m="http://schemas.openxmlformats.org/officeDocument/2006/math" xmlns="" val="1"/>
+                </a:ext>
+              </a:extLst>
+            </p:spPr>
+            <p:txBody>
+              <a:bodyPr wrap="square" lIns="71437" tIns="71437" rIns="71437" bIns="71437" numCol="1" anchor="ctr">
+                <a:spAutoFit/>
+              </a:bodyPr>
+              <a:lstStyle>
+                <a:lvl1pPr algn="l" defTabSz="821531">
+                  <a:defRPr sz="2400" b="0">
+                    <a:solidFill>
+                      <a:srgbClr val="FFFFFF"/>
+                    </a:solidFill>
+                    <a:latin typeface="Helvetica Neue Bold Condensed"/>
+                    <a:ea typeface="Helvetica Neue Bold Condensed"/>
+                    <a:cs typeface="Helvetica Neue Bold Condensed"/>
+                    <a:sym typeface="Helvetica Neue Bold Condensed"/>
+                  </a:defRPr>
+                </a:lvl1pPr>
+              </a:lstStyle>
+              <a:p>
+                <a:r>
+                  <a:rPr kumimoji="0" lang="zh-TW" altLang="en-US" sz="1050" b="0" i="0" u="none" strike="noStrike" cap="none" spc="0" normalizeH="0" baseline="0" dirty="0">
+                    <a:ln>
+                      <a:noFill/>
+                    </a:ln>
+                    <a:solidFill>
+                      <a:schemeClr val="tx1">
+                        <a:alpha val="15000"/>
+                      </a:schemeClr>
+                    </a:solidFill>
+                    <a:effectLst/>
+                    <a:uFillTx/>
+                    <a:latin typeface="Helvetica Neue Bold Condensed"/>
+                    <a:ea typeface="Helvetica Neue Bold Condensed"/>
+                    <a:cs typeface="Helvetica Neue Bold Condensed"/>
+                    <a:sym typeface="Helvetica Neue Bold Condensed"/>
+                  </a:rPr>
+                  <a:t>第</a:t>
+                </a:r>
+                <a:r>
+                  <a:rPr kumimoji="0" lang="en-US" altLang="zh-TW" sz="1050" b="0" i="0" u="none" strike="noStrike" cap="none" spc="0" normalizeH="0" baseline="0" dirty="0">
+                    <a:ln>
+                      <a:noFill/>
+                    </a:ln>
+                    <a:solidFill>
+                      <a:schemeClr val="tx1">
+                        <a:alpha val="15000"/>
+                      </a:schemeClr>
+                    </a:solidFill>
+                    <a:effectLst/>
+                    <a:uFillTx/>
+                    <a:latin typeface="Helvetica Neue Bold Condensed"/>
+                    <a:ea typeface="Helvetica Neue Bold Condensed"/>
+                    <a:cs typeface="Helvetica Neue Bold Condensed"/>
+                    <a:sym typeface="Helvetica Neue Bold Condensed"/>
+                  </a:rPr>
+                  <a:t>13</a:t>
+                </a:r>
+                <a:r>
+                  <a:rPr kumimoji="0" lang="zh-TW" altLang="en-US" sz="1050" b="0" i="0" u="none" strike="noStrike" cap="none" spc="0" normalizeH="0" baseline="0" dirty="0">
+                    <a:ln>
+                      <a:noFill/>
+                    </a:ln>
+                    <a:solidFill>
+                      <a:schemeClr val="tx1">
+                        <a:alpha val="15000"/>
+                      </a:schemeClr>
+                    </a:solidFill>
+                    <a:effectLst/>
+                    <a:uFillTx/>
+                    <a:latin typeface="Helvetica Neue Bold Condensed"/>
+                    <a:ea typeface="Helvetica Neue Bold Condensed"/>
+                    <a:cs typeface="Helvetica Neue Bold Condensed"/>
+                    <a:sym typeface="Helvetica Neue Bold Condensed"/>
+                  </a:rPr>
+                  <a:t>屆 </a:t>
+                </a:r>
+                <a:r>
+                  <a:rPr kumimoji="0" lang="en-US" sz="1200" b="0" i="0" u="none" strike="noStrike" cap="none" spc="0" normalizeH="0" baseline="0" dirty="0">
+                    <a:ln>
+                      <a:noFill/>
+                    </a:ln>
+                    <a:solidFill>
+                      <a:schemeClr val="tx1">
+                        <a:alpha val="15000"/>
+                      </a:schemeClr>
+                    </a:solidFill>
+                    <a:effectLst/>
+                    <a:uFillTx/>
+                    <a:latin typeface="Helvetica Neue Bold Condensed"/>
+                    <a:ea typeface="Helvetica Neue Bold Condensed"/>
+                    <a:cs typeface="Helvetica Neue Bold Condensed"/>
+                    <a:sym typeface="Helvetica Neue Bold Condensed"/>
+                  </a:rPr>
+                  <a:t>iT</a:t>
+                </a:r>
+                <a:r>
+                  <a:rPr kumimoji="0" lang="zh-TW" altLang="en-US" sz="1100" b="0" i="0" u="none" strike="noStrike" cap="none" spc="0" normalizeH="0" baseline="0" dirty="0">
+                    <a:ln>
+                      <a:noFill/>
+                    </a:ln>
+                    <a:solidFill>
+                      <a:schemeClr val="tx1">
+                        <a:alpha val="15000"/>
+                      </a:schemeClr>
+                    </a:solidFill>
+                    <a:effectLst/>
+                    <a:uFillTx/>
+                    <a:latin typeface="Helvetica Neue Bold Condensed"/>
+                    <a:ea typeface="Helvetica Neue Bold Condensed"/>
+                    <a:cs typeface="Helvetica Neue Bold Condensed"/>
+                    <a:sym typeface="Helvetica Neue Bold Condensed"/>
+                  </a:rPr>
+                  <a:t>邦</a:t>
+                </a:r>
+                <a:r>
+                  <a:rPr kumimoji="0" lang="zh-TW" altLang="en-US" sz="1000" b="0" i="0" u="none" strike="noStrike" cap="none" spc="0" normalizeH="0" baseline="0" dirty="0">
+                    <a:ln>
+                      <a:noFill/>
+                    </a:ln>
+                    <a:solidFill>
+                      <a:schemeClr val="tx1">
+                        <a:alpha val="15000"/>
+                      </a:schemeClr>
+                    </a:solidFill>
+                    <a:effectLst/>
+                    <a:uFillTx/>
+                    <a:latin typeface="Helvetica Neue Bold Condensed"/>
+                    <a:ea typeface="Helvetica Neue Bold Condensed"/>
+                    <a:cs typeface="Helvetica Neue Bold Condensed"/>
+                    <a:sym typeface="Helvetica Neue Bold Condensed"/>
+                  </a:rPr>
+                  <a:t>幫忙</a:t>
+                </a:r>
+                <a:r>
+                  <a:rPr kumimoji="0" lang="zh-TW" altLang="en-US" sz="1100" b="0" i="0" u="none" strike="noStrike" cap="none" spc="0" normalizeH="0" baseline="0" dirty="0">
+                    <a:ln>
+                      <a:noFill/>
+                    </a:ln>
+                    <a:solidFill>
+                      <a:schemeClr val="tx1">
+                        <a:alpha val="15000"/>
+                      </a:schemeClr>
+                    </a:solidFill>
+                    <a:effectLst/>
+                    <a:uFillTx/>
+                    <a:latin typeface="Helvetica Neue Bold Condensed"/>
+                    <a:ea typeface="Helvetica Neue Bold Condensed"/>
+                    <a:cs typeface="Helvetica Neue Bold Condensed"/>
+                    <a:sym typeface="Helvetica Neue Bold Condensed"/>
+                  </a:rPr>
+                  <a:t> 鐵人賽</a:t>
+                </a:r>
+                <a:endParaRPr sz="1100" dirty="0">
+                  <a:solidFill>
+                    <a:schemeClr val="tx1">
+                      <a:alpha val="15000"/>
+                    </a:schemeClr>
+                  </a:solidFill>
+                </a:endParaRPr>
+              </a:p>
+            </p:txBody>
+          </p:sp>
+          <p:sp>
+            <p:nvSpPr>
+              <p:cNvPr id="11" name="Intelligent Information Retrieval Laboratory">
+                <a:extLst>
+                  <a:ext uri="{FF2B5EF4-FFF2-40B4-BE49-F238E27FC236}">
+                    <a16:creationId xmlns:a16="http://schemas.microsoft.com/office/drawing/2014/main" id="{282437F9-258E-0D46-8004-2F3D31BEE496}"/>
+                  </a:ext>
+                </a:extLst>
+              </p:cNvPr>
+              <p:cNvSpPr txBox="1"/>
+              <p:nvPr/>
+            </p:nvSpPr>
+            <p:spPr>
+              <a:xfrm>
+                <a:off x="8753784" y="4289292"/>
+                <a:ext cx="1219200" cy="313546"/>
+              </a:xfrm>
+              <a:prstGeom prst="rect">
+                <a:avLst/>
+              </a:prstGeom>
+              <a:noFill/>
+              <a:ln w="12700" cap="flat">
+                <a:noFill/>
+                <a:miter lim="400000"/>
+              </a:ln>
+              <a:effectLst/>
+              <a:extLst>
+                <a:ext uri="{C572A759-6A51-4108-AA02-DFA0A04FC94B}">
+                  <ma14:wrappingTextBoxFlag xmlns:ma14="http://schemas.microsoft.com/office/mac/drawingml/2011/main" xmlns:a14="http://schemas.microsoft.com/office/drawing/2010/main" xmlns:m="http://schemas.openxmlformats.org/officeDocument/2006/math" xmlns="" val="1"/>
+                </a:ext>
+              </a:extLst>
+            </p:spPr>
+            <p:txBody>
+              <a:bodyPr wrap="square" lIns="71437" tIns="71437" rIns="71437" bIns="71437" numCol="1" anchor="ctr">
+                <a:spAutoFit/>
+              </a:bodyPr>
+              <a:lstStyle>
+                <a:lvl1pPr algn="l" defTabSz="821531">
+                  <a:defRPr sz="2400" b="0">
+                    <a:solidFill>
+                      <a:srgbClr val="FFFFFF"/>
+                    </a:solidFill>
+                    <a:latin typeface="Helvetica Neue Bold Condensed"/>
+                    <a:ea typeface="Helvetica Neue Bold Condensed"/>
+                    <a:cs typeface="Helvetica Neue Bold Condensed"/>
+                    <a:sym typeface="Helvetica Neue Bold Condensed"/>
+                  </a:defRPr>
+                </a:lvl1pPr>
+              </a:lstStyle>
+              <a:p>
+                <a:r>
+                  <a:rPr kumimoji="0" lang="en-US" altLang="zh-TW" sz="1050" b="0" i="0" u="none" strike="noStrike" cap="none" spc="0" normalizeH="0" baseline="0" dirty="0">
+                    <a:ln>
+                      <a:noFill/>
+                    </a:ln>
+                    <a:solidFill>
+                      <a:schemeClr val="tx1">
+                        <a:alpha val="15000"/>
+                      </a:schemeClr>
+                    </a:solidFill>
+                    <a:effectLst/>
+                    <a:uFillTx/>
+                    <a:latin typeface="Helvetica Neue Bold Condensed"/>
+                    <a:ea typeface="Helvetica Neue Bold Condensed"/>
+                    <a:cs typeface="Helvetica Neue Bold Condensed"/>
+                    <a:sym typeface="Helvetica Neue Bold Condensed"/>
+                  </a:rPr>
+                  <a:t>AI &amp; Data </a:t>
+                </a:r>
+                <a:r>
+                  <a:rPr kumimoji="0" lang="zh-TW" altLang="en-US" sz="1050" b="0" i="0" u="none" strike="noStrike" cap="none" spc="0" normalizeH="0" baseline="0" dirty="0">
+                    <a:ln>
+                      <a:noFill/>
+                    </a:ln>
+                    <a:solidFill>
+                      <a:schemeClr val="tx1">
+                        <a:alpha val="15000"/>
+                      </a:schemeClr>
+                    </a:solidFill>
+                    <a:effectLst/>
+                    <a:uFillTx/>
+                    <a:latin typeface="Helvetica Neue Bold Condensed"/>
+                    <a:ea typeface="Helvetica Neue Bold Condensed"/>
+                    <a:cs typeface="Helvetica Neue Bold Condensed"/>
+                    <a:sym typeface="Helvetica Neue Bold Condensed"/>
+                  </a:rPr>
+                  <a:t>組</a:t>
+                </a:r>
+                <a:endParaRPr sz="1100" dirty="0">
+                  <a:solidFill>
+                    <a:schemeClr val="tx1">
+                      <a:alpha val="15000"/>
+                    </a:schemeClr>
+                  </a:solidFill>
+                </a:endParaRPr>
+              </a:p>
+            </p:txBody>
+          </p:sp>
+        </p:grpSp>
+        <p:grpSp>
+          <p:nvGrpSpPr>
+            <p:cNvPr id="6" name="Group 5">
+              <a:extLst>
+                <a:ext uri="{FF2B5EF4-FFF2-40B4-BE49-F238E27FC236}">
+                  <a16:creationId xmlns:a16="http://schemas.microsoft.com/office/drawing/2014/main" id="{349B70F4-3381-7641-B675-6867668F0B40}"/>
+                </a:ext>
+              </a:extLst>
+            </p:cNvPr>
+            <p:cNvGrpSpPr/>
+            <p:nvPr/>
+          </p:nvGrpSpPr>
+          <p:grpSpPr>
+            <a:xfrm>
+              <a:off x="7247835" y="3971848"/>
+              <a:ext cx="1876735" cy="1050587"/>
+              <a:chOff x="3891792" y="3940042"/>
+              <a:chExt cx="1876735" cy="1050587"/>
+            </a:xfrm>
+          </p:grpSpPr>
+          <p:pic>
+            <p:nvPicPr>
+              <p:cNvPr id="7" name="Picture 6">
+                <a:extLst>
+                  <a:ext uri="{FF2B5EF4-FFF2-40B4-BE49-F238E27FC236}">
+                    <a16:creationId xmlns:a16="http://schemas.microsoft.com/office/drawing/2014/main" id="{365C4D87-4BA4-6643-8425-256B9B8BA288}"/>
+                  </a:ext>
+                </a:extLst>
+              </p:cNvPr>
+              <p:cNvPicPr>
+                <a:picLocks noChangeAspect="1" noChangeArrowheads="1"/>
+              </p:cNvPicPr>
+              <p:nvPr/>
+            </p:nvPicPr>
+            <p:blipFill>
+              <a:blip r:embed="rId2">
+                <a:duotone>
+                  <a:prstClr val="black"/>
+                  <a:schemeClr val="tx1">
+                    <a:tint val="45000"/>
+                    <a:satMod val="400000"/>
+                  </a:schemeClr>
+                </a:duotone>
+                <a:alphaModFix amt="20000"/>
+              </a:blip>
+              <a:srcRect/>
+              <a:stretch/>
+            </p:blipFill>
+            <p:spPr bwMode="auto">
+              <a:xfrm>
+                <a:off x="4489805" y="3940042"/>
+                <a:ext cx="1050587" cy="1050587"/>
+              </a:xfrm>
+              <a:prstGeom prst="rect">
+                <a:avLst/>
+              </a:prstGeom>
+              <a:noFill/>
+              <a:extLst>
+                <a:ext uri="{909E8E84-426E-40DD-AFC4-6F175D3DCCD1}">
+                  <a14:hiddenFill xmlns:a14="http://schemas.microsoft.com/office/drawing/2010/main">
+                    <a:solidFill>
+                      <a:srgbClr val="FFFFFF"/>
+                    </a:solidFill>
+                  </a14:hiddenFill>
+                </a:ext>
+              </a:extLst>
+            </p:spPr>
+          </p:pic>
+          <p:pic>
+            <p:nvPicPr>
+              <p:cNvPr id="8" name="Picture 4" descr="Youtube logo | Logok">
+                <a:extLst>
+                  <a:ext uri="{FF2B5EF4-FFF2-40B4-BE49-F238E27FC236}">
+                    <a16:creationId xmlns:a16="http://schemas.microsoft.com/office/drawing/2014/main" id="{16301F7B-7ADF-F448-8AB1-A1A75ADE6DF1}"/>
+                  </a:ext>
+                </a:extLst>
+              </p:cNvPr>
+              <p:cNvPicPr>
+                <a:picLocks noChangeAspect="1" noChangeArrowheads="1"/>
+              </p:cNvPicPr>
+              <p:nvPr/>
+            </p:nvPicPr>
+            <p:blipFill>
+              <a:blip r:embed="rId3">
+                <a:alphaModFix amt="20000"/>
+                <a:extLst>
+                  <a:ext uri="{28A0092B-C50C-407E-A947-70E740481C1C}">
+                    <a14:useLocalDpi xmlns:a14="http://schemas.microsoft.com/office/drawing/2010/main" val="0"/>
+                  </a:ext>
+                </a:extLst>
+              </a:blip>
+              <a:srcRect/>
+              <a:stretch>
+                <a:fillRect/>
+              </a:stretch>
+            </p:blipFill>
+            <p:spPr bwMode="auto">
+              <a:xfrm>
+                <a:off x="3891792" y="4187926"/>
+                <a:ext cx="739756" cy="554817"/>
+              </a:xfrm>
+              <a:prstGeom prst="rect">
+                <a:avLst/>
+              </a:prstGeom>
+              <a:noFill/>
+              <a:extLst>
+                <a:ext uri="{909E8E84-426E-40DD-AFC4-6F175D3DCCD1}">
+                  <a14:hiddenFill xmlns:a14="http://schemas.microsoft.com/office/drawing/2010/main">
+                    <a:solidFill>
+                      <a:srgbClr val="FFFFFF"/>
+                    </a:solidFill>
+                  </a14:hiddenFill>
+                </a:ext>
+              </a:extLst>
+            </p:spPr>
+          </p:pic>
+          <p:sp>
+            <p:nvSpPr>
+              <p:cNvPr id="9" name="Intelligent Information Retrieval Laboratory">
+                <a:extLst>
+                  <a:ext uri="{FF2B5EF4-FFF2-40B4-BE49-F238E27FC236}">
+                    <a16:creationId xmlns:a16="http://schemas.microsoft.com/office/drawing/2014/main" id="{3C723C68-4897-6F42-9798-D6F3771C25D8}"/>
+                  </a:ext>
+                </a:extLst>
+              </p:cNvPr>
+              <p:cNvSpPr txBox="1"/>
+              <p:nvPr/>
+            </p:nvSpPr>
+            <p:spPr>
+              <a:xfrm>
+                <a:off x="4549327" y="4308601"/>
+                <a:ext cx="1219200" cy="328935"/>
+              </a:xfrm>
+              <a:prstGeom prst="rect">
+                <a:avLst/>
+              </a:prstGeom>
+              <a:noFill/>
+              <a:ln w="12700" cap="flat">
+                <a:noFill/>
+                <a:miter lim="400000"/>
+              </a:ln>
+              <a:effectLst/>
+              <a:extLst>
+                <a:ext uri="{C572A759-6A51-4108-AA02-DFA0A04FC94B}">
+                  <ma14:wrappingTextBoxFlag xmlns:ma14="http://schemas.microsoft.com/office/mac/drawingml/2011/main" xmlns:a14="http://schemas.microsoft.com/office/drawing/2010/main" xmlns:m="http://schemas.openxmlformats.org/officeDocument/2006/math" xmlns="" val="1"/>
+                </a:ext>
+              </a:extLst>
+            </p:spPr>
+            <p:txBody>
+              <a:bodyPr wrap="square" lIns="71437" tIns="71437" rIns="71437" bIns="71437" numCol="1" anchor="ctr">
+                <a:spAutoFit/>
+              </a:bodyPr>
+              <a:lstStyle>
+                <a:lvl1pPr algn="l" defTabSz="821531">
+                  <a:defRPr sz="2400" b="0">
+                    <a:solidFill>
+                      <a:srgbClr val="FFFFFF"/>
+                    </a:solidFill>
+                    <a:latin typeface="Helvetica Neue Bold Condensed"/>
+                    <a:ea typeface="Helvetica Neue Bold Condensed"/>
+                    <a:cs typeface="Helvetica Neue Bold Condensed"/>
+                    <a:sym typeface="Helvetica Neue Bold Condensed"/>
+                  </a:defRPr>
+                </a:lvl1pPr>
+              </a:lstStyle>
+              <a:p>
+                <a:r>
+                  <a:rPr kumimoji="0" lang="en-US" altLang="zh-TW" sz="1200" b="0" i="0" u="none" strike="noStrike" cap="none" spc="0" normalizeH="0" baseline="0" dirty="0">
+                    <a:ln>
+                      <a:noFill/>
+                    </a:ln>
+                    <a:solidFill>
+                      <a:schemeClr val="tx1">
+                        <a:alpha val="15000"/>
+                      </a:schemeClr>
+                    </a:solidFill>
+                    <a:effectLst/>
+                    <a:uFillTx/>
+                    <a:latin typeface="Helvetica Neue Bold Condensed"/>
+                    <a:ea typeface="Helvetica Neue Bold Condensed"/>
+                    <a:cs typeface="Helvetica Neue Bold Condensed"/>
+                    <a:sym typeface="Helvetica Neue Bold Condensed"/>
+                  </a:rPr>
+                  <a:t>10</a:t>
+                </a:r>
+                <a:r>
+                  <a:rPr kumimoji="0" lang="zh-TW" altLang="en-US" sz="1200" b="0" i="0" u="none" strike="noStrike" cap="none" spc="0" normalizeH="0" baseline="0" dirty="0">
+                    <a:ln>
+                      <a:noFill/>
+                    </a:ln>
+                    <a:solidFill>
+                      <a:schemeClr val="tx1">
+                        <a:alpha val="15000"/>
+                      </a:schemeClr>
+                    </a:solidFill>
+                    <a:effectLst/>
+                    <a:uFillTx/>
+                    <a:sym typeface="Helvetica Neue Bold Condensed"/>
+                  </a:rPr>
+                  <a:t>程式中</a:t>
+                </a:r>
+                <a:endParaRPr sz="1400" dirty="0">
+                  <a:solidFill>
+                    <a:schemeClr val="tx1">
+                      <a:alpha val="15000"/>
+                    </a:schemeClr>
+                  </a:solidFill>
+                </a:endParaRPr>
+              </a:p>
+            </p:txBody>
+          </p:sp>
+        </p:grpSp>
+      </p:grpSp>
+      <p:pic>
+        <p:nvPicPr>
+          <p:cNvPr id="3" name="Picture 2">
+            <a:extLst>
+              <a:ext uri="{FF2B5EF4-FFF2-40B4-BE49-F238E27FC236}">
+                <a16:creationId xmlns:a16="http://schemas.microsoft.com/office/drawing/2014/main" id="{E99CA605-B7D2-2D45-8CC6-E894320DD3B4}"/>
+              </a:ext>
+            </a:extLst>
+          </p:cNvPr>
+          <p:cNvPicPr>
+            <a:picLocks noChangeAspect="1"/>
+          </p:cNvPicPr>
+          <p:nvPr/>
+        </p:nvPicPr>
+        <p:blipFill>
+          <a:blip r:embed="rId4">
+            <a:extLst>
+              <a:ext uri="{28A0092B-C50C-407E-A947-70E740481C1C}">
+                <a14:useLocalDpi xmlns:a14="http://schemas.microsoft.com/office/drawing/2010/main" val="0"/>
+              </a:ext>
+            </a:extLst>
+          </a:blip>
+          <a:stretch>
+            <a:fillRect/>
+          </a:stretch>
+        </p:blipFill>
+        <p:spPr>
+          <a:xfrm>
+            <a:off x="3577466" y="421368"/>
+            <a:ext cx="5194300" cy="3888041"/>
+          </a:xfrm>
+          <a:prstGeom prst="rect">
+            <a:avLst/>
+          </a:prstGeom>
+        </p:spPr>
+      </p:pic>
+    </p:spTree>
+    <p:extLst>
+      <p:ext uri="{BB962C8B-B14F-4D97-AF65-F5344CB8AC3E}">
+        <p14:creationId xmlns:p14="http://schemas.microsoft.com/office/powerpoint/2010/main" val="430751915"/>
+      </p:ext>
+    </p:extLst>
+  </p:cSld>
+  <p:clrMapOvr>
+    <a:masterClrMapping/>
+  </p:clrMapOvr>
+</p:sld>
+</file>
+
+<file path=ppt/slides/slide8.xml><?xml version="1.0" encoding="utf-8"?>
+<p:sld xmlns:a="http://schemas.openxmlformats.org/drawingml/2006/main" xmlns:r="http://schemas.openxmlformats.org/officeDocument/2006/relationships" xmlns:p="http://schemas.openxmlformats.org/presentationml/2006/main">
+  <p:cSld>
+    <p:spTree>
+      <p:nvGrpSpPr>
+        <p:cNvPr id="1" name=""/>
+        <p:cNvGrpSpPr/>
+        <p:nvPr/>
+      </p:nvGrpSpPr>
+      <p:grpSpPr>
+        <a:xfrm>
+          <a:off x="0" y="0"/>
+          <a:ext cx="0" cy="0"/>
+          <a:chOff x="0" y="0"/>
+          <a:chExt cx="0" cy="0"/>
+        </a:xfrm>
+      </p:grpSpPr>
+      <p:grpSp>
+        <p:nvGrpSpPr>
+          <p:cNvPr id="4" name="Group 3">
+            <a:extLst>
+              <a:ext uri="{FF2B5EF4-FFF2-40B4-BE49-F238E27FC236}">
+                <a16:creationId xmlns:a16="http://schemas.microsoft.com/office/drawing/2014/main" id="{F4B67E14-4B87-814B-BDB4-BE841CFEC4B2}"/>
+              </a:ext>
+            </a:extLst>
+          </p:cNvPr>
+          <p:cNvGrpSpPr/>
+          <p:nvPr/>
+        </p:nvGrpSpPr>
+        <p:grpSpPr>
+          <a:xfrm>
+            <a:off x="3281512" y="3940888"/>
+            <a:ext cx="5764444" cy="1050587"/>
+            <a:chOff x="3360126" y="3971848"/>
+            <a:chExt cx="5764444" cy="1050587"/>
+          </a:xfrm>
+        </p:grpSpPr>
+        <p:grpSp>
+          <p:nvGrpSpPr>
+            <p:cNvPr id="5" name="Group 4">
+              <a:extLst>
+                <a:ext uri="{FF2B5EF4-FFF2-40B4-BE49-F238E27FC236}">
+                  <a16:creationId xmlns:a16="http://schemas.microsoft.com/office/drawing/2014/main" id="{FC96DF90-6DDB-A448-8643-9116E9A168FD}"/>
+                </a:ext>
+              </a:extLst>
+            </p:cNvPr>
+            <p:cNvGrpSpPr/>
+            <p:nvPr/>
+          </p:nvGrpSpPr>
+          <p:grpSpPr>
+            <a:xfrm>
+              <a:off x="3360126" y="4324980"/>
+              <a:ext cx="2735874" cy="328935"/>
+              <a:chOff x="7237110" y="4273903"/>
+              <a:chExt cx="2735874" cy="328935"/>
+            </a:xfrm>
+          </p:grpSpPr>
+          <p:sp>
+            <p:nvSpPr>
+              <p:cNvPr id="10" name="Intelligent Information Retrieval Laboratory">
+                <a:extLst>
+                  <a:ext uri="{FF2B5EF4-FFF2-40B4-BE49-F238E27FC236}">
+                    <a16:creationId xmlns:a16="http://schemas.microsoft.com/office/drawing/2014/main" id="{5403543F-BF3A-6E4B-A06A-E83E0715D64B}"/>
+                  </a:ext>
+                </a:extLst>
+              </p:cNvPr>
+              <p:cNvSpPr txBox="1"/>
+              <p:nvPr/>
+            </p:nvSpPr>
+            <p:spPr>
+              <a:xfrm>
+                <a:off x="7237110" y="4273903"/>
+                <a:ext cx="2590800" cy="328935"/>
+              </a:xfrm>
+              <a:prstGeom prst="rect">
+                <a:avLst/>
+              </a:prstGeom>
+              <a:noFill/>
+              <a:ln w="12700" cap="flat">
+                <a:noFill/>
+                <a:miter lim="400000"/>
+              </a:ln>
+              <a:effectLst/>
+              <a:extLst>
+                <a:ext uri="{C572A759-6A51-4108-AA02-DFA0A04FC94B}">
+                  <ma14:wrappingTextBoxFlag xmlns:ma14="http://schemas.microsoft.com/office/mac/drawingml/2011/main" xmlns:a14="http://schemas.microsoft.com/office/drawing/2010/main" xmlns:m="http://schemas.openxmlformats.org/officeDocument/2006/math" xmlns="" val="1"/>
+                </a:ext>
+              </a:extLst>
+            </p:spPr>
+            <p:txBody>
+              <a:bodyPr wrap="square" lIns="71437" tIns="71437" rIns="71437" bIns="71437" numCol="1" anchor="ctr">
+                <a:spAutoFit/>
+              </a:bodyPr>
+              <a:lstStyle>
+                <a:lvl1pPr algn="l" defTabSz="821531">
+                  <a:defRPr sz="2400" b="0">
+                    <a:solidFill>
+                      <a:srgbClr val="FFFFFF"/>
+                    </a:solidFill>
+                    <a:latin typeface="Helvetica Neue Bold Condensed"/>
+                    <a:ea typeface="Helvetica Neue Bold Condensed"/>
+                    <a:cs typeface="Helvetica Neue Bold Condensed"/>
+                    <a:sym typeface="Helvetica Neue Bold Condensed"/>
+                  </a:defRPr>
+                </a:lvl1pPr>
+              </a:lstStyle>
+              <a:p>
+                <a:r>
+                  <a:rPr kumimoji="0" lang="zh-TW" altLang="en-US" sz="1050" b="0" i="0" u="none" strike="noStrike" cap="none" spc="0" normalizeH="0" baseline="0" dirty="0">
+                    <a:ln>
+                      <a:noFill/>
+                    </a:ln>
+                    <a:solidFill>
+                      <a:schemeClr val="tx1">
+                        <a:alpha val="15000"/>
+                      </a:schemeClr>
+                    </a:solidFill>
+                    <a:effectLst/>
+                    <a:uFillTx/>
+                    <a:latin typeface="Helvetica Neue Bold Condensed"/>
+                    <a:ea typeface="Helvetica Neue Bold Condensed"/>
+                    <a:cs typeface="Helvetica Neue Bold Condensed"/>
+                    <a:sym typeface="Helvetica Neue Bold Condensed"/>
+                  </a:rPr>
+                  <a:t>第</a:t>
+                </a:r>
+                <a:r>
+                  <a:rPr kumimoji="0" lang="en-US" altLang="zh-TW" sz="1050" b="0" i="0" u="none" strike="noStrike" cap="none" spc="0" normalizeH="0" baseline="0" dirty="0">
+                    <a:ln>
+                      <a:noFill/>
+                    </a:ln>
+                    <a:solidFill>
+                      <a:schemeClr val="tx1">
+                        <a:alpha val="15000"/>
+                      </a:schemeClr>
+                    </a:solidFill>
+                    <a:effectLst/>
+                    <a:uFillTx/>
+                    <a:latin typeface="Helvetica Neue Bold Condensed"/>
+                    <a:ea typeface="Helvetica Neue Bold Condensed"/>
+                    <a:cs typeface="Helvetica Neue Bold Condensed"/>
+                    <a:sym typeface="Helvetica Neue Bold Condensed"/>
+                  </a:rPr>
+                  <a:t>13</a:t>
+                </a:r>
+                <a:r>
+                  <a:rPr kumimoji="0" lang="zh-TW" altLang="en-US" sz="1050" b="0" i="0" u="none" strike="noStrike" cap="none" spc="0" normalizeH="0" baseline="0" dirty="0">
+                    <a:ln>
+                      <a:noFill/>
+                    </a:ln>
+                    <a:solidFill>
+                      <a:schemeClr val="tx1">
+                        <a:alpha val="15000"/>
+                      </a:schemeClr>
+                    </a:solidFill>
+                    <a:effectLst/>
+                    <a:uFillTx/>
+                    <a:latin typeface="Helvetica Neue Bold Condensed"/>
+                    <a:ea typeface="Helvetica Neue Bold Condensed"/>
+                    <a:cs typeface="Helvetica Neue Bold Condensed"/>
+                    <a:sym typeface="Helvetica Neue Bold Condensed"/>
+                  </a:rPr>
+                  <a:t>屆 </a:t>
+                </a:r>
+                <a:r>
+                  <a:rPr kumimoji="0" lang="en-US" sz="1200" b="0" i="0" u="none" strike="noStrike" cap="none" spc="0" normalizeH="0" baseline="0" dirty="0">
+                    <a:ln>
+                      <a:noFill/>
+                    </a:ln>
+                    <a:solidFill>
+                      <a:schemeClr val="tx1">
+                        <a:alpha val="15000"/>
+                      </a:schemeClr>
+                    </a:solidFill>
+                    <a:effectLst/>
+                    <a:uFillTx/>
+                    <a:latin typeface="Helvetica Neue Bold Condensed"/>
+                    <a:ea typeface="Helvetica Neue Bold Condensed"/>
+                    <a:cs typeface="Helvetica Neue Bold Condensed"/>
+                    <a:sym typeface="Helvetica Neue Bold Condensed"/>
+                  </a:rPr>
+                  <a:t>iT</a:t>
+                </a:r>
+                <a:r>
+                  <a:rPr kumimoji="0" lang="zh-TW" altLang="en-US" sz="1100" b="0" i="0" u="none" strike="noStrike" cap="none" spc="0" normalizeH="0" baseline="0" dirty="0">
+                    <a:ln>
+                      <a:noFill/>
+                    </a:ln>
+                    <a:solidFill>
+                      <a:schemeClr val="tx1">
+                        <a:alpha val="15000"/>
+                      </a:schemeClr>
+                    </a:solidFill>
+                    <a:effectLst/>
+                    <a:uFillTx/>
+                    <a:latin typeface="Helvetica Neue Bold Condensed"/>
+                    <a:ea typeface="Helvetica Neue Bold Condensed"/>
+                    <a:cs typeface="Helvetica Neue Bold Condensed"/>
+                    <a:sym typeface="Helvetica Neue Bold Condensed"/>
+                  </a:rPr>
+                  <a:t>邦</a:t>
+                </a:r>
+                <a:r>
+                  <a:rPr kumimoji="0" lang="zh-TW" altLang="en-US" sz="1000" b="0" i="0" u="none" strike="noStrike" cap="none" spc="0" normalizeH="0" baseline="0" dirty="0">
+                    <a:ln>
+                      <a:noFill/>
+                    </a:ln>
+                    <a:solidFill>
+                      <a:schemeClr val="tx1">
+                        <a:alpha val="15000"/>
+                      </a:schemeClr>
+                    </a:solidFill>
+                    <a:effectLst/>
+                    <a:uFillTx/>
+                    <a:latin typeface="Helvetica Neue Bold Condensed"/>
+                    <a:ea typeface="Helvetica Neue Bold Condensed"/>
+                    <a:cs typeface="Helvetica Neue Bold Condensed"/>
+                    <a:sym typeface="Helvetica Neue Bold Condensed"/>
+                  </a:rPr>
+                  <a:t>幫忙</a:t>
+                </a:r>
+                <a:r>
+                  <a:rPr kumimoji="0" lang="zh-TW" altLang="en-US" sz="1100" b="0" i="0" u="none" strike="noStrike" cap="none" spc="0" normalizeH="0" baseline="0" dirty="0">
+                    <a:ln>
+                      <a:noFill/>
+                    </a:ln>
+                    <a:solidFill>
+                      <a:schemeClr val="tx1">
+                        <a:alpha val="15000"/>
+                      </a:schemeClr>
+                    </a:solidFill>
+                    <a:effectLst/>
+                    <a:uFillTx/>
+                    <a:latin typeface="Helvetica Neue Bold Condensed"/>
+                    <a:ea typeface="Helvetica Neue Bold Condensed"/>
+                    <a:cs typeface="Helvetica Neue Bold Condensed"/>
+                    <a:sym typeface="Helvetica Neue Bold Condensed"/>
+                  </a:rPr>
+                  <a:t> 鐵人賽</a:t>
+                </a:r>
+                <a:endParaRPr sz="1100" dirty="0">
+                  <a:solidFill>
+                    <a:schemeClr val="tx1">
+                      <a:alpha val="15000"/>
+                    </a:schemeClr>
+                  </a:solidFill>
+                </a:endParaRPr>
+              </a:p>
+            </p:txBody>
+          </p:sp>
+          <p:sp>
+            <p:nvSpPr>
+              <p:cNvPr id="11" name="Intelligent Information Retrieval Laboratory">
+                <a:extLst>
+                  <a:ext uri="{FF2B5EF4-FFF2-40B4-BE49-F238E27FC236}">
+                    <a16:creationId xmlns:a16="http://schemas.microsoft.com/office/drawing/2014/main" id="{282437F9-258E-0D46-8004-2F3D31BEE496}"/>
+                  </a:ext>
+                </a:extLst>
+              </p:cNvPr>
+              <p:cNvSpPr txBox="1"/>
+              <p:nvPr/>
+            </p:nvSpPr>
+            <p:spPr>
+              <a:xfrm>
+                <a:off x="8753784" y="4289292"/>
+                <a:ext cx="1219200" cy="313546"/>
+              </a:xfrm>
+              <a:prstGeom prst="rect">
+                <a:avLst/>
+              </a:prstGeom>
+              <a:noFill/>
+              <a:ln w="12700" cap="flat">
+                <a:noFill/>
+                <a:miter lim="400000"/>
+              </a:ln>
+              <a:effectLst/>
+              <a:extLst>
+                <a:ext uri="{C572A759-6A51-4108-AA02-DFA0A04FC94B}">
+                  <ma14:wrappingTextBoxFlag xmlns:ma14="http://schemas.microsoft.com/office/mac/drawingml/2011/main" xmlns:a14="http://schemas.microsoft.com/office/drawing/2010/main" xmlns:m="http://schemas.openxmlformats.org/officeDocument/2006/math" xmlns="" val="1"/>
+                </a:ext>
+              </a:extLst>
+            </p:spPr>
+            <p:txBody>
+              <a:bodyPr wrap="square" lIns="71437" tIns="71437" rIns="71437" bIns="71437" numCol="1" anchor="ctr">
+                <a:spAutoFit/>
+              </a:bodyPr>
+              <a:lstStyle>
+                <a:lvl1pPr algn="l" defTabSz="821531">
+                  <a:defRPr sz="2400" b="0">
+                    <a:solidFill>
+                      <a:srgbClr val="FFFFFF"/>
+                    </a:solidFill>
+                    <a:latin typeface="Helvetica Neue Bold Condensed"/>
+                    <a:ea typeface="Helvetica Neue Bold Condensed"/>
+                    <a:cs typeface="Helvetica Neue Bold Condensed"/>
+                    <a:sym typeface="Helvetica Neue Bold Condensed"/>
+                  </a:defRPr>
+                </a:lvl1pPr>
+              </a:lstStyle>
+              <a:p>
+                <a:r>
+                  <a:rPr kumimoji="0" lang="en-US" altLang="zh-TW" sz="1050" b="0" i="0" u="none" strike="noStrike" cap="none" spc="0" normalizeH="0" baseline="0" dirty="0">
+                    <a:ln>
+                      <a:noFill/>
+                    </a:ln>
+                    <a:solidFill>
+                      <a:schemeClr val="tx1">
+                        <a:alpha val="15000"/>
+                      </a:schemeClr>
+                    </a:solidFill>
+                    <a:effectLst/>
+                    <a:uFillTx/>
+                    <a:latin typeface="Helvetica Neue Bold Condensed"/>
+                    <a:ea typeface="Helvetica Neue Bold Condensed"/>
+                    <a:cs typeface="Helvetica Neue Bold Condensed"/>
+                    <a:sym typeface="Helvetica Neue Bold Condensed"/>
+                  </a:rPr>
+                  <a:t>AI &amp; Data </a:t>
+                </a:r>
+                <a:r>
+                  <a:rPr kumimoji="0" lang="zh-TW" altLang="en-US" sz="1050" b="0" i="0" u="none" strike="noStrike" cap="none" spc="0" normalizeH="0" baseline="0" dirty="0">
+                    <a:ln>
+                      <a:noFill/>
+                    </a:ln>
+                    <a:solidFill>
+                      <a:schemeClr val="tx1">
+                        <a:alpha val="15000"/>
+                      </a:schemeClr>
+                    </a:solidFill>
+                    <a:effectLst/>
+                    <a:uFillTx/>
+                    <a:latin typeface="Helvetica Neue Bold Condensed"/>
+                    <a:ea typeface="Helvetica Neue Bold Condensed"/>
+                    <a:cs typeface="Helvetica Neue Bold Condensed"/>
+                    <a:sym typeface="Helvetica Neue Bold Condensed"/>
+                  </a:rPr>
+                  <a:t>組</a:t>
+                </a:r>
+                <a:endParaRPr sz="1100" dirty="0">
+                  <a:solidFill>
+                    <a:schemeClr val="tx1">
+                      <a:alpha val="15000"/>
+                    </a:schemeClr>
+                  </a:solidFill>
+                </a:endParaRPr>
+              </a:p>
+            </p:txBody>
+          </p:sp>
+        </p:grpSp>
+        <p:grpSp>
+          <p:nvGrpSpPr>
+            <p:cNvPr id="6" name="Group 5">
+              <a:extLst>
+                <a:ext uri="{FF2B5EF4-FFF2-40B4-BE49-F238E27FC236}">
+                  <a16:creationId xmlns:a16="http://schemas.microsoft.com/office/drawing/2014/main" id="{349B70F4-3381-7641-B675-6867668F0B40}"/>
+                </a:ext>
+              </a:extLst>
+            </p:cNvPr>
+            <p:cNvGrpSpPr/>
+            <p:nvPr/>
+          </p:nvGrpSpPr>
+          <p:grpSpPr>
+            <a:xfrm>
+              <a:off x="7247835" y="3971848"/>
+              <a:ext cx="1876735" cy="1050587"/>
+              <a:chOff x="3891792" y="3940042"/>
+              <a:chExt cx="1876735" cy="1050587"/>
+            </a:xfrm>
+          </p:grpSpPr>
+          <p:pic>
+            <p:nvPicPr>
+              <p:cNvPr id="7" name="Picture 6">
+                <a:extLst>
+                  <a:ext uri="{FF2B5EF4-FFF2-40B4-BE49-F238E27FC236}">
+                    <a16:creationId xmlns:a16="http://schemas.microsoft.com/office/drawing/2014/main" id="{365C4D87-4BA4-6643-8425-256B9B8BA288}"/>
+                  </a:ext>
+                </a:extLst>
+              </p:cNvPr>
+              <p:cNvPicPr>
+                <a:picLocks noChangeAspect="1" noChangeArrowheads="1"/>
+              </p:cNvPicPr>
+              <p:nvPr/>
+            </p:nvPicPr>
+            <p:blipFill>
+              <a:blip r:embed="rId2">
+                <a:duotone>
+                  <a:prstClr val="black"/>
+                  <a:schemeClr val="tx1">
+                    <a:tint val="45000"/>
+                    <a:satMod val="400000"/>
+                  </a:schemeClr>
+                </a:duotone>
+                <a:alphaModFix amt="20000"/>
+              </a:blip>
+              <a:srcRect/>
+              <a:stretch/>
+            </p:blipFill>
+            <p:spPr bwMode="auto">
+              <a:xfrm>
+                <a:off x="4489805" y="3940042"/>
+                <a:ext cx="1050587" cy="1050587"/>
+              </a:xfrm>
+              <a:prstGeom prst="rect">
+                <a:avLst/>
+              </a:prstGeom>
+              <a:noFill/>
+              <a:extLst>
+                <a:ext uri="{909E8E84-426E-40DD-AFC4-6F175D3DCCD1}">
+                  <a14:hiddenFill xmlns:a14="http://schemas.microsoft.com/office/drawing/2010/main">
+                    <a:solidFill>
+                      <a:srgbClr val="FFFFFF"/>
+                    </a:solidFill>
+                  </a14:hiddenFill>
+                </a:ext>
+              </a:extLst>
+            </p:spPr>
+          </p:pic>
+          <p:pic>
+            <p:nvPicPr>
+              <p:cNvPr id="8" name="Picture 4" descr="Youtube logo | Logok">
+                <a:extLst>
+                  <a:ext uri="{FF2B5EF4-FFF2-40B4-BE49-F238E27FC236}">
+                    <a16:creationId xmlns:a16="http://schemas.microsoft.com/office/drawing/2014/main" id="{16301F7B-7ADF-F448-8AB1-A1A75ADE6DF1}"/>
+                  </a:ext>
+                </a:extLst>
+              </p:cNvPr>
+              <p:cNvPicPr>
+                <a:picLocks noChangeAspect="1" noChangeArrowheads="1"/>
+              </p:cNvPicPr>
+              <p:nvPr/>
+            </p:nvPicPr>
+            <p:blipFill>
+              <a:blip r:embed="rId3">
+                <a:alphaModFix amt="20000"/>
+                <a:extLst>
+                  <a:ext uri="{28A0092B-C50C-407E-A947-70E740481C1C}">
+                    <a14:useLocalDpi xmlns:a14="http://schemas.microsoft.com/office/drawing/2010/main" val="0"/>
+                  </a:ext>
+                </a:extLst>
+              </a:blip>
+              <a:srcRect/>
+              <a:stretch>
+                <a:fillRect/>
+              </a:stretch>
+            </p:blipFill>
+            <p:spPr bwMode="auto">
+              <a:xfrm>
+                <a:off x="3891792" y="4187926"/>
+                <a:ext cx="739756" cy="554817"/>
+              </a:xfrm>
+              <a:prstGeom prst="rect">
+                <a:avLst/>
+              </a:prstGeom>
+              <a:noFill/>
+              <a:extLst>
+                <a:ext uri="{909E8E84-426E-40DD-AFC4-6F175D3DCCD1}">
+                  <a14:hiddenFill xmlns:a14="http://schemas.microsoft.com/office/drawing/2010/main">
+                    <a:solidFill>
+                      <a:srgbClr val="FFFFFF"/>
+                    </a:solidFill>
+                  </a14:hiddenFill>
+                </a:ext>
+              </a:extLst>
+            </p:spPr>
+          </p:pic>
+          <p:sp>
+            <p:nvSpPr>
+              <p:cNvPr id="9" name="Intelligent Information Retrieval Laboratory">
+                <a:extLst>
+                  <a:ext uri="{FF2B5EF4-FFF2-40B4-BE49-F238E27FC236}">
+                    <a16:creationId xmlns:a16="http://schemas.microsoft.com/office/drawing/2014/main" id="{3C723C68-4897-6F42-9798-D6F3771C25D8}"/>
+                  </a:ext>
+                </a:extLst>
+              </p:cNvPr>
+              <p:cNvSpPr txBox="1"/>
+              <p:nvPr/>
+            </p:nvSpPr>
+            <p:spPr>
+              <a:xfrm>
+                <a:off x="4549327" y="4308601"/>
+                <a:ext cx="1219200" cy="328935"/>
+              </a:xfrm>
+              <a:prstGeom prst="rect">
+                <a:avLst/>
+              </a:prstGeom>
+              <a:noFill/>
+              <a:ln w="12700" cap="flat">
+                <a:noFill/>
+                <a:miter lim="400000"/>
+              </a:ln>
+              <a:effectLst/>
+              <a:extLst>
+                <a:ext uri="{C572A759-6A51-4108-AA02-DFA0A04FC94B}">
+                  <ma14:wrappingTextBoxFlag xmlns:ma14="http://schemas.microsoft.com/office/mac/drawingml/2011/main" xmlns:a14="http://schemas.microsoft.com/office/drawing/2010/main" xmlns:m="http://schemas.openxmlformats.org/officeDocument/2006/math" xmlns="" val="1"/>
+                </a:ext>
+              </a:extLst>
+            </p:spPr>
+            <p:txBody>
+              <a:bodyPr wrap="square" lIns="71437" tIns="71437" rIns="71437" bIns="71437" numCol="1" anchor="ctr">
+                <a:spAutoFit/>
+              </a:bodyPr>
+              <a:lstStyle>
+                <a:lvl1pPr algn="l" defTabSz="821531">
+                  <a:defRPr sz="2400" b="0">
+                    <a:solidFill>
+                      <a:srgbClr val="FFFFFF"/>
+                    </a:solidFill>
+                    <a:latin typeface="Helvetica Neue Bold Condensed"/>
+                    <a:ea typeface="Helvetica Neue Bold Condensed"/>
+                    <a:cs typeface="Helvetica Neue Bold Condensed"/>
+                    <a:sym typeface="Helvetica Neue Bold Condensed"/>
+                  </a:defRPr>
+                </a:lvl1pPr>
+              </a:lstStyle>
+              <a:p>
+                <a:r>
+                  <a:rPr kumimoji="0" lang="en-US" altLang="zh-TW" sz="1200" b="0" i="0" u="none" strike="noStrike" cap="none" spc="0" normalizeH="0" baseline="0" dirty="0">
+                    <a:ln>
+                      <a:noFill/>
+                    </a:ln>
+                    <a:solidFill>
+                      <a:schemeClr val="tx1">
+                        <a:alpha val="15000"/>
+                      </a:schemeClr>
+                    </a:solidFill>
+                    <a:effectLst/>
+                    <a:uFillTx/>
+                    <a:latin typeface="Helvetica Neue Bold Condensed"/>
+                    <a:ea typeface="Helvetica Neue Bold Condensed"/>
+                    <a:cs typeface="Helvetica Neue Bold Condensed"/>
+                    <a:sym typeface="Helvetica Neue Bold Condensed"/>
+                  </a:rPr>
+                  <a:t>10</a:t>
+                </a:r>
+                <a:r>
+                  <a:rPr kumimoji="0" lang="zh-TW" altLang="en-US" sz="1200" b="0" i="0" u="none" strike="noStrike" cap="none" spc="0" normalizeH="0" baseline="0" dirty="0">
+                    <a:ln>
+                      <a:noFill/>
+                    </a:ln>
+                    <a:solidFill>
+                      <a:schemeClr val="tx1">
+                        <a:alpha val="15000"/>
+                      </a:schemeClr>
+                    </a:solidFill>
+                    <a:effectLst/>
+                    <a:uFillTx/>
+                    <a:sym typeface="Helvetica Neue Bold Condensed"/>
+                  </a:rPr>
+                  <a:t>程式中</a:t>
+                </a:r>
+                <a:endParaRPr sz="1400" dirty="0">
+                  <a:solidFill>
+                    <a:schemeClr val="tx1">
+                      <a:alpha val="15000"/>
+                    </a:schemeClr>
+                  </a:solidFill>
+                </a:endParaRPr>
+              </a:p>
+            </p:txBody>
+          </p:sp>
+        </p:grpSp>
+      </p:grpSp>
+      <p:pic>
+        <p:nvPicPr>
+          <p:cNvPr id="3" name="Picture 2">
+            <a:extLst>
+              <a:ext uri="{FF2B5EF4-FFF2-40B4-BE49-F238E27FC236}">
+                <a16:creationId xmlns:a16="http://schemas.microsoft.com/office/drawing/2014/main" id="{0CBACEF5-ED0A-7648-8E65-2215633D8AB9}"/>
+              </a:ext>
+            </a:extLst>
+          </p:cNvPr>
+          <p:cNvPicPr>
+            <a:picLocks noChangeAspect="1"/>
+          </p:cNvPicPr>
+          <p:nvPr/>
+        </p:nvPicPr>
+        <p:blipFill>
+          <a:blip r:embed="rId4">
+            <a:extLst>
+              <a:ext uri="{28A0092B-C50C-407E-A947-70E740481C1C}">
+                <a14:useLocalDpi xmlns:a14="http://schemas.microsoft.com/office/drawing/2010/main" val="0"/>
+              </a:ext>
+            </a:extLst>
+          </a:blip>
+          <a:stretch>
+            <a:fillRect/>
+          </a:stretch>
+        </p:blipFill>
+        <p:spPr>
+          <a:xfrm>
+            <a:off x="4168626" y="1558239"/>
+            <a:ext cx="3854747" cy="2751170"/>
+          </a:xfrm>
+          <a:prstGeom prst="rect">
+            <a:avLst/>
+          </a:prstGeom>
+        </p:spPr>
+      </p:pic>
+    </p:spTree>
+    <p:extLst>
+      <p:ext uri="{BB962C8B-B14F-4D97-AF65-F5344CB8AC3E}">
+        <p14:creationId xmlns:p14="http://schemas.microsoft.com/office/powerpoint/2010/main" val="235681876"/>
+      </p:ext>
+    </p:extLst>
+  </p:cSld>
+  <p:clrMapOvr>
+    <a:masterClrMapping/>
+  </p:clrMapOvr>
+</p:sld>
+</file>
+
+<file path=ppt/slides/slide9.xml><?xml version="1.0" encoding="utf-8"?>
+<p:sld xmlns:a="http://schemas.openxmlformats.org/drawingml/2006/main" xmlns:r="http://schemas.openxmlformats.org/officeDocument/2006/relationships" xmlns:p="http://schemas.openxmlformats.org/presentationml/2006/main">
+  <p:cSld>
+    <p:spTree>
+      <p:nvGrpSpPr>
+        <p:cNvPr id="1" name=""/>
+        <p:cNvGrpSpPr/>
+        <p:nvPr/>
+      </p:nvGrpSpPr>
+      <p:grpSpPr>
+        <a:xfrm>
+          <a:off x="0" y="0"/>
+          <a:ext cx="0" cy="0"/>
+          <a:chOff x="0" y="0"/>
+          <a:chExt cx="0" cy="0"/>
+        </a:xfrm>
+      </p:grpSpPr>
+      <p:grpSp>
+        <p:nvGrpSpPr>
+          <p:cNvPr id="4" name="Group 3">
+            <a:extLst>
+              <a:ext uri="{FF2B5EF4-FFF2-40B4-BE49-F238E27FC236}">
+                <a16:creationId xmlns:a16="http://schemas.microsoft.com/office/drawing/2014/main" id="{F4B67E14-4B87-814B-BDB4-BE841CFEC4B2}"/>
+              </a:ext>
+            </a:extLst>
+          </p:cNvPr>
+          <p:cNvGrpSpPr/>
+          <p:nvPr/>
+        </p:nvGrpSpPr>
+        <p:grpSpPr>
+          <a:xfrm>
+            <a:off x="3281512" y="3940888"/>
+            <a:ext cx="5764444" cy="1050587"/>
+            <a:chOff x="3360126" y="3971848"/>
+            <a:chExt cx="5764444" cy="1050587"/>
+          </a:xfrm>
+        </p:grpSpPr>
+        <p:grpSp>
+          <p:nvGrpSpPr>
+            <p:cNvPr id="5" name="Group 4">
+              <a:extLst>
+                <a:ext uri="{FF2B5EF4-FFF2-40B4-BE49-F238E27FC236}">
+                  <a16:creationId xmlns:a16="http://schemas.microsoft.com/office/drawing/2014/main" id="{FC96DF90-6DDB-A448-8643-9116E9A168FD}"/>
+                </a:ext>
+              </a:extLst>
+            </p:cNvPr>
+            <p:cNvGrpSpPr/>
+            <p:nvPr/>
+          </p:nvGrpSpPr>
+          <p:grpSpPr>
+            <a:xfrm>
+              <a:off x="3360126" y="4324980"/>
+              <a:ext cx="2735874" cy="328935"/>
+              <a:chOff x="7237110" y="4273903"/>
+              <a:chExt cx="2735874" cy="328935"/>
+            </a:xfrm>
+          </p:grpSpPr>
+          <p:sp>
+            <p:nvSpPr>
+              <p:cNvPr id="10" name="Intelligent Information Retrieval Laboratory">
+                <a:extLst>
+                  <a:ext uri="{FF2B5EF4-FFF2-40B4-BE49-F238E27FC236}">
+                    <a16:creationId xmlns:a16="http://schemas.microsoft.com/office/drawing/2014/main" id="{5403543F-BF3A-6E4B-A06A-E83E0715D64B}"/>
+                  </a:ext>
+                </a:extLst>
+              </p:cNvPr>
+              <p:cNvSpPr txBox="1"/>
+              <p:nvPr/>
+            </p:nvSpPr>
+            <p:spPr>
+              <a:xfrm>
+                <a:off x="7237110" y="4273903"/>
+                <a:ext cx="2590800" cy="328935"/>
+              </a:xfrm>
+              <a:prstGeom prst="rect">
+                <a:avLst/>
+              </a:prstGeom>
+              <a:noFill/>
+              <a:ln w="12700" cap="flat">
+                <a:noFill/>
+                <a:miter lim="400000"/>
+              </a:ln>
+              <a:effectLst/>
+              <a:extLst>
+                <a:ext uri="{C572A759-6A51-4108-AA02-DFA0A04FC94B}">
+                  <ma14:wrappingTextBoxFlag xmlns:ma14="http://schemas.microsoft.com/office/mac/drawingml/2011/main" xmlns:a14="http://schemas.microsoft.com/office/drawing/2010/main" xmlns:m="http://schemas.openxmlformats.org/officeDocument/2006/math" xmlns="" val="1"/>
+                </a:ext>
+              </a:extLst>
+            </p:spPr>
+            <p:txBody>
+              <a:bodyPr wrap="square" lIns="71437" tIns="71437" rIns="71437" bIns="71437" numCol="1" anchor="ctr">
+                <a:spAutoFit/>
+              </a:bodyPr>
+              <a:lstStyle>
+                <a:lvl1pPr algn="l" defTabSz="821531">
+                  <a:defRPr sz="2400" b="0">
+                    <a:solidFill>
+                      <a:srgbClr val="FFFFFF"/>
+                    </a:solidFill>
+                    <a:latin typeface="Helvetica Neue Bold Condensed"/>
+                    <a:ea typeface="Helvetica Neue Bold Condensed"/>
+                    <a:cs typeface="Helvetica Neue Bold Condensed"/>
+                    <a:sym typeface="Helvetica Neue Bold Condensed"/>
+                  </a:defRPr>
+                </a:lvl1pPr>
+              </a:lstStyle>
+              <a:p>
+                <a:r>
+                  <a:rPr kumimoji="0" lang="zh-TW" altLang="en-US" sz="1050" b="0" i="0" u="none" strike="noStrike" cap="none" spc="0" normalizeH="0" baseline="0" dirty="0">
+                    <a:ln>
+                      <a:noFill/>
+                    </a:ln>
+                    <a:solidFill>
+                      <a:schemeClr val="tx1">
+                        <a:alpha val="15000"/>
+                      </a:schemeClr>
+                    </a:solidFill>
+                    <a:effectLst/>
+                    <a:uFillTx/>
+                    <a:latin typeface="Helvetica Neue Bold Condensed"/>
+                    <a:ea typeface="Helvetica Neue Bold Condensed"/>
+                    <a:cs typeface="Helvetica Neue Bold Condensed"/>
+                    <a:sym typeface="Helvetica Neue Bold Condensed"/>
+                  </a:rPr>
+                  <a:t>第</a:t>
+                </a:r>
+                <a:r>
+                  <a:rPr kumimoji="0" lang="en-US" altLang="zh-TW" sz="1050" b="0" i="0" u="none" strike="noStrike" cap="none" spc="0" normalizeH="0" baseline="0" dirty="0">
+                    <a:ln>
+                      <a:noFill/>
+                    </a:ln>
+                    <a:solidFill>
+                      <a:schemeClr val="tx1">
+                        <a:alpha val="15000"/>
+                      </a:schemeClr>
+                    </a:solidFill>
+                    <a:effectLst/>
+                    <a:uFillTx/>
+                    <a:latin typeface="Helvetica Neue Bold Condensed"/>
+                    <a:ea typeface="Helvetica Neue Bold Condensed"/>
+                    <a:cs typeface="Helvetica Neue Bold Condensed"/>
+                    <a:sym typeface="Helvetica Neue Bold Condensed"/>
+                  </a:rPr>
+                  <a:t>13</a:t>
+                </a:r>
+                <a:r>
+                  <a:rPr kumimoji="0" lang="zh-TW" altLang="en-US" sz="1050" b="0" i="0" u="none" strike="noStrike" cap="none" spc="0" normalizeH="0" baseline="0" dirty="0">
+                    <a:ln>
+                      <a:noFill/>
+                    </a:ln>
+                    <a:solidFill>
+                      <a:schemeClr val="tx1">
+                        <a:alpha val="15000"/>
+                      </a:schemeClr>
+                    </a:solidFill>
+                    <a:effectLst/>
+                    <a:uFillTx/>
+                    <a:latin typeface="Helvetica Neue Bold Condensed"/>
+                    <a:ea typeface="Helvetica Neue Bold Condensed"/>
+                    <a:cs typeface="Helvetica Neue Bold Condensed"/>
+                    <a:sym typeface="Helvetica Neue Bold Condensed"/>
+                  </a:rPr>
+                  <a:t>屆 </a:t>
+                </a:r>
+                <a:r>
+                  <a:rPr kumimoji="0" lang="en-US" sz="1200" b="0" i="0" u="none" strike="noStrike" cap="none" spc="0" normalizeH="0" baseline="0" dirty="0">
+                    <a:ln>
+                      <a:noFill/>
+                    </a:ln>
+                    <a:solidFill>
+                      <a:schemeClr val="tx1">
+                        <a:alpha val="15000"/>
+                      </a:schemeClr>
+                    </a:solidFill>
+                    <a:effectLst/>
+                    <a:uFillTx/>
+                    <a:latin typeface="Helvetica Neue Bold Condensed"/>
+                    <a:ea typeface="Helvetica Neue Bold Condensed"/>
+                    <a:cs typeface="Helvetica Neue Bold Condensed"/>
+                    <a:sym typeface="Helvetica Neue Bold Condensed"/>
+                  </a:rPr>
+                  <a:t>iT</a:t>
+                </a:r>
+                <a:r>
+                  <a:rPr kumimoji="0" lang="zh-TW" altLang="en-US" sz="1100" b="0" i="0" u="none" strike="noStrike" cap="none" spc="0" normalizeH="0" baseline="0" dirty="0">
+                    <a:ln>
+                      <a:noFill/>
+                    </a:ln>
+                    <a:solidFill>
+                      <a:schemeClr val="tx1">
+                        <a:alpha val="15000"/>
+                      </a:schemeClr>
+                    </a:solidFill>
+                    <a:effectLst/>
+                    <a:uFillTx/>
+                    <a:latin typeface="Helvetica Neue Bold Condensed"/>
+                    <a:ea typeface="Helvetica Neue Bold Condensed"/>
+                    <a:cs typeface="Helvetica Neue Bold Condensed"/>
+                    <a:sym typeface="Helvetica Neue Bold Condensed"/>
+                  </a:rPr>
+                  <a:t>邦</a:t>
+                </a:r>
+                <a:r>
+                  <a:rPr kumimoji="0" lang="zh-TW" altLang="en-US" sz="1000" b="0" i="0" u="none" strike="noStrike" cap="none" spc="0" normalizeH="0" baseline="0" dirty="0">
+                    <a:ln>
+                      <a:noFill/>
+                    </a:ln>
+                    <a:solidFill>
+                      <a:schemeClr val="tx1">
+                        <a:alpha val="15000"/>
+                      </a:schemeClr>
+                    </a:solidFill>
+                    <a:effectLst/>
+                    <a:uFillTx/>
+                    <a:latin typeface="Helvetica Neue Bold Condensed"/>
+                    <a:ea typeface="Helvetica Neue Bold Condensed"/>
+                    <a:cs typeface="Helvetica Neue Bold Condensed"/>
+                    <a:sym typeface="Helvetica Neue Bold Condensed"/>
+                  </a:rPr>
+                  <a:t>幫忙</a:t>
+                </a:r>
+                <a:r>
+                  <a:rPr kumimoji="0" lang="zh-TW" altLang="en-US" sz="1100" b="0" i="0" u="none" strike="noStrike" cap="none" spc="0" normalizeH="0" baseline="0" dirty="0">
+                    <a:ln>
+                      <a:noFill/>
+                    </a:ln>
+                    <a:solidFill>
+                      <a:schemeClr val="tx1">
+                        <a:alpha val="15000"/>
+                      </a:schemeClr>
+                    </a:solidFill>
+                    <a:effectLst/>
+                    <a:uFillTx/>
+                    <a:latin typeface="Helvetica Neue Bold Condensed"/>
+                    <a:ea typeface="Helvetica Neue Bold Condensed"/>
+                    <a:cs typeface="Helvetica Neue Bold Condensed"/>
+                    <a:sym typeface="Helvetica Neue Bold Condensed"/>
+                  </a:rPr>
+                  <a:t> 鐵人賽</a:t>
+                </a:r>
+                <a:endParaRPr sz="1100" dirty="0">
+                  <a:solidFill>
+                    <a:schemeClr val="tx1">
+                      <a:alpha val="15000"/>
+                    </a:schemeClr>
+                  </a:solidFill>
+                </a:endParaRPr>
+              </a:p>
+            </p:txBody>
+          </p:sp>
+          <p:sp>
+            <p:nvSpPr>
+              <p:cNvPr id="11" name="Intelligent Information Retrieval Laboratory">
+                <a:extLst>
+                  <a:ext uri="{FF2B5EF4-FFF2-40B4-BE49-F238E27FC236}">
+                    <a16:creationId xmlns:a16="http://schemas.microsoft.com/office/drawing/2014/main" id="{282437F9-258E-0D46-8004-2F3D31BEE496}"/>
+                  </a:ext>
+                </a:extLst>
+              </p:cNvPr>
+              <p:cNvSpPr txBox="1"/>
+              <p:nvPr/>
+            </p:nvSpPr>
+            <p:spPr>
+              <a:xfrm>
+                <a:off x="8753784" y="4289292"/>
+                <a:ext cx="1219200" cy="313546"/>
+              </a:xfrm>
+              <a:prstGeom prst="rect">
+                <a:avLst/>
+              </a:prstGeom>
+              <a:noFill/>
+              <a:ln w="12700" cap="flat">
+                <a:noFill/>
+                <a:miter lim="400000"/>
+              </a:ln>
+              <a:effectLst/>
+              <a:extLst>
+                <a:ext uri="{C572A759-6A51-4108-AA02-DFA0A04FC94B}">
+                  <ma14:wrappingTextBoxFlag xmlns:ma14="http://schemas.microsoft.com/office/mac/drawingml/2011/main" xmlns:a14="http://schemas.microsoft.com/office/drawing/2010/main" xmlns:m="http://schemas.openxmlformats.org/officeDocument/2006/math" xmlns="" val="1"/>
+                </a:ext>
+              </a:extLst>
+            </p:spPr>
+            <p:txBody>
+              <a:bodyPr wrap="square" lIns="71437" tIns="71437" rIns="71437" bIns="71437" numCol="1" anchor="ctr">
+                <a:spAutoFit/>
+              </a:bodyPr>
+              <a:lstStyle>
+                <a:lvl1pPr algn="l" defTabSz="821531">
+                  <a:defRPr sz="2400" b="0">
+                    <a:solidFill>
+                      <a:srgbClr val="FFFFFF"/>
+                    </a:solidFill>
+                    <a:latin typeface="Helvetica Neue Bold Condensed"/>
+                    <a:ea typeface="Helvetica Neue Bold Condensed"/>
+                    <a:cs typeface="Helvetica Neue Bold Condensed"/>
+                    <a:sym typeface="Helvetica Neue Bold Condensed"/>
+                  </a:defRPr>
+                </a:lvl1pPr>
+              </a:lstStyle>
+              <a:p>
+                <a:r>
+                  <a:rPr kumimoji="0" lang="en-US" altLang="zh-TW" sz="1050" b="0" i="0" u="none" strike="noStrike" cap="none" spc="0" normalizeH="0" baseline="0" dirty="0">
+                    <a:ln>
+                      <a:noFill/>
+                    </a:ln>
+                    <a:solidFill>
+                      <a:schemeClr val="tx1">
+                        <a:alpha val="15000"/>
+                      </a:schemeClr>
+                    </a:solidFill>
+                    <a:effectLst/>
+                    <a:uFillTx/>
+                    <a:latin typeface="Helvetica Neue Bold Condensed"/>
+                    <a:ea typeface="Helvetica Neue Bold Condensed"/>
+                    <a:cs typeface="Helvetica Neue Bold Condensed"/>
+                    <a:sym typeface="Helvetica Neue Bold Condensed"/>
+                  </a:rPr>
+                  <a:t>AI &amp; Data </a:t>
+                </a:r>
+                <a:r>
+                  <a:rPr kumimoji="0" lang="zh-TW" altLang="en-US" sz="1050" b="0" i="0" u="none" strike="noStrike" cap="none" spc="0" normalizeH="0" baseline="0" dirty="0">
+                    <a:ln>
+                      <a:noFill/>
+                    </a:ln>
+                    <a:solidFill>
+                      <a:schemeClr val="tx1">
+                        <a:alpha val="15000"/>
+                      </a:schemeClr>
+                    </a:solidFill>
+                    <a:effectLst/>
+                    <a:uFillTx/>
+                    <a:latin typeface="Helvetica Neue Bold Condensed"/>
+                    <a:ea typeface="Helvetica Neue Bold Condensed"/>
+                    <a:cs typeface="Helvetica Neue Bold Condensed"/>
+                    <a:sym typeface="Helvetica Neue Bold Condensed"/>
+                  </a:rPr>
+                  <a:t>組</a:t>
+                </a:r>
+                <a:endParaRPr sz="1100" dirty="0">
+                  <a:solidFill>
+                    <a:schemeClr val="tx1">
+                      <a:alpha val="15000"/>
+                    </a:schemeClr>
+                  </a:solidFill>
+                </a:endParaRPr>
+              </a:p>
+            </p:txBody>
+          </p:sp>
+        </p:grpSp>
+        <p:grpSp>
+          <p:nvGrpSpPr>
+            <p:cNvPr id="6" name="Group 5">
+              <a:extLst>
+                <a:ext uri="{FF2B5EF4-FFF2-40B4-BE49-F238E27FC236}">
+                  <a16:creationId xmlns:a16="http://schemas.microsoft.com/office/drawing/2014/main" id="{349B70F4-3381-7641-B675-6867668F0B40}"/>
+                </a:ext>
+              </a:extLst>
+            </p:cNvPr>
+            <p:cNvGrpSpPr/>
+            <p:nvPr/>
+          </p:nvGrpSpPr>
+          <p:grpSpPr>
+            <a:xfrm>
+              <a:off x="7247835" y="3971848"/>
+              <a:ext cx="1876735" cy="1050587"/>
+              <a:chOff x="3891792" y="3940042"/>
+              <a:chExt cx="1876735" cy="1050587"/>
+            </a:xfrm>
+          </p:grpSpPr>
+          <p:pic>
+            <p:nvPicPr>
+              <p:cNvPr id="7" name="Picture 6">
+                <a:extLst>
+                  <a:ext uri="{FF2B5EF4-FFF2-40B4-BE49-F238E27FC236}">
+                    <a16:creationId xmlns:a16="http://schemas.microsoft.com/office/drawing/2014/main" id="{365C4D87-4BA4-6643-8425-256B9B8BA288}"/>
+                  </a:ext>
+                </a:extLst>
+              </p:cNvPr>
+              <p:cNvPicPr>
+                <a:picLocks noChangeAspect="1" noChangeArrowheads="1"/>
+              </p:cNvPicPr>
+              <p:nvPr/>
+            </p:nvPicPr>
+            <p:blipFill>
+              <a:blip r:embed="rId2">
+                <a:duotone>
+                  <a:prstClr val="black"/>
+                  <a:schemeClr val="tx1">
+                    <a:tint val="45000"/>
+                    <a:satMod val="400000"/>
+                  </a:schemeClr>
+                </a:duotone>
+                <a:alphaModFix amt="20000"/>
+              </a:blip>
+              <a:srcRect/>
+              <a:stretch/>
+            </p:blipFill>
+            <p:spPr bwMode="auto">
+              <a:xfrm>
+                <a:off x="4489805" y="3940042"/>
+                <a:ext cx="1050587" cy="1050587"/>
+              </a:xfrm>
+              <a:prstGeom prst="rect">
+                <a:avLst/>
+              </a:prstGeom>
+              <a:noFill/>
+              <a:extLst>
+                <a:ext uri="{909E8E84-426E-40DD-AFC4-6F175D3DCCD1}">
+                  <a14:hiddenFill xmlns:a14="http://schemas.microsoft.com/office/drawing/2010/main">
+                    <a:solidFill>
+                      <a:srgbClr val="FFFFFF"/>
+                    </a:solidFill>
+                  </a14:hiddenFill>
+                </a:ext>
+              </a:extLst>
+            </p:spPr>
+          </p:pic>
+          <p:pic>
+            <p:nvPicPr>
+              <p:cNvPr id="8" name="Picture 4" descr="Youtube logo | Logok">
+                <a:extLst>
+                  <a:ext uri="{FF2B5EF4-FFF2-40B4-BE49-F238E27FC236}">
+                    <a16:creationId xmlns:a16="http://schemas.microsoft.com/office/drawing/2014/main" id="{16301F7B-7ADF-F448-8AB1-A1A75ADE6DF1}"/>
+                  </a:ext>
+                </a:extLst>
+              </p:cNvPr>
+              <p:cNvPicPr>
+                <a:picLocks noChangeAspect="1" noChangeArrowheads="1"/>
+              </p:cNvPicPr>
+              <p:nvPr/>
+            </p:nvPicPr>
+            <p:blipFill>
+              <a:blip r:embed="rId3">
+                <a:alphaModFix amt="20000"/>
+                <a:extLst>
+                  <a:ext uri="{28A0092B-C50C-407E-A947-70E740481C1C}">
+                    <a14:useLocalDpi xmlns:a14="http://schemas.microsoft.com/office/drawing/2010/main" val="0"/>
+                  </a:ext>
+                </a:extLst>
+              </a:blip>
+              <a:srcRect/>
+              <a:stretch>
+                <a:fillRect/>
+              </a:stretch>
+            </p:blipFill>
+            <p:spPr bwMode="auto">
+              <a:xfrm>
+                <a:off x="3891792" y="4187926"/>
+                <a:ext cx="739756" cy="554817"/>
+              </a:xfrm>
+              <a:prstGeom prst="rect">
+                <a:avLst/>
+              </a:prstGeom>
+              <a:noFill/>
+              <a:extLst>
+                <a:ext uri="{909E8E84-426E-40DD-AFC4-6F175D3DCCD1}">
+                  <a14:hiddenFill xmlns:a14="http://schemas.microsoft.com/office/drawing/2010/main">
+                    <a:solidFill>
+                      <a:srgbClr val="FFFFFF"/>
+                    </a:solidFill>
+                  </a14:hiddenFill>
+                </a:ext>
+              </a:extLst>
+            </p:spPr>
+          </p:pic>
+          <p:sp>
+            <p:nvSpPr>
+              <p:cNvPr id="9" name="Intelligent Information Retrieval Laboratory">
+                <a:extLst>
+                  <a:ext uri="{FF2B5EF4-FFF2-40B4-BE49-F238E27FC236}">
+                    <a16:creationId xmlns:a16="http://schemas.microsoft.com/office/drawing/2014/main" id="{3C723C68-4897-6F42-9798-D6F3771C25D8}"/>
+                  </a:ext>
+                </a:extLst>
+              </p:cNvPr>
+              <p:cNvSpPr txBox="1"/>
+              <p:nvPr/>
+            </p:nvSpPr>
+            <p:spPr>
+              <a:xfrm>
+                <a:off x="4549327" y="4308601"/>
+                <a:ext cx="1219200" cy="328935"/>
+              </a:xfrm>
+              <a:prstGeom prst="rect">
+                <a:avLst/>
+              </a:prstGeom>
+              <a:noFill/>
+              <a:ln w="12700" cap="flat">
+                <a:noFill/>
+                <a:miter lim="400000"/>
+              </a:ln>
+              <a:effectLst/>
+              <a:extLst>
+                <a:ext uri="{C572A759-6A51-4108-AA02-DFA0A04FC94B}">
+                  <ma14:wrappingTextBoxFlag xmlns:ma14="http://schemas.microsoft.com/office/mac/drawingml/2011/main" xmlns:a14="http://schemas.microsoft.com/office/drawing/2010/main" xmlns:m="http://schemas.openxmlformats.org/officeDocument/2006/math" xmlns="" val="1"/>
+                </a:ext>
+              </a:extLst>
+            </p:spPr>
+            <p:txBody>
+              <a:bodyPr wrap="square" lIns="71437" tIns="71437" rIns="71437" bIns="71437" numCol="1" anchor="ctr">
+                <a:spAutoFit/>
+              </a:bodyPr>
+              <a:lstStyle>
+                <a:lvl1pPr algn="l" defTabSz="821531">
+                  <a:defRPr sz="2400" b="0">
+                    <a:solidFill>
+                      <a:srgbClr val="FFFFFF"/>
+                    </a:solidFill>
+                    <a:latin typeface="Helvetica Neue Bold Condensed"/>
+                    <a:ea typeface="Helvetica Neue Bold Condensed"/>
+                    <a:cs typeface="Helvetica Neue Bold Condensed"/>
+                    <a:sym typeface="Helvetica Neue Bold Condensed"/>
+                  </a:defRPr>
+                </a:lvl1pPr>
+              </a:lstStyle>
+              <a:p>
+                <a:r>
+                  <a:rPr kumimoji="0" lang="en-US" altLang="zh-TW" sz="1200" b="0" i="0" u="none" strike="noStrike" cap="none" spc="0" normalizeH="0" baseline="0" dirty="0">
+                    <a:ln>
+                      <a:noFill/>
+                    </a:ln>
+                    <a:solidFill>
+                      <a:schemeClr val="tx1">
+                        <a:alpha val="15000"/>
+                      </a:schemeClr>
+                    </a:solidFill>
+                    <a:effectLst/>
+                    <a:uFillTx/>
+                    <a:latin typeface="Helvetica Neue Bold Condensed"/>
+                    <a:ea typeface="Helvetica Neue Bold Condensed"/>
+                    <a:cs typeface="Helvetica Neue Bold Condensed"/>
+                    <a:sym typeface="Helvetica Neue Bold Condensed"/>
+                  </a:rPr>
+                  <a:t>10</a:t>
+                </a:r>
+                <a:r>
+                  <a:rPr kumimoji="0" lang="zh-TW" altLang="en-US" sz="1200" b="0" i="0" u="none" strike="noStrike" cap="none" spc="0" normalizeH="0" baseline="0" dirty="0">
+                    <a:ln>
+                      <a:noFill/>
+                    </a:ln>
+                    <a:solidFill>
+                      <a:schemeClr val="tx1">
+                        <a:alpha val="15000"/>
+                      </a:schemeClr>
+                    </a:solidFill>
+                    <a:effectLst/>
+                    <a:uFillTx/>
+                    <a:sym typeface="Helvetica Neue Bold Condensed"/>
+                  </a:rPr>
+                  <a:t>程式中</a:t>
+                </a:r>
+                <a:endParaRPr sz="1400" dirty="0">
+                  <a:solidFill>
+                    <a:schemeClr val="tx1">
+                      <a:alpha val="15000"/>
+                    </a:schemeClr>
+                  </a:solidFill>
+                </a:endParaRPr>
+              </a:p>
+            </p:txBody>
+          </p:sp>
+        </p:grpSp>
+      </p:grpSp>
+      <p:pic>
+        <p:nvPicPr>
+          <p:cNvPr id="3" name="Picture 2">
+            <a:extLst>
+              <a:ext uri="{FF2B5EF4-FFF2-40B4-BE49-F238E27FC236}">
+                <a16:creationId xmlns:a16="http://schemas.microsoft.com/office/drawing/2014/main" id="{D1C8E73C-8953-9D4B-A88E-7FF98F28E301}"/>
+              </a:ext>
+            </a:extLst>
+          </p:cNvPr>
+          <p:cNvPicPr>
+            <a:picLocks noChangeAspect="1"/>
+          </p:cNvPicPr>
+          <p:nvPr/>
+        </p:nvPicPr>
+        <p:blipFill>
+          <a:blip r:embed="rId4">
+            <a:extLst>
+              <a:ext uri="{28A0092B-C50C-407E-A947-70E740481C1C}">
+                <a14:useLocalDpi xmlns:a14="http://schemas.microsoft.com/office/drawing/2010/main" val="0"/>
+              </a:ext>
+            </a:extLst>
+          </a:blip>
+          <a:stretch>
+            <a:fillRect/>
+          </a:stretch>
+        </p:blipFill>
+        <p:spPr>
+          <a:xfrm>
+            <a:off x="3253576" y="1910631"/>
+            <a:ext cx="5527620" cy="2398778"/>
+          </a:xfrm>
+          <a:prstGeom prst="rect">
+            <a:avLst/>
+          </a:prstGeom>
+        </p:spPr>
+      </p:pic>
+    </p:spTree>
+    <p:extLst>
+      <p:ext uri="{BB962C8B-B14F-4D97-AF65-F5344CB8AC3E}">
+        <p14:creationId xmlns:p14="http://schemas.microsoft.com/office/powerpoint/2010/main" val="2391596606"/>
       </p:ext>
     </p:extLst>
   </p:cSld>
